--- a/Discussion 9.pptx
+++ b/Discussion 9.pptx
@@ -5,19 +5,21 @@
     <p:sldMasterId id="2147483648" r:id="rId1"/>
   </p:sldMasterIdLst>
   <p:notesMasterIdLst>
-    <p:notesMasterId r:id="rId12"/>
+    <p:notesMasterId r:id="rId14"/>
   </p:notesMasterIdLst>
   <p:sldIdLst>
     <p:sldId id="256" r:id="rId2"/>
-    <p:sldId id="277" r:id="rId3"/>
-    <p:sldId id="276" r:id="rId4"/>
-    <p:sldId id="263" r:id="rId5"/>
-    <p:sldId id="264" r:id="rId6"/>
-    <p:sldId id="265" r:id="rId7"/>
-    <p:sldId id="273" r:id="rId8"/>
-    <p:sldId id="257" r:id="rId9"/>
-    <p:sldId id="279" r:id="rId10"/>
-    <p:sldId id="260" r:id="rId11"/>
+    <p:sldId id="257" r:id="rId3"/>
+    <p:sldId id="258" r:id="rId4"/>
+    <p:sldId id="259" r:id="rId5"/>
+    <p:sldId id="260" r:id="rId6"/>
+    <p:sldId id="261" r:id="rId7"/>
+    <p:sldId id="262" r:id="rId8"/>
+    <p:sldId id="263" r:id="rId9"/>
+    <p:sldId id="264" r:id="rId10"/>
+    <p:sldId id="265" r:id="rId11"/>
+    <p:sldId id="266" r:id="rId12"/>
+    <p:sldId id="267" r:id="rId13"/>
   </p:sldIdLst>
   <p:sldSz cx="9144000" cy="5143500" type="screen16x9"/>
   <p:notesSz cx="9144000" cy="5143500"/>
@@ -266,7 +268,7 @@
       </p15:sldGuideLst>
     </p:ext>
     <p:ext uri="http://customooxmlschemas.google.com/">
-      <go:slidesCustomData xmlns="" xmlns:mc="http://schemas.openxmlformats.org/markup-compatibility/2006" xmlns:mv="urn:schemas-microsoft-com:mac:vml" xmlns:c="http://schemas.openxmlformats.org/drawingml/2006/chart" xmlns:dgm="http://schemas.openxmlformats.org/drawingml/2006/diagram" xmlns:o="urn:schemas-microsoft-com:office:office" xmlns:v="urn:schemas-microsoft-com:vml" xmlns:pvml="urn:schemas-microsoft-com:office:powerpoint" xmlns:com="http://schemas.openxmlformats.org/drawingml/2006/compatibility" xmlns:p14="http://schemas.microsoft.com/office/powerpoint/2010/main" xmlns:p15="http://schemas.microsoft.com/office/powerpoint/2012/main" xmlns:ahyp="http://schemas.microsoft.com/office/drawing/2018/hyperlinkcolor" xmlns:go="http://customooxmlschemas.google.com/" r:id="rId14" roundtripDataSignature="AMtx7mi/wcUZfcGyigLaNKhBpC/+eGXB6Q=="/>
+      <go:slidesCustomData xmlns:go="http://customooxmlschemas.google.com/" xmlns:ahyp="http://schemas.microsoft.com/office/drawing/2018/hyperlinkcolor" xmlns:p15="http://schemas.microsoft.com/office/powerpoint/2012/main" xmlns:p14="http://schemas.microsoft.com/office/powerpoint/2010/main" xmlns:com="http://schemas.openxmlformats.org/drawingml/2006/compatibility" xmlns:pvml="urn:schemas-microsoft-com:office:powerpoint" xmlns:v="urn:schemas-microsoft-com:vml" xmlns:o="urn:schemas-microsoft-com:office:office" xmlns:dgm="http://schemas.openxmlformats.org/drawingml/2006/diagram" xmlns:c="http://schemas.openxmlformats.org/drawingml/2006/chart" xmlns:mv="urn:schemas-microsoft-com:mac:vml" xmlns:mc="http://schemas.openxmlformats.org/markup-compatibility/2006" xmlns="" r:id="rId18" roundtripDataSignature="AMtx7mjJhHTPMXlV202dFW9YFVmH/4+Jxw=="/>
     </p:ext>
   </p:extLst>
 </p:presentation>
@@ -856,7 +858,7 @@
   <p:cSld>
     <p:spTree>
       <p:nvGrpSpPr>
-        <p:cNvPr id="1" name="Shape 35"/>
+        <p:cNvPr id="1" name="Shape 36"/>
         <p:cNvGrpSpPr/>
         <p:nvPr/>
       </p:nvGrpSpPr>
@@ -870,7 +872,7 @@
       </p:grpSpPr>
       <p:sp>
         <p:nvSpPr>
-          <p:cNvPr id="36" name="Google Shape;36;p1:notes"/>
+          <p:cNvPr id="37" name="Google Shape;37;p1:notes"/>
           <p:cNvSpPr txBox="1">
             <a:spLocks noGrp="1"/>
           </p:cNvSpPr>
@@ -916,7 +918,7 @@
       </p:sp>
       <p:sp>
         <p:nvSpPr>
-          <p:cNvPr id="37" name="Google Shape;37;p1:notes"/>
+          <p:cNvPr id="38" name="Google Shape;38;p1:notes"/>
           <p:cNvSpPr>
             <a:spLocks noGrp="1" noRot="1" noChangeAspect="1"/>
           </p:cNvSpPr>
@@ -978,7 +980,7 @@
   <p:cSld>
     <p:spTree>
       <p:nvGrpSpPr>
-        <p:cNvPr id="1" name="Shape 64"/>
+        <p:cNvPr id="1" name="Shape 87"/>
         <p:cNvGrpSpPr/>
         <p:nvPr/>
       </p:nvGrpSpPr>
@@ -992,7 +994,7 @@
       </p:grpSpPr>
       <p:sp>
         <p:nvSpPr>
-          <p:cNvPr id="65" name="Google Shape;65;p5:notes"/>
+          <p:cNvPr id="88" name="Google Shape;88;p5:notes"/>
           <p:cNvSpPr txBox="1">
             <a:spLocks noGrp="1"/>
           </p:cNvSpPr>
@@ -1038,7 +1040,7 @@
       </p:sp>
       <p:sp>
         <p:nvSpPr>
-          <p:cNvPr id="66" name="Google Shape;66;p5:notes"/>
+          <p:cNvPr id="89" name="Google Shape;89;p5:notes"/>
           <p:cNvSpPr>
             <a:spLocks noGrp="1" noRot="1" noChangeAspect="1"/>
           </p:cNvSpPr>
@@ -1095,12 +1097,12 @@
 </p:notes>
 </file>
 
-<file path=ppt/notesSlides/notesSlide2.xml><?xml version="1.0" encoding="utf-8"?>
+<file path=ppt/notesSlides/notesSlide11.xml><?xml version="1.0" encoding="utf-8"?>
 <p:notes xmlns:a="http://schemas.openxmlformats.org/drawingml/2006/main" xmlns:r="http://schemas.openxmlformats.org/officeDocument/2006/relationships" xmlns:p="http://schemas.openxmlformats.org/presentationml/2006/main" showMasterSp="0" showMasterPhAnim="0">
   <p:cSld>
     <p:spTree>
       <p:nvGrpSpPr>
-        <p:cNvPr id="1" name="Shape 97"/>
+        <p:cNvPr id="1" name="Shape 93"/>
         <p:cNvGrpSpPr/>
         <p:nvPr/>
       </p:nvGrpSpPr>
@@ -1114,7 +1116,7 @@
       </p:grpSpPr>
       <p:sp>
         <p:nvSpPr>
-          <p:cNvPr id="98" name="Google Shape;98;p9:notes"/>
+          <p:cNvPr id="94" name="Google Shape;94;g1774c98ed2c_0_0:notes"/>
           <p:cNvSpPr>
             <a:spLocks noGrp="1" noRot="1" noChangeAspect="1"/>
           </p:cNvSpPr>
@@ -1165,7 +1167,7 @@
       </p:sp>
       <p:sp>
         <p:nvSpPr>
-          <p:cNvPr id="99" name="Google Shape;99;p9:notes"/>
+          <p:cNvPr id="95" name="Google Shape;95;g1774c98ed2c_0_0:notes"/>
           <p:cNvSpPr txBox="1">
             <a:spLocks noGrp="1"/>
           </p:cNvSpPr>
@@ -1217,12 +1219,12 @@
 </p:notes>
 </file>
 
-<file path=ppt/notesSlides/notesSlide3.xml><?xml version="1.0" encoding="utf-8"?>
+<file path=ppt/notesSlides/notesSlide12.xml><?xml version="1.0" encoding="utf-8"?>
 <p:notes xmlns:a="http://schemas.openxmlformats.org/drawingml/2006/main" xmlns:r="http://schemas.openxmlformats.org/officeDocument/2006/relationships" xmlns:p="http://schemas.openxmlformats.org/presentationml/2006/main" showMasterSp="0" showMasterPhAnim="0">
   <p:cSld>
     <p:spTree>
       <p:nvGrpSpPr>
-        <p:cNvPr id="1" name="Shape 91"/>
+        <p:cNvPr id="1" name="Shape 98"/>
         <p:cNvGrpSpPr/>
         <p:nvPr/>
       </p:nvGrpSpPr>
@@ -1236,7 +1238,129 @@
       </p:grpSpPr>
       <p:sp>
         <p:nvSpPr>
-          <p:cNvPr id="92" name="Google Shape;92;p8:notes"/>
+          <p:cNvPr id="99" name="Google Shape;99;g1774c98ed2c_1_0:notes"/>
+          <p:cNvSpPr>
+            <a:spLocks noGrp="1" noRot="1" noChangeAspect="1"/>
+          </p:cNvSpPr>
+          <p:nvPr>
+            <p:ph type="sldImg" idx="2"/>
+          </p:nvPr>
+        </p:nvSpPr>
+        <p:spPr>
+          <a:xfrm>
+            <a:off x="508400" y="385763"/>
+            <a:ext cx="8127900" cy="1928700"/>
+          </a:xfrm>
+          <a:custGeom>
+            <a:avLst/>
+            <a:gdLst/>
+            <a:ahLst/>
+            <a:cxnLst/>
+            <a:rect l="l" t="t" r="r" b="b"/>
+            <a:pathLst>
+              <a:path w="120000" h="120000" extrusionOk="0">
+                <a:moveTo>
+                  <a:pt x="0" y="0"/>
+                </a:moveTo>
+                <a:lnTo>
+                  <a:pt x="120000" y="0"/>
+                </a:lnTo>
+                <a:lnTo>
+                  <a:pt x="120000" y="120000"/>
+                </a:lnTo>
+                <a:lnTo>
+                  <a:pt x="0" y="120000"/>
+                </a:lnTo>
+                <a:close/>
+              </a:path>
+            </a:pathLst>
+          </a:custGeom>
+          <a:noFill/>
+          <a:ln w="9525" cap="flat" cmpd="sng">
+            <a:solidFill>
+              <a:srgbClr val="000000"/>
+            </a:solidFill>
+            <a:prstDash val="solid"/>
+            <a:round/>
+            <a:headEnd type="none" w="sm" len="sm"/>
+            <a:tailEnd type="none" w="sm" len="sm"/>
+          </a:ln>
+        </p:spPr>
+      </p:sp>
+      <p:sp>
+        <p:nvSpPr>
+          <p:cNvPr id="100" name="Google Shape;100;g1774c98ed2c_1_0:notes"/>
+          <p:cNvSpPr txBox="1">
+            <a:spLocks noGrp="1"/>
+          </p:cNvSpPr>
+          <p:nvPr>
+            <p:ph type="body" idx="1"/>
+          </p:nvPr>
+        </p:nvSpPr>
+        <p:spPr>
+          <a:xfrm>
+            <a:off x="914400" y="2443163"/>
+            <a:ext cx="7315200" cy="2314500"/>
+          </a:xfrm>
+          <a:prstGeom prst="rect">
+            <a:avLst/>
+          </a:prstGeom>
+          <a:noFill/>
+          <a:ln>
+            <a:noFill/>
+          </a:ln>
+        </p:spPr>
+        <p:txBody>
+          <a:bodyPr spcFirstLastPara="1" wrap="square" lIns="91425" tIns="91425" rIns="91425" bIns="91425" anchor="t" anchorCtr="0">
+            <a:noAutofit/>
+          </a:bodyPr>
+          <a:lstStyle/>
+          <a:p>
+            <a:pPr marL="0" lvl="0" indent="0" algn="l" rtl="0">
+              <a:lnSpc>
+                <a:spcPct val="100000"/>
+              </a:lnSpc>
+              <a:spcBef>
+                <a:spcPts val="0"/>
+              </a:spcBef>
+              <a:spcAft>
+                <a:spcPts val="0"/>
+              </a:spcAft>
+              <a:buSzPts val="1100"/>
+              <a:buNone/>
+            </a:pPr>
+            <a:endParaRPr/>
+          </a:p>
+        </p:txBody>
+      </p:sp>
+    </p:spTree>
+  </p:cSld>
+  <p:clrMapOvr>
+    <a:masterClrMapping/>
+  </p:clrMapOvr>
+</p:notes>
+</file>
+
+<file path=ppt/notesSlides/notesSlide2.xml><?xml version="1.0" encoding="utf-8"?>
+<p:notes xmlns:a="http://schemas.openxmlformats.org/drawingml/2006/main" xmlns:r="http://schemas.openxmlformats.org/officeDocument/2006/relationships" xmlns:p="http://schemas.openxmlformats.org/presentationml/2006/main" showMasterSp="0" showMasterPhAnim="0">
+  <p:cSld>
+    <p:spTree>
+      <p:nvGrpSpPr>
+        <p:cNvPr id="1" name="Shape 41"/>
+        <p:cNvGrpSpPr/>
+        <p:nvPr/>
+      </p:nvGrpSpPr>
+      <p:grpSpPr>
+        <a:xfrm>
+          <a:off x="0" y="0"/>
+          <a:ext cx="0" cy="0"/>
+          <a:chOff x="0" y="0"/>
+          <a:chExt cx="0" cy="0"/>
+        </a:xfrm>
+      </p:grpSpPr>
+      <p:sp>
+        <p:nvSpPr>
+          <p:cNvPr id="42" name="Google Shape;42;p7:notes"/>
           <p:cNvSpPr>
             <a:spLocks noGrp="1" noRot="1" noChangeAspect="1"/>
           </p:cNvSpPr>
@@ -1287,7 +1411,7 @@
       </p:sp>
       <p:sp>
         <p:nvSpPr>
-          <p:cNvPr id="93" name="Google Shape;93;p8:notes"/>
+          <p:cNvPr id="43" name="Google Shape;43;p7:notes"/>
           <p:cNvSpPr txBox="1">
             <a:spLocks noGrp="1"/>
           </p:cNvSpPr>
@@ -1332,11 +1456,6 @@
         </p:txBody>
       </p:sp>
     </p:spTree>
-    <p:extLst>
-      <p:ext uri="{BB962C8B-B14F-4D97-AF65-F5344CB8AC3E}">
-        <p14:creationId xmlns:p14="http://schemas.microsoft.com/office/powerpoint/2010/main" val="1275197981"/>
-      </p:ext>
-    </p:extLst>
   </p:cSld>
   <p:clrMapOvr>
     <a:masterClrMapping/>
@@ -1344,12 +1463,12 @@
 </p:notes>
 </file>
 
-<file path=ppt/notesSlides/notesSlide4.xml><?xml version="1.0" encoding="utf-8"?>
+<file path=ppt/notesSlides/notesSlide3.xml><?xml version="1.0" encoding="utf-8"?>
 <p:notes xmlns:a="http://schemas.openxmlformats.org/drawingml/2006/main" xmlns:r="http://schemas.openxmlformats.org/officeDocument/2006/relationships" xmlns:p="http://schemas.openxmlformats.org/presentationml/2006/main" showMasterSp="0" showMasterPhAnim="0">
   <p:cSld>
     <p:spTree>
       <p:nvGrpSpPr>
-        <p:cNvPr id="1" name="Shape 62"/>
+        <p:cNvPr id="1" name="Shape 46"/>
         <p:cNvGrpSpPr/>
         <p:nvPr/>
       </p:nvGrpSpPr>
@@ -1363,319 +1482,7 @@
       </p:grpSpPr>
       <p:sp>
         <p:nvSpPr>
-          <p:cNvPr id="63" name="Google Shape;63;g119db730033_0_0:notes"/>
-          <p:cNvSpPr>
-            <a:spLocks noGrp="1" noRot="1" noChangeAspect="1"/>
-          </p:cNvSpPr>
-          <p:nvPr>
-            <p:ph type="sldImg" idx="2"/>
-          </p:nvPr>
-        </p:nvSpPr>
-        <p:spPr>
-          <a:xfrm>
-            <a:off x="381000" y="685800"/>
-            <a:ext cx="6096000" cy="3429000"/>
-          </a:xfrm>
-          <a:custGeom>
-            <a:avLst/>
-            <a:gdLst/>
-            <a:ahLst/>
-            <a:cxnLst/>
-            <a:rect l="l" t="t" r="r" b="b"/>
-            <a:pathLst>
-              <a:path w="120000" h="120000" extrusionOk="0">
-                <a:moveTo>
-                  <a:pt x="0" y="0"/>
-                </a:moveTo>
-                <a:lnTo>
-                  <a:pt x="120000" y="0"/>
-                </a:lnTo>
-                <a:lnTo>
-                  <a:pt x="120000" y="120000"/>
-                </a:lnTo>
-                <a:lnTo>
-                  <a:pt x="0" y="120000"/>
-                </a:lnTo>
-                <a:close/>
-              </a:path>
-            </a:pathLst>
-          </a:custGeom>
-        </p:spPr>
-      </p:sp>
-      <p:sp>
-        <p:nvSpPr>
-          <p:cNvPr id="64" name="Google Shape;64;g119db730033_0_0:notes"/>
-          <p:cNvSpPr txBox="1">
-            <a:spLocks noGrp="1"/>
-          </p:cNvSpPr>
-          <p:nvPr>
-            <p:ph type="body" idx="1"/>
-          </p:nvPr>
-        </p:nvSpPr>
-        <p:spPr>
-          <a:xfrm>
-            <a:off x="685800" y="4343400"/>
-            <a:ext cx="5486400" cy="4114800"/>
-          </a:xfrm>
-          <a:prstGeom prst="rect">
-            <a:avLst/>
-          </a:prstGeom>
-        </p:spPr>
-        <p:txBody>
-          <a:bodyPr spcFirstLastPara="1" wrap="square" lIns="91425" tIns="91425" rIns="91425" bIns="91425" anchor="t" anchorCtr="0">
-            <a:noAutofit/>
-          </a:bodyPr>
-          <a:lstStyle/>
-          <a:p>
-            <a:pPr marL="0" lvl="0" indent="0" algn="l" rtl="0">
-              <a:spcBef>
-                <a:spcPts val="0"/>
-              </a:spcBef>
-              <a:spcAft>
-                <a:spcPts val="0"/>
-              </a:spcAft>
-              <a:buNone/>
-            </a:pPr>
-            <a:endParaRPr/>
-          </a:p>
-        </p:txBody>
-      </p:sp>
-    </p:spTree>
-  </p:cSld>
-  <p:clrMapOvr>
-    <a:masterClrMapping/>
-  </p:clrMapOvr>
-</p:notes>
-</file>
-
-<file path=ppt/notesSlides/notesSlide5.xml><?xml version="1.0" encoding="utf-8"?>
-<p:notes xmlns:a="http://schemas.openxmlformats.org/drawingml/2006/main" xmlns:r="http://schemas.openxmlformats.org/officeDocument/2006/relationships" xmlns:p="http://schemas.openxmlformats.org/presentationml/2006/main" showMasterSp="0" showMasterPhAnim="0">
-  <p:cSld>
-    <p:spTree>
-      <p:nvGrpSpPr>
-        <p:cNvPr id="1" name="Shape 68"/>
-        <p:cNvGrpSpPr/>
-        <p:nvPr/>
-      </p:nvGrpSpPr>
-      <p:grpSpPr>
-        <a:xfrm>
-          <a:off x="0" y="0"/>
-          <a:ext cx="0" cy="0"/>
-          <a:chOff x="0" y="0"/>
-          <a:chExt cx="0" cy="0"/>
-        </a:xfrm>
-      </p:grpSpPr>
-      <p:sp>
-        <p:nvSpPr>
-          <p:cNvPr id="69" name="Google Shape;69;g119db730033_0_5:notes"/>
-          <p:cNvSpPr>
-            <a:spLocks noGrp="1" noRot="1" noChangeAspect="1"/>
-          </p:cNvSpPr>
-          <p:nvPr>
-            <p:ph type="sldImg" idx="2"/>
-          </p:nvPr>
-        </p:nvSpPr>
-        <p:spPr>
-          <a:xfrm>
-            <a:off x="381000" y="685800"/>
-            <a:ext cx="6096000" cy="3429000"/>
-          </a:xfrm>
-          <a:custGeom>
-            <a:avLst/>
-            <a:gdLst/>
-            <a:ahLst/>
-            <a:cxnLst/>
-            <a:rect l="l" t="t" r="r" b="b"/>
-            <a:pathLst>
-              <a:path w="120000" h="120000" extrusionOk="0">
-                <a:moveTo>
-                  <a:pt x="0" y="0"/>
-                </a:moveTo>
-                <a:lnTo>
-                  <a:pt x="120000" y="0"/>
-                </a:lnTo>
-                <a:lnTo>
-                  <a:pt x="120000" y="120000"/>
-                </a:lnTo>
-                <a:lnTo>
-                  <a:pt x="0" y="120000"/>
-                </a:lnTo>
-                <a:close/>
-              </a:path>
-            </a:pathLst>
-          </a:custGeom>
-        </p:spPr>
-      </p:sp>
-      <p:sp>
-        <p:nvSpPr>
-          <p:cNvPr id="70" name="Google Shape;70;g119db730033_0_5:notes"/>
-          <p:cNvSpPr txBox="1">
-            <a:spLocks noGrp="1"/>
-          </p:cNvSpPr>
-          <p:nvPr>
-            <p:ph type="body" idx="1"/>
-          </p:nvPr>
-        </p:nvSpPr>
-        <p:spPr>
-          <a:xfrm>
-            <a:off x="685800" y="4343400"/>
-            <a:ext cx="5486400" cy="4114800"/>
-          </a:xfrm>
-          <a:prstGeom prst="rect">
-            <a:avLst/>
-          </a:prstGeom>
-        </p:spPr>
-        <p:txBody>
-          <a:bodyPr spcFirstLastPara="1" wrap="square" lIns="91425" tIns="91425" rIns="91425" bIns="91425" anchor="t" anchorCtr="0">
-            <a:noAutofit/>
-          </a:bodyPr>
-          <a:lstStyle/>
-          <a:p>
-            <a:pPr marL="0" lvl="0" indent="0" algn="l" rtl="0">
-              <a:spcBef>
-                <a:spcPts val="0"/>
-              </a:spcBef>
-              <a:spcAft>
-                <a:spcPts val="0"/>
-              </a:spcAft>
-              <a:buNone/>
-            </a:pPr>
-            <a:endParaRPr/>
-          </a:p>
-        </p:txBody>
-      </p:sp>
-    </p:spTree>
-  </p:cSld>
-  <p:clrMapOvr>
-    <a:masterClrMapping/>
-  </p:clrMapOvr>
-</p:notes>
-</file>
-
-<file path=ppt/notesSlides/notesSlide6.xml><?xml version="1.0" encoding="utf-8"?>
-<p:notes xmlns:a="http://schemas.openxmlformats.org/drawingml/2006/main" xmlns:r="http://schemas.openxmlformats.org/officeDocument/2006/relationships" xmlns:p="http://schemas.openxmlformats.org/presentationml/2006/main" showMasterSp="0" showMasterPhAnim="0">
-  <p:cSld>
-    <p:spTree>
-      <p:nvGrpSpPr>
-        <p:cNvPr id="1" name="Shape 74"/>
-        <p:cNvGrpSpPr/>
-        <p:nvPr/>
-      </p:nvGrpSpPr>
-      <p:grpSpPr>
-        <a:xfrm>
-          <a:off x="0" y="0"/>
-          <a:ext cx="0" cy="0"/>
-          <a:chOff x="0" y="0"/>
-          <a:chExt cx="0" cy="0"/>
-        </a:xfrm>
-      </p:grpSpPr>
-      <p:sp>
-        <p:nvSpPr>
-          <p:cNvPr id="75" name="Google Shape;75;g119db730033_0_10:notes"/>
-          <p:cNvSpPr>
-            <a:spLocks noGrp="1" noRot="1" noChangeAspect="1"/>
-          </p:cNvSpPr>
-          <p:nvPr>
-            <p:ph type="sldImg" idx="2"/>
-          </p:nvPr>
-        </p:nvSpPr>
-        <p:spPr>
-          <a:xfrm>
-            <a:off x="381000" y="685800"/>
-            <a:ext cx="6096000" cy="3429000"/>
-          </a:xfrm>
-          <a:custGeom>
-            <a:avLst/>
-            <a:gdLst/>
-            <a:ahLst/>
-            <a:cxnLst/>
-            <a:rect l="l" t="t" r="r" b="b"/>
-            <a:pathLst>
-              <a:path w="120000" h="120000" extrusionOk="0">
-                <a:moveTo>
-                  <a:pt x="0" y="0"/>
-                </a:moveTo>
-                <a:lnTo>
-                  <a:pt x="120000" y="0"/>
-                </a:lnTo>
-                <a:lnTo>
-                  <a:pt x="120000" y="120000"/>
-                </a:lnTo>
-                <a:lnTo>
-                  <a:pt x="0" y="120000"/>
-                </a:lnTo>
-                <a:close/>
-              </a:path>
-            </a:pathLst>
-          </a:custGeom>
-        </p:spPr>
-      </p:sp>
-      <p:sp>
-        <p:nvSpPr>
-          <p:cNvPr id="76" name="Google Shape;76;g119db730033_0_10:notes"/>
-          <p:cNvSpPr txBox="1">
-            <a:spLocks noGrp="1"/>
-          </p:cNvSpPr>
-          <p:nvPr>
-            <p:ph type="body" idx="1"/>
-          </p:nvPr>
-        </p:nvSpPr>
-        <p:spPr>
-          <a:xfrm>
-            <a:off x="685800" y="4343400"/>
-            <a:ext cx="5486400" cy="4114800"/>
-          </a:xfrm>
-          <a:prstGeom prst="rect">
-            <a:avLst/>
-          </a:prstGeom>
-        </p:spPr>
-        <p:txBody>
-          <a:bodyPr spcFirstLastPara="1" wrap="square" lIns="91425" tIns="91425" rIns="91425" bIns="91425" anchor="t" anchorCtr="0">
-            <a:noAutofit/>
-          </a:bodyPr>
-          <a:lstStyle/>
-          <a:p>
-            <a:pPr marL="0" lvl="0" indent="0" algn="l" rtl="0">
-              <a:spcBef>
-                <a:spcPts val="0"/>
-              </a:spcBef>
-              <a:spcAft>
-                <a:spcPts val="0"/>
-              </a:spcAft>
-              <a:buNone/>
-            </a:pPr>
-            <a:endParaRPr/>
-          </a:p>
-        </p:txBody>
-      </p:sp>
-    </p:spTree>
-  </p:cSld>
-  <p:clrMapOvr>
-    <a:masterClrMapping/>
-  </p:clrMapOvr>
-</p:notes>
-</file>
-
-<file path=ppt/notesSlides/notesSlide7.xml><?xml version="1.0" encoding="utf-8"?>
-<p:notes xmlns:a="http://schemas.openxmlformats.org/drawingml/2006/main" xmlns:r="http://schemas.openxmlformats.org/officeDocument/2006/relationships" xmlns:p="http://schemas.openxmlformats.org/presentationml/2006/main" showMasterSp="0" showMasterPhAnim="0">
-  <p:cSld>
-    <p:spTree>
-      <p:nvGrpSpPr>
-        <p:cNvPr id="1" name="Shape 97"/>
-        <p:cNvGrpSpPr/>
-        <p:nvPr/>
-      </p:nvGrpSpPr>
-      <p:grpSpPr>
-        <a:xfrm>
-          <a:off x="0" y="0"/>
-          <a:ext cx="0" cy="0"/>
-          <a:chOff x="0" y="0"/>
-          <a:chExt cx="0" cy="0"/>
-        </a:xfrm>
-      </p:grpSpPr>
-      <p:sp>
-        <p:nvSpPr>
-          <p:cNvPr id="98" name="Google Shape;98;p9:notes"/>
+          <p:cNvPr id="47" name="Google Shape;47;p8:notes"/>
           <p:cNvSpPr>
             <a:spLocks noGrp="1" noRot="1" noChangeAspect="1"/>
           </p:cNvSpPr>
@@ -1726,7 +1533,7 @@
       </p:sp>
       <p:sp>
         <p:nvSpPr>
-          <p:cNvPr id="99" name="Google Shape;99;p9:notes"/>
+          <p:cNvPr id="48" name="Google Shape;48;p8:notes"/>
           <p:cNvSpPr txBox="1">
             <a:spLocks noGrp="1"/>
           </p:cNvSpPr>
@@ -1771,11 +1578,6 @@
         </p:txBody>
       </p:sp>
     </p:spTree>
-    <p:extLst>
-      <p:ext uri="{BB962C8B-B14F-4D97-AF65-F5344CB8AC3E}">
-        <p14:creationId xmlns:p14="http://schemas.microsoft.com/office/powerpoint/2010/main" val="2961227859"/>
-      </p:ext>
-    </p:extLst>
   </p:cSld>
   <p:clrMapOvr>
     <a:masterClrMapping/>
@@ -1783,12 +1585,12 @@
 </p:notes>
 </file>
 
-<file path=ppt/notesSlides/notesSlide8.xml><?xml version="1.0" encoding="utf-8"?>
+<file path=ppt/notesSlides/notesSlide4.xml><?xml version="1.0" encoding="utf-8"?>
 <p:notes xmlns:a="http://schemas.openxmlformats.org/drawingml/2006/main" xmlns:r="http://schemas.openxmlformats.org/officeDocument/2006/relationships" xmlns:p="http://schemas.openxmlformats.org/presentationml/2006/main" showMasterSp="0" showMasterPhAnim="0">
   <p:cSld>
     <p:spTree>
       <p:nvGrpSpPr>
-        <p:cNvPr id="1" name="Shape 40"/>
+        <p:cNvPr id="1" name="Shape 52"/>
         <p:cNvGrpSpPr/>
         <p:nvPr/>
       </p:nvGrpSpPr>
@@ -1802,7 +1604,495 @@
       </p:grpSpPr>
       <p:sp>
         <p:nvSpPr>
-          <p:cNvPr id="41" name="Google Shape;41;p2:notes"/>
+          <p:cNvPr id="53" name="Google Shape;53;p14:notes"/>
+          <p:cNvSpPr>
+            <a:spLocks noGrp="1" noRot="1" noChangeAspect="1"/>
+          </p:cNvSpPr>
+          <p:nvPr>
+            <p:ph type="sldImg" idx="2"/>
+          </p:nvPr>
+        </p:nvSpPr>
+        <p:spPr>
+          <a:xfrm>
+            <a:off x="381000" y="685800"/>
+            <a:ext cx="6096000" cy="3429000"/>
+          </a:xfrm>
+          <a:custGeom>
+            <a:avLst/>
+            <a:gdLst/>
+            <a:ahLst/>
+            <a:cxnLst/>
+            <a:rect l="l" t="t" r="r" b="b"/>
+            <a:pathLst>
+              <a:path w="120000" h="120000" extrusionOk="0">
+                <a:moveTo>
+                  <a:pt x="0" y="0"/>
+                </a:moveTo>
+                <a:lnTo>
+                  <a:pt x="120000" y="0"/>
+                </a:lnTo>
+                <a:lnTo>
+                  <a:pt x="120000" y="120000"/>
+                </a:lnTo>
+                <a:lnTo>
+                  <a:pt x="0" y="120000"/>
+                </a:lnTo>
+                <a:close/>
+              </a:path>
+            </a:pathLst>
+          </a:custGeom>
+          <a:noFill/>
+          <a:ln w="9525" cap="flat" cmpd="sng">
+            <a:solidFill>
+              <a:srgbClr val="000000"/>
+            </a:solidFill>
+            <a:prstDash val="solid"/>
+            <a:round/>
+            <a:headEnd type="none" w="sm" len="sm"/>
+            <a:tailEnd type="none" w="sm" len="sm"/>
+          </a:ln>
+        </p:spPr>
+      </p:sp>
+      <p:sp>
+        <p:nvSpPr>
+          <p:cNvPr id="54" name="Google Shape;54;p14:notes"/>
+          <p:cNvSpPr txBox="1">
+            <a:spLocks noGrp="1"/>
+          </p:cNvSpPr>
+          <p:nvPr>
+            <p:ph type="body" idx="1"/>
+          </p:nvPr>
+        </p:nvSpPr>
+        <p:spPr>
+          <a:xfrm>
+            <a:off x="685800" y="4343400"/>
+            <a:ext cx="5486400" cy="4114800"/>
+          </a:xfrm>
+          <a:prstGeom prst="rect">
+            <a:avLst/>
+          </a:prstGeom>
+          <a:noFill/>
+          <a:ln>
+            <a:noFill/>
+          </a:ln>
+        </p:spPr>
+        <p:txBody>
+          <a:bodyPr spcFirstLastPara="1" wrap="square" lIns="91425" tIns="91425" rIns="91425" bIns="91425" anchor="t" anchorCtr="0">
+            <a:noAutofit/>
+          </a:bodyPr>
+          <a:lstStyle/>
+          <a:p>
+            <a:pPr marL="0" lvl="0" indent="0" algn="l" rtl="0">
+              <a:lnSpc>
+                <a:spcPct val="100000"/>
+              </a:lnSpc>
+              <a:spcBef>
+                <a:spcPts val="0"/>
+              </a:spcBef>
+              <a:spcAft>
+                <a:spcPts val="0"/>
+              </a:spcAft>
+              <a:buSzPts val="1100"/>
+              <a:buNone/>
+            </a:pPr>
+            <a:endParaRPr/>
+          </a:p>
+        </p:txBody>
+      </p:sp>
+    </p:spTree>
+  </p:cSld>
+  <p:clrMapOvr>
+    <a:masterClrMapping/>
+  </p:clrMapOvr>
+</p:notes>
+</file>
+
+<file path=ppt/notesSlides/notesSlide5.xml><?xml version="1.0" encoding="utf-8"?>
+<p:notes xmlns:a="http://schemas.openxmlformats.org/drawingml/2006/main" xmlns:r="http://schemas.openxmlformats.org/officeDocument/2006/relationships" xmlns:p="http://schemas.openxmlformats.org/presentationml/2006/main" showMasterSp="0" showMasterPhAnim="0">
+  <p:cSld>
+    <p:spTree>
+      <p:nvGrpSpPr>
+        <p:cNvPr id="1" name="Shape 58"/>
+        <p:cNvGrpSpPr/>
+        <p:nvPr/>
+      </p:nvGrpSpPr>
+      <p:grpSpPr>
+        <a:xfrm>
+          <a:off x="0" y="0"/>
+          <a:ext cx="0" cy="0"/>
+          <a:chOff x="0" y="0"/>
+          <a:chExt cx="0" cy="0"/>
+        </a:xfrm>
+      </p:grpSpPr>
+      <p:sp>
+        <p:nvSpPr>
+          <p:cNvPr id="59" name="Google Shape;59;p15:notes"/>
+          <p:cNvSpPr>
+            <a:spLocks noGrp="1" noRot="1" noChangeAspect="1"/>
+          </p:cNvSpPr>
+          <p:nvPr>
+            <p:ph type="sldImg" idx="2"/>
+          </p:nvPr>
+        </p:nvSpPr>
+        <p:spPr>
+          <a:xfrm>
+            <a:off x="381000" y="685800"/>
+            <a:ext cx="6096000" cy="3429000"/>
+          </a:xfrm>
+          <a:custGeom>
+            <a:avLst/>
+            <a:gdLst/>
+            <a:ahLst/>
+            <a:cxnLst/>
+            <a:rect l="l" t="t" r="r" b="b"/>
+            <a:pathLst>
+              <a:path w="120000" h="120000" extrusionOk="0">
+                <a:moveTo>
+                  <a:pt x="0" y="0"/>
+                </a:moveTo>
+                <a:lnTo>
+                  <a:pt x="120000" y="0"/>
+                </a:lnTo>
+                <a:lnTo>
+                  <a:pt x="120000" y="120000"/>
+                </a:lnTo>
+                <a:lnTo>
+                  <a:pt x="0" y="120000"/>
+                </a:lnTo>
+                <a:close/>
+              </a:path>
+            </a:pathLst>
+          </a:custGeom>
+          <a:noFill/>
+          <a:ln w="9525" cap="flat" cmpd="sng">
+            <a:solidFill>
+              <a:srgbClr val="000000"/>
+            </a:solidFill>
+            <a:prstDash val="solid"/>
+            <a:round/>
+            <a:headEnd type="none" w="sm" len="sm"/>
+            <a:tailEnd type="none" w="sm" len="sm"/>
+          </a:ln>
+        </p:spPr>
+      </p:sp>
+      <p:sp>
+        <p:nvSpPr>
+          <p:cNvPr id="60" name="Google Shape;60;p15:notes"/>
+          <p:cNvSpPr txBox="1">
+            <a:spLocks noGrp="1"/>
+          </p:cNvSpPr>
+          <p:nvPr>
+            <p:ph type="body" idx="1"/>
+          </p:nvPr>
+        </p:nvSpPr>
+        <p:spPr>
+          <a:xfrm>
+            <a:off x="685800" y="4343400"/>
+            <a:ext cx="5486400" cy="4114800"/>
+          </a:xfrm>
+          <a:prstGeom prst="rect">
+            <a:avLst/>
+          </a:prstGeom>
+          <a:noFill/>
+          <a:ln>
+            <a:noFill/>
+          </a:ln>
+        </p:spPr>
+        <p:txBody>
+          <a:bodyPr spcFirstLastPara="1" wrap="square" lIns="91425" tIns="91425" rIns="91425" bIns="91425" anchor="t" anchorCtr="0">
+            <a:noAutofit/>
+          </a:bodyPr>
+          <a:lstStyle/>
+          <a:p>
+            <a:pPr marL="0" lvl="0" indent="0" algn="l" rtl="0">
+              <a:lnSpc>
+                <a:spcPct val="100000"/>
+              </a:lnSpc>
+              <a:spcBef>
+                <a:spcPts val="0"/>
+              </a:spcBef>
+              <a:spcAft>
+                <a:spcPts val="0"/>
+              </a:spcAft>
+              <a:buSzPts val="1100"/>
+              <a:buNone/>
+            </a:pPr>
+            <a:endParaRPr/>
+          </a:p>
+        </p:txBody>
+      </p:sp>
+    </p:spTree>
+  </p:cSld>
+  <p:clrMapOvr>
+    <a:masterClrMapping/>
+  </p:clrMapOvr>
+</p:notes>
+</file>
+
+<file path=ppt/notesSlides/notesSlide6.xml><?xml version="1.0" encoding="utf-8"?>
+<p:notes xmlns:a="http://schemas.openxmlformats.org/drawingml/2006/main" xmlns:r="http://schemas.openxmlformats.org/officeDocument/2006/relationships" xmlns:p="http://schemas.openxmlformats.org/presentationml/2006/main" showMasterSp="0" showMasterPhAnim="0">
+  <p:cSld>
+    <p:spTree>
+      <p:nvGrpSpPr>
+        <p:cNvPr id="1" name="Shape 64"/>
+        <p:cNvGrpSpPr/>
+        <p:nvPr/>
+      </p:nvGrpSpPr>
+      <p:grpSpPr>
+        <a:xfrm>
+          <a:off x="0" y="0"/>
+          <a:ext cx="0" cy="0"/>
+          <a:chOff x="0" y="0"/>
+          <a:chExt cx="0" cy="0"/>
+        </a:xfrm>
+      </p:grpSpPr>
+      <p:sp>
+        <p:nvSpPr>
+          <p:cNvPr id="65" name="Google Shape;65;p16:notes"/>
+          <p:cNvSpPr>
+            <a:spLocks noGrp="1" noRot="1" noChangeAspect="1"/>
+          </p:cNvSpPr>
+          <p:nvPr>
+            <p:ph type="sldImg" idx="2"/>
+          </p:nvPr>
+        </p:nvSpPr>
+        <p:spPr>
+          <a:xfrm>
+            <a:off x="381000" y="685800"/>
+            <a:ext cx="6096000" cy="3429000"/>
+          </a:xfrm>
+          <a:custGeom>
+            <a:avLst/>
+            <a:gdLst/>
+            <a:ahLst/>
+            <a:cxnLst/>
+            <a:rect l="l" t="t" r="r" b="b"/>
+            <a:pathLst>
+              <a:path w="120000" h="120000" extrusionOk="0">
+                <a:moveTo>
+                  <a:pt x="0" y="0"/>
+                </a:moveTo>
+                <a:lnTo>
+                  <a:pt x="120000" y="0"/>
+                </a:lnTo>
+                <a:lnTo>
+                  <a:pt x="120000" y="120000"/>
+                </a:lnTo>
+                <a:lnTo>
+                  <a:pt x="0" y="120000"/>
+                </a:lnTo>
+                <a:close/>
+              </a:path>
+            </a:pathLst>
+          </a:custGeom>
+          <a:noFill/>
+          <a:ln w="9525" cap="flat" cmpd="sng">
+            <a:solidFill>
+              <a:srgbClr val="000000"/>
+            </a:solidFill>
+            <a:prstDash val="solid"/>
+            <a:round/>
+            <a:headEnd type="none" w="sm" len="sm"/>
+            <a:tailEnd type="none" w="sm" len="sm"/>
+          </a:ln>
+        </p:spPr>
+      </p:sp>
+      <p:sp>
+        <p:nvSpPr>
+          <p:cNvPr id="66" name="Google Shape;66;p16:notes"/>
+          <p:cNvSpPr txBox="1">
+            <a:spLocks noGrp="1"/>
+          </p:cNvSpPr>
+          <p:nvPr>
+            <p:ph type="body" idx="1"/>
+          </p:nvPr>
+        </p:nvSpPr>
+        <p:spPr>
+          <a:xfrm>
+            <a:off x="685800" y="4343400"/>
+            <a:ext cx="5486400" cy="4114800"/>
+          </a:xfrm>
+          <a:prstGeom prst="rect">
+            <a:avLst/>
+          </a:prstGeom>
+          <a:noFill/>
+          <a:ln>
+            <a:noFill/>
+          </a:ln>
+        </p:spPr>
+        <p:txBody>
+          <a:bodyPr spcFirstLastPara="1" wrap="square" lIns="91425" tIns="91425" rIns="91425" bIns="91425" anchor="t" anchorCtr="0">
+            <a:noAutofit/>
+          </a:bodyPr>
+          <a:lstStyle/>
+          <a:p>
+            <a:pPr marL="0" lvl="0" indent="0" algn="l" rtl="0">
+              <a:lnSpc>
+                <a:spcPct val="100000"/>
+              </a:lnSpc>
+              <a:spcBef>
+                <a:spcPts val="0"/>
+              </a:spcBef>
+              <a:spcAft>
+                <a:spcPts val="0"/>
+              </a:spcAft>
+              <a:buSzPts val="1100"/>
+              <a:buNone/>
+            </a:pPr>
+            <a:endParaRPr/>
+          </a:p>
+        </p:txBody>
+      </p:sp>
+    </p:spTree>
+  </p:cSld>
+  <p:clrMapOvr>
+    <a:masterClrMapping/>
+  </p:clrMapOvr>
+</p:notes>
+</file>
+
+<file path=ppt/notesSlides/notesSlide7.xml><?xml version="1.0" encoding="utf-8"?>
+<p:notes xmlns:a="http://schemas.openxmlformats.org/drawingml/2006/main" xmlns:r="http://schemas.openxmlformats.org/officeDocument/2006/relationships" xmlns:p="http://schemas.openxmlformats.org/presentationml/2006/main" showMasterSp="0" showMasterPhAnim="0">
+  <p:cSld>
+    <p:spTree>
+      <p:nvGrpSpPr>
+        <p:cNvPr id="1" name="Shape 70"/>
+        <p:cNvGrpSpPr/>
+        <p:nvPr/>
+      </p:nvGrpSpPr>
+      <p:grpSpPr>
+        <a:xfrm>
+          <a:off x="0" y="0"/>
+          <a:ext cx="0" cy="0"/>
+          <a:chOff x="0" y="0"/>
+          <a:chExt cx="0" cy="0"/>
+        </a:xfrm>
+      </p:grpSpPr>
+      <p:sp>
+        <p:nvSpPr>
+          <p:cNvPr id="71" name="Google Shape;71;p17:notes"/>
+          <p:cNvSpPr>
+            <a:spLocks noGrp="1" noRot="1" noChangeAspect="1"/>
+          </p:cNvSpPr>
+          <p:nvPr>
+            <p:ph type="sldImg" idx="2"/>
+          </p:nvPr>
+        </p:nvSpPr>
+        <p:spPr>
+          <a:xfrm>
+            <a:off x="381000" y="685800"/>
+            <a:ext cx="6096000" cy="3429000"/>
+          </a:xfrm>
+          <a:custGeom>
+            <a:avLst/>
+            <a:gdLst/>
+            <a:ahLst/>
+            <a:cxnLst/>
+            <a:rect l="l" t="t" r="r" b="b"/>
+            <a:pathLst>
+              <a:path w="120000" h="120000" extrusionOk="0">
+                <a:moveTo>
+                  <a:pt x="0" y="0"/>
+                </a:moveTo>
+                <a:lnTo>
+                  <a:pt x="120000" y="0"/>
+                </a:lnTo>
+                <a:lnTo>
+                  <a:pt x="120000" y="120000"/>
+                </a:lnTo>
+                <a:lnTo>
+                  <a:pt x="0" y="120000"/>
+                </a:lnTo>
+                <a:close/>
+              </a:path>
+            </a:pathLst>
+          </a:custGeom>
+          <a:noFill/>
+          <a:ln w="9525" cap="flat" cmpd="sng">
+            <a:solidFill>
+              <a:srgbClr val="000000"/>
+            </a:solidFill>
+            <a:prstDash val="solid"/>
+            <a:round/>
+            <a:headEnd type="none" w="sm" len="sm"/>
+            <a:tailEnd type="none" w="sm" len="sm"/>
+          </a:ln>
+        </p:spPr>
+      </p:sp>
+      <p:sp>
+        <p:nvSpPr>
+          <p:cNvPr id="72" name="Google Shape;72;p17:notes"/>
+          <p:cNvSpPr txBox="1">
+            <a:spLocks noGrp="1"/>
+          </p:cNvSpPr>
+          <p:nvPr>
+            <p:ph type="body" idx="1"/>
+          </p:nvPr>
+        </p:nvSpPr>
+        <p:spPr>
+          <a:xfrm>
+            <a:off x="685800" y="4343400"/>
+            <a:ext cx="5486400" cy="4114800"/>
+          </a:xfrm>
+          <a:prstGeom prst="rect">
+            <a:avLst/>
+          </a:prstGeom>
+          <a:noFill/>
+          <a:ln>
+            <a:noFill/>
+          </a:ln>
+        </p:spPr>
+        <p:txBody>
+          <a:bodyPr spcFirstLastPara="1" wrap="square" lIns="91425" tIns="91425" rIns="91425" bIns="91425" anchor="t" anchorCtr="0">
+            <a:noAutofit/>
+          </a:bodyPr>
+          <a:lstStyle/>
+          <a:p>
+            <a:pPr marL="0" lvl="0" indent="0" algn="l" rtl="0">
+              <a:lnSpc>
+                <a:spcPct val="100000"/>
+              </a:lnSpc>
+              <a:spcBef>
+                <a:spcPts val="0"/>
+              </a:spcBef>
+              <a:spcAft>
+                <a:spcPts val="0"/>
+              </a:spcAft>
+              <a:buSzPts val="1100"/>
+              <a:buNone/>
+            </a:pPr>
+            <a:endParaRPr/>
+          </a:p>
+        </p:txBody>
+      </p:sp>
+    </p:spTree>
+  </p:cSld>
+  <p:clrMapOvr>
+    <a:masterClrMapping/>
+  </p:clrMapOvr>
+</p:notes>
+</file>
+
+<file path=ppt/notesSlides/notesSlide8.xml><?xml version="1.0" encoding="utf-8"?>
+<p:notes xmlns:a="http://schemas.openxmlformats.org/drawingml/2006/main" xmlns:r="http://schemas.openxmlformats.org/officeDocument/2006/relationships" xmlns:p="http://schemas.openxmlformats.org/presentationml/2006/main" showMasterSp="0" showMasterPhAnim="0">
+  <p:cSld>
+    <p:spTree>
+      <p:nvGrpSpPr>
+        <p:cNvPr id="1" name="Shape 75"/>
+        <p:cNvGrpSpPr/>
+        <p:nvPr/>
+      </p:nvGrpSpPr>
+      <p:grpSpPr>
+        <a:xfrm>
+          <a:off x="0" y="0"/>
+          <a:ext cx="0" cy="0"/>
+          <a:chOff x="0" y="0"/>
+          <a:chExt cx="0" cy="0"/>
+        </a:xfrm>
+      </p:grpSpPr>
+      <p:sp>
+        <p:nvSpPr>
+          <p:cNvPr id="76" name="Google Shape;76;p2:notes"/>
           <p:cNvSpPr txBox="1">
             <a:spLocks noGrp="1"/>
           </p:cNvSpPr>
@@ -1848,7 +2138,7 @@
       </p:sp>
       <p:sp>
         <p:nvSpPr>
-          <p:cNvPr id="42" name="Google Shape;42;p2:notes"/>
+          <p:cNvPr id="77" name="Google Shape;77;p2:notes"/>
           <p:cNvSpPr>
             <a:spLocks noGrp="1" noRot="1" noChangeAspect="1"/>
           </p:cNvSpPr>
@@ -1910,7 +2200,7 @@
   <p:cSld>
     <p:spTree>
       <p:nvGrpSpPr>
-        <p:cNvPr id="1" name="Shape 40"/>
+        <p:cNvPr id="1" name="Shape 81"/>
         <p:cNvGrpSpPr/>
         <p:nvPr/>
       </p:nvGrpSpPr>
@@ -1924,7 +2214,7 @@
       </p:grpSpPr>
       <p:sp>
         <p:nvSpPr>
-          <p:cNvPr id="41" name="Google Shape;41;p2:notes"/>
+          <p:cNvPr id="82" name="Google Shape;82;p18:notes"/>
           <p:cNvSpPr txBox="1">
             <a:spLocks noGrp="1"/>
           </p:cNvSpPr>
@@ -1970,7 +2260,7 @@
       </p:sp>
       <p:sp>
         <p:nvSpPr>
-          <p:cNvPr id="42" name="Google Shape;42;p2:notes"/>
+          <p:cNvPr id="83" name="Google Shape;83;p18:notes"/>
           <p:cNvSpPr>
             <a:spLocks noGrp="1" noRot="1" noChangeAspect="1"/>
           </p:cNvSpPr>
@@ -2020,11 +2310,6 @@
         </p:spPr>
       </p:sp>
     </p:spTree>
-    <p:extLst>
-      <p:ext uri="{BB962C8B-B14F-4D97-AF65-F5344CB8AC3E}">
-        <p14:creationId xmlns:p14="http://schemas.microsoft.com/office/powerpoint/2010/main" val="4102197221"/>
-      </p:ext>
-    </p:extLst>
   </p:cSld>
   <p:clrMapOvr>
     <a:masterClrMapping/>
@@ -2835,8 +3120,8 @@
 </file>
 
 <file path=ppt/slideLayouts/slideLayout2.xml><?xml version="1.0" encoding="utf-8"?>
-<p:sldLayout xmlns:a="http://schemas.openxmlformats.org/drawingml/2006/main" xmlns:r="http://schemas.openxmlformats.org/officeDocument/2006/relationships" xmlns:p="http://schemas.openxmlformats.org/presentationml/2006/main" matchingName="Title and Content">
-  <p:cSld name="Title and Content">
+<p:sldLayout xmlns:a="http://schemas.openxmlformats.org/drawingml/2006/main" xmlns:r="http://schemas.openxmlformats.org/officeDocument/2006/relationships" xmlns:p="http://schemas.openxmlformats.org/presentationml/2006/main" matchingName="Section header" type="secHead">
+  <p:cSld name="SECTION_HEADER">
     <p:spTree>
       <p:nvGrpSpPr>
         <p:cNvPr id="1" name="Shape 16"/>
@@ -2853,7 +3138,1099 @@
       </p:grpSpPr>
       <p:sp>
         <p:nvSpPr>
-          <p:cNvPr id="17" name="Google Shape;17;p11"/>
+          <p:cNvPr id="17" name="Google Shape;17;p19"/>
+          <p:cNvSpPr txBox="1">
+            <a:spLocks noGrp="1"/>
+          </p:cNvSpPr>
+          <p:nvPr>
+            <p:ph type="title"/>
+          </p:nvPr>
+        </p:nvSpPr>
+        <p:spPr>
+          <a:xfrm>
+            <a:off x="311700" y="2150850"/>
+            <a:ext cx="8520600" cy="841800"/>
+          </a:xfrm>
+          <a:prstGeom prst="rect">
+            <a:avLst/>
+          </a:prstGeom>
+          <a:noFill/>
+          <a:ln>
+            <a:noFill/>
+          </a:ln>
+        </p:spPr>
+        <p:txBody>
+          <a:bodyPr spcFirstLastPara="1" wrap="square" lIns="91425" tIns="91425" rIns="91425" bIns="91425" anchor="ctr" anchorCtr="0">
+            <a:noAutofit/>
+          </a:bodyPr>
+          <a:lstStyle>
+            <a:lvl1pPr lvl="0" algn="ctr">
+              <a:lnSpc>
+                <a:spcPct val="100000"/>
+              </a:lnSpc>
+              <a:spcBef>
+                <a:spcPts val="0"/>
+              </a:spcBef>
+              <a:spcAft>
+                <a:spcPts val="0"/>
+              </a:spcAft>
+              <a:buSzPts val="3600"/>
+              <a:buNone/>
+              <a:defRPr sz="3600"/>
+            </a:lvl1pPr>
+            <a:lvl2pPr lvl="1" algn="ctr">
+              <a:lnSpc>
+                <a:spcPct val="100000"/>
+              </a:lnSpc>
+              <a:spcBef>
+                <a:spcPts val="0"/>
+              </a:spcBef>
+              <a:spcAft>
+                <a:spcPts val="0"/>
+              </a:spcAft>
+              <a:buSzPts val="3600"/>
+              <a:buNone/>
+              <a:defRPr sz="3600"/>
+            </a:lvl2pPr>
+            <a:lvl3pPr lvl="2" algn="ctr">
+              <a:lnSpc>
+                <a:spcPct val="100000"/>
+              </a:lnSpc>
+              <a:spcBef>
+                <a:spcPts val="0"/>
+              </a:spcBef>
+              <a:spcAft>
+                <a:spcPts val="0"/>
+              </a:spcAft>
+              <a:buSzPts val="3600"/>
+              <a:buNone/>
+              <a:defRPr sz="3600"/>
+            </a:lvl3pPr>
+            <a:lvl4pPr lvl="3" algn="ctr">
+              <a:lnSpc>
+                <a:spcPct val="100000"/>
+              </a:lnSpc>
+              <a:spcBef>
+                <a:spcPts val="0"/>
+              </a:spcBef>
+              <a:spcAft>
+                <a:spcPts val="0"/>
+              </a:spcAft>
+              <a:buSzPts val="3600"/>
+              <a:buNone/>
+              <a:defRPr sz="3600"/>
+            </a:lvl4pPr>
+            <a:lvl5pPr lvl="4" algn="ctr">
+              <a:lnSpc>
+                <a:spcPct val="100000"/>
+              </a:lnSpc>
+              <a:spcBef>
+                <a:spcPts val="0"/>
+              </a:spcBef>
+              <a:spcAft>
+                <a:spcPts val="0"/>
+              </a:spcAft>
+              <a:buSzPts val="3600"/>
+              <a:buNone/>
+              <a:defRPr sz="3600"/>
+            </a:lvl5pPr>
+            <a:lvl6pPr lvl="5" algn="ctr">
+              <a:lnSpc>
+                <a:spcPct val="100000"/>
+              </a:lnSpc>
+              <a:spcBef>
+                <a:spcPts val="0"/>
+              </a:spcBef>
+              <a:spcAft>
+                <a:spcPts val="0"/>
+              </a:spcAft>
+              <a:buSzPts val="3600"/>
+              <a:buNone/>
+              <a:defRPr sz="3600"/>
+            </a:lvl6pPr>
+            <a:lvl7pPr lvl="6" algn="ctr">
+              <a:lnSpc>
+                <a:spcPct val="100000"/>
+              </a:lnSpc>
+              <a:spcBef>
+                <a:spcPts val="0"/>
+              </a:spcBef>
+              <a:spcAft>
+                <a:spcPts val="0"/>
+              </a:spcAft>
+              <a:buSzPts val="3600"/>
+              <a:buNone/>
+              <a:defRPr sz="3600"/>
+            </a:lvl7pPr>
+            <a:lvl8pPr lvl="7" algn="ctr">
+              <a:lnSpc>
+                <a:spcPct val="100000"/>
+              </a:lnSpc>
+              <a:spcBef>
+                <a:spcPts val="0"/>
+              </a:spcBef>
+              <a:spcAft>
+                <a:spcPts val="0"/>
+              </a:spcAft>
+              <a:buSzPts val="3600"/>
+              <a:buNone/>
+              <a:defRPr sz="3600"/>
+            </a:lvl8pPr>
+            <a:lvl9pPr lvl="8" algn="ctr">
+              <a:lnSpc>
+                <a:spcPct val="100000"/>
+              </a:lnSpc>
+              <a:spcBef>
+                <a:spcPts val="0"/>
+              </a:spcBef>
+              <a:spcAft>
+                <a:spcPts val="0"/>
+              </a:spcAft>
+              <a:buSzPts val="3600"/>
+              <a:buNone/>
+              <a:defRPr sz="3600"/>
+            </a:lvl9pPr>
+          </a:lstStyle>
+          <a:p>
+            <a:endParaRPr/>
+          </a:p>
+        </p:txBody>
+      </p:sp>
+      <p:sp>
+        <p:nvSpPr>
+          <p:cNvPr id="18" name="Google Shape;18;p19"/>
+          <p:cNvSpPr txBox="1">
+            <a:spLocks noGrp="1"/>
+          </p:cNvSpPr>
+          <p:nvPr>
+            <p:ph type="sldNum" idx="12"/>
+          </p:nvPr>
+        </p:nvSpPr>
+        <p:spPr>
+          <a:xfrm>
+            <a:off x="8472458" y="4663217"/>
+            <a:ext cx="548700" cy="393600"/>
+          </a:xfrm>
+          <a:prstGeom prst="rect">
+            <a:avLst/>
+          </a:prstGeom>
+          <a:noFill/>
+          <a:ln>
+            <a:noFill/>
+          </a:ln>
+        </p:spPr>
+        <p:txBody>
+          <a:bodyPr spcFirstLastPara="1" wrap="square" lIns="91425" tIns="91425" rIns="91425" bIns="91425" anchor="ctr" anchorCtr="0">
+            <a:noAutofit/>
+          </a:bodyPr>
+          <a:lstStyle>
+            <a:lvl1pPr marL="0" marR="0" lvl="0" indent="0" algn="r">
+              <a:lnSpc>
+                <a:spcPct val="100000"/>
+              </a:lnSpc>
+              <a:spcBef>
+                <a:spcPts val="0"/>
+              </a:spcBef>
+              <a:spcAft>
+                <a:spcPts val="0"/>
+              </a:spcAft>
+              <a:buClr>
+                <a:srgbClr val="000000"/>
+              </a:buClr>
+              <a:buSzPts val="1000"/>
+              <a:buFont typeface="Arial"/>
+              <a:buNone/>
+              <a:defRPr sz="1000" b="0" i="0" u="none" strike="noStrike" cap="none">
+                <a:solidFill>
+                  <a:schemeClr val="dk2"/>
+                </a:solidFill>
+                <a:latin typeface="Arial"/>
+                <a:ea typeface="Arial"/>
+                <a:cs typeface="Arial"/>
+                <a:sym typeface="Arial"/>
+              </a:defRPr>
+            </a:lvl1pPr>
+            <a:lvl2pPr marL="0" marR="0" lvl="1" indent="0" algn="r">
+              <a:lnSpc>
+                <a:spcPct val="100000"/>
+              </a:lnSpc>
+              <a:spcBef>
+                <a:spcPts val="0"/>
+              </a:spcBef>
+              <a:spcAft>
+                <a:spcPts val="0"/>
+              </a:spcAft>
+              <a:buClr>
+                <a:srgbClr val="000000"/>
+              </a:buClr>
+              <a:buSzPts val="1000"/>
+              <a:buFont typeface="Arial"/>
+              <a:buNone/>
+              <a:defRPr sz="1000" b="0" i="0" u="none" strike="noStrike" cap="none">
+                <a:solidFill>
+                  <a:schemeClr val="dk2"/>
+                </a:solidFill>
+                <a:latin typeface="Arial"/>
+                <a:ea typeface="Arial"/>
+                <a:cs typeface="Arial"/>
+                <a:sym typeface="Arial"/>
+              </a:defRPr>
+            </a:lvl2pPr>
+            <a:lvl3pPr marL="0" marR="0" lvl="2" indent="0" algn="r">
+              <a:lnSpc>
+                <a:spcPct val="100000"/>
+              </a:lnSpc>
+              <a:spcBef>
+                <a:spcPts val="0"/>
+              </a:spcBef>
+              <a:spcAft>
+                <a:spcPts val="0"/>
+              </a:spcAft>
+              <a:buClr>
+                <a:srgbClr val="000000"/>
+              </a:buClr>
+              <a:buSzPts val="1000"/>
+              <a:buFont typeface="Arial"/>
+              <a:buNone/>
+              <a:defRPr sz="1000" b="0" i="0" u="none" strike="noStrike" cap="none">
+                <a:solidFill>
+                  <a:schemeClr val="dk2"/>
+                </a:solidFill>
+                <a:latin typeface="Arial"/>
+                <a:ea typeface="Arial"/>
+                <a:cs typeface="Arial"/>
+                <a:sym typeface="Arial"/>
+              </a:defRPr>
+            </a:lvl3pPr>
+            <a:lvl4pPr marL="0" marR="0" lvl="3" indent="0" algn="r">
+              <a:lnSpc>
+                <a:spcPct val="100000"/>
+              </a:lnSpc>
+              <a:spcBef>
+                <a:spcPts val="0"/>
+              </a:spcBef>
+              <a:spcAft>
+                <a:spcPts val="0"/>
+              </a:spcAft>
+              <a:buClr>
+                <a:srgbClr val="000000"/>
+              </a:buClr>
+              <a:buSzPts val="1000"/>
+              <a:buFont typeface="Arial"/>
+              <a:buNone/>
+              <a:defRPr sz="1000" b="0" i="0" u="none" strike="noStrike" cap="none">
+                <a:solidFill>
+                  <a:schemeClr val="dk2"/>
+                </a:solidFill>
+                <a:latin typeface="Arial"/>
+                <a:ea typeface="Arial"/>
+                <a:cs typeface="Arial"/>
+                <a:sym typeface="Arial"/>
+              </a:defRPr>
+            </a:lvl4pPr>
+            <a:lvl5pPr marL="0" marR="0" lvl="4" indent="0" algn="r">
+              <a:lnSpc>
+                <a:spcPct val="100000"/>
+              </a:lnSpc>
+              <a:spcBef>
+                <a:spcPts val="0"/>
+              </a:spcBef>
+              <a:spcAft>
+                <a:spcPts val="0"/>
+              </a:spcAft>
+              <a:buClr>
+                <a:srgbClr val="000000"/>
+              </a:buClr>
+              <a:buSzPts val="1000"/>
+              <a:buFont typeface="Arial"/>
+              <a:buNone/>
+              <a:defRPr sz="1000" b="0" i="0" u="none" strike="noStrike" cap="none">
+                <a:solidFill>
+                  <a:schemeClr val="dk2"/>
+                </a:solidFill>
+                <a:latin typeface="Arial"/>
+                <a:ea typeface="Arial"/>
+                <a:cs typeface="Arial"/>
+                <a:sym typeface="Arial"/>
+              </a:defRPr>
+            </a:lvl5pPr>
+            <a:lvl6pPr marL="0" marR="0" lvl="5" indent="0" algn="r">
+              <a:lnSpc>
+                <a:spcPct val="100000"/>
+              </a:lnSpc>
+              <a:spcBef>
+                <a:spcPts val="0"/>
+              </a:spcBef>
+              <a:spcAft>
+                <a:spcPts val="0"/>
+              </a:spcAft>
+              <a:buClr>
+                <a:srgbClr val="000000"/>
+              </a:buClr>
+              <a:buSzPts val="1000"/>
+              <a:buFont typeface="Arial"/>
+              <a:buNone/>
+              <a:defRPr sz="1000" b="0" i="0" u="none" strike="noStrike" cap="none">
+                <a:solidFill>
+                  <a:schemeClr val="dk2"/>
+                </a:solidFill>
+                <a:latin typeface="Arial"/>
+                <a:ea typeface="Arial"/>
+                <a:cs typeface="Arial"/>
+                <a:sym typeface="Arial"/>
+              </a:defRPr>
+            </a:lvl6pPr>
+            <a:lvl7pPr marL="0" marR="0" lvl="6" indent="0" algn="r">
+              <a:lnSpc>
+                <a:spcPct val="100000"/>
+              </a:lnSpc>
+              <a:spcBef>
+                <a:spcPts val="0"/>
+              </a:spcBef>
+              <a:spcAft>
+                <a:spcPts val="0"/>
+              </a:spcAft>
+              <a:buClr>
+                <a:srgbClr val="000000"/>
+              </a:buClr>
+              <a:buSzPts val="1000"/>
+              <a:buFont typeface="Arial"/>
+              <a:buNone/>
+              <a:defRPr sz="1000" b="0" i="0" u="none" strike="noStrike" cap="none">
+                <a:solidFill>
+                  <a:schemeClr val="dk2"/>
+                </a:solidFill>
+                <a:latin typeface="Arial"/>
+                <a:ea typeface="Arial"/>
+                <a:cs typeface="Arial"/>
+                <a:sym typeface="Arial"/>
+              </a:defRPr>
+            </a:lvl7pPr>
+            <a:lvl8pPr marL="0" marR="0" lvl="7" indent="0" algn="r">
+              <a:lnSpc>
+                <a:spcPct val="100000"/>
+              </a:lnSpc>
+              <a:spcBef>
+                <a:spcPts val="0"/>
+              </a:spcBef>
+              <a:spcAft>
+                <a:spcPts val="0"/>
+              </a:spcAft>
+              <a:buClr>
+                <a:srgbClr val="000000"/>
+              </a:buClr>
+              <a:buSzPts val="1000"/>
+              <a:buFont typeface="Arial"/>
+              <a:buNone/>
+              <a:defRPr sz="1000" b="0" i="0" u="none" strike="noStrike" cap="none">
+                <a:solidFill>
+                  <a:schemeClr val="dk2"/>
+                </a:solidFill>
+                <a:latin typeface="Arial"/>
+                <a:ea typeface="Arial"/>
+                <a:cs typeface="Arial"/>
+                <a:sym typeface="Arial"/>
+              </a:defRPr>
+            </a:lvl8pPr>
+            <a:lvl9pPr marL="0" marR="0" lvl="8" indent="0" algn="r">
+              <a:lnSpc>
+                <a:spcPct val="100000"/>
+              </a:lnSpc>
+              <a:spcBef>
+                <a:spcPts val="0"/>
+              </a:spcBef>
+              <a:spcAft>
+                <a:spcPts val="0"/>
+              </a:spcAft>
+              <a:buClr>
+                <a:srgbClr val="000000"/>
+              </a:buClr>
+              <a:buSzPts val="1000"/>
+              <a:buFont typeface="Arial"/>
+              <a:buNone/>
+              <a:defRPr sz="1000" b="0" i="0" u="none" strike="noStrike" cap="none">
+                <a:solidFill>
+                  <a:schemeClr val="dk2"/>
+                </a:solidFill>
+                <a:latin typeface="Arial"/>
+                <a:ea typeface="Arial"/>
+                <a:cs typeface="Arial"/>
+                <a:sym typeface="Arial"/>
+              </a:defRPr>
+            </a:lvl9pPr>
+          </a:lstStyle>
+          <a:p>
+            <a:pPr marL="0" lvl="0" indent="0" algn="r" rtl="0">
+              <a:spcBef>
+                <a:spcPts val="0"/>
+              </a:spcBef>
+              <a:spcAft>
+                <a:spcPts val="0"/>
+              </a:spcAft>
+              <a:buNone/>
+            </a:pPr>
+            <a:fld id="{00000000-1234-1234-1234-123412341234}" type="slidenum">
+              <a:rPr lang="en-US"/>
+              <a:t>‹#›</a:t>
+            </a:fld>
+            <a:endParaRPr/>
+          </a:p>
+        </p:txBody>
+      </p:sp>
+    </p:spTree>
+  </p:cSld>
+  <p:clrMapOvr>
+    <a:masterClrMapping/>
+  </p:clrMapOvr>
+</p:sldLayout>
+</file>
+
+<file path=ppt/slideLayouts/slideLayout3.xml><?xml version="1.0" encoding="utf-8"?>
+<p:sldLayout xmlns:a="http://schemas.openxmlformats.org/drawingml/2006/main" xmlns:r="http://schemas.openxmlformats.org/officeDocument/2006/relationships" xmlns:p="http://schemas.openxmlformats.org/presentationml/2006/main" matchingName="Title and body" type="tx">
+  <p:cSld name="TITLE_AND_BODY">
+    <p:spTree>
+      <p:nvGrpSpPr>
+        <p:cNvPr id="1" name="Shape 19"/>
+        <p:cNvGrpSpPr/>
+        <p:nvPr/>
+      </p:nvGrpSpPr>
+      <p:grpSpPr>
+        <a:xfrm>
+          <a:off x="0" y="0"/>
+          <a:ext cx="0" cy="0"/>
+          <a:chOff x="0" y="0"/>
+          <a:chExt cx="0" cy="0"/>
+        </a:xfrm>
+      </p:grpSpPr>
+      <p:sp>
+        <p:nvSpPr>
+          <p:cNvPr id="20" name="Google Shape;20;p20"/>
+          <p:cNvSpPr txBox="1">
+            <a:spLocks noGrp="1"/>
+          </p:cNvSpPr>
+          <p:nvPr>
+            <p:ph type="title"/>
+          </p:nvPr>
+        </p:nvSpPr>
+        <p:spPr>
+          <a:xfrm>
+            <a:off x="311700" y="445025"/>
+            <a:ext cx="8520600" cy="572700"/>
+          </a:xfrm>
+          <a:prstGeom prst="rect">
+            <a:avLst/>
+          </a:prstGeom>
+          <a:noFill/>
+          <a:ln>
+            <a:noFill/>
+          </a:ln>
+        </p:spPr>
+        <p:txBody>
+          <a:bodyPr spcFirstLastPara="1" wrap="square" lIns="91425" tIns="91425" rIns="91425" bIns="91425" anchor="t" anchorCtr="0">
+            <a:normAutofit/>
+          </a:bodyPr>
+          <a:lstStyle>
+            <a:lvl1pPr lvl="0" algn="l">
+              <a:lnSpc>
+                <a:spcPct val="100000"/>
+              </a:lnSpc>
+              <a:spcBef>
+                <a:spcPts val="0"/>
+              </a:spcBef>
+              <a:spcAft>
+                <a:spcPts val="0"/>
+              </a:spcAft>
+              <a:buSzPts val="2800"/>
+              <a:buNone/>
+              <a:defRPr/>
+            </a:lvl1pPr>
+            <a:lvl2pPr lvl="1" algn="l">
+              <a:lnSpc>
+                <a:spcPct val="100000"/>
+              </a:lnSpc>
+              <a:spcBef>
+                <a:spcPts val="0"/>
+              </a:spcBef>
+              <a:spcAft>
+                <a:spcPts val="0"/>
+              </a:spcAft>
+              <a:buSzPts val="2800"/>
+              <a:buNone/>
+              <a:defRPr/>
+            </a:lvl2pPr>
+            <a:lvl3pPr lvl="2" algn="l">
+              <a:lnSpc>
+                <a:spcPct val="100000"/>
+              </a:lnSpc>
+              <a:spcBef>
+                <a:spcPts val="0"/>
+              </a:spcBef>
+              <a:spcAft>
+                <a:spcPts val="0"/>
+              </a:spcAft>
+              <a:buSzPts val="2800"/>
+              <a:buNone/>
+              <a:defRPr/>
+            </a:lvl3pPr>
+            <a:lvl4pPr lvl="3" algn="l">
+              <a:lnSpc>
+                <a:spcPct val="100000"/>
+              </a:lnSpc>
+              <a:spcBef>
+                <a:spcPts val="0"/>
+              </a:spcBef>
+              <a:spcAft>
+                <a:spcPts val="0"/>
+              </a:spcAft>
+              <a:buSzPts val="2800"/>
+              <a:buNone/>
+              <a:defRPr/>
+            </a:lvl4pPr>
+            <a:lvl5pPr lvl="4" algn="l">
+              <a:lnSpc>
+                <a:spcPct val="100000"/>
+              </a:lnSpc>
+              <a:spcBef>
+                <a:spcPts val="0"/>
+              </a:spcBef>
+              <a:spcAft>
+                <a:spcPts val="0"/>
+              </a:spcAft>
+              <a:buSzPts val="2800"/>
+              <a:buNone/>
+              <a:defRPr/>
+            </a:lvl5pPr>
+            <a:lvl6pPr lvl="5" algn="l">
+              <a:lnSpc>
+                <a:spcPct val="100000"/>
+              </a:lnSpc>
+              <a:spcBef>
+                <a:spcPts val="0"/>
+              </a:spcBef>
+              <a:spcAft>
+                <a:spcPts val="0"/>
+              </a:spcAft>
+              <a:buSzPts val="2800"/>
+              <a:buNone/>
+              <a:defRPr/>
+            </a:lvl6pPr>
+            <a:lvl7pPr lvl="6" algn="l">
+              <a:lnSpc>
+                <a:spcPct val="100000"/>
+              </a:lnSpc>
+              <a:spcBef>
+                <a:spcPts val="0"/>
+              </a:spcBef>
+              <a:spcAft>
+                <a:spcPts val="0"/>
+              </a:spcAft>
+              <a:buSzPts val="2800"/>
+              <a:buNone/>
+              <a:defRPr/>
+            </a:lvl7pPr>
+            <a:lvl8pPr lvl="7" algn="l">
+              <a:lnSpc>
+                <a:spcPct val="100000"/>
+              </a:lnSpc>
+              <a:spcBef>
+                <a:spcPts val="0"/>
+              </a:spcBef>
+              <a:spcAft>
+                <a:spcPts val="0"/>
+              </a:spcAft>
+              <a:buSzPts val="2800"/>
+              <a:buNone/>
+              <a:defRPr/>
+            </a:lvl8pPr>
+            <a:lvl9pPr lvl="8" algn="l">
+              <a:lnSpc>
+                <a:spcPct val="100000"/>
+              </a:lnSpc>
+              <a:spcBef>
+                <a:spcPts val="0"/>
+              </a:spcBef>
+              <a:spcAft>
+                <a:spcPts val="0"/>
+              </a:spcAft>
+              <a:buSzPts val="2800"/>
+              <a:buNone/>
+              <a:defRPr/>
+            </a:lvl9pPr>
+          </a:lstStyle>
+          <a:p>
+            <a:endParaRPr/>
+          </a:p>
+        </p:txBody>
+      </p:sp>
+      <p:sp>
+        <p:nvSpPr>
+          <p:cNvPr id="21" name="Google Shape;21;p20"/>
+          <p:cNvSpPr txBox="1">
+            <a:spLocks noGrp="1"/>
+          </p:cNvSpPr>
+          <p:nvPr>
+            <p:ph type="body" idx="1"/>
+          </p:nvPr>
+        </p:nvSpPr>
+        <p:spPr>
+          <a:xfrm>
+            <a:off x="311700" y="1152475"/>
+            <a:ext cx="8520600" cy="3416400"/>
+          </a:xfrm>
+          <a:prstGeom prst="rect">
+            <a:avLst/>
+          </a:prstGeom>
+          <a:noFill/>
+          <a:ln>
+            <a:noFill/>
+          </a:ln>
+        </p:spPr>
+        <p:txBody>
+          <a:bodyPr spcFirstLastPara="1" wrap="square" lIns="91425" tIns="91425" rIns="91425" bIns="91425" anchor="t" anchorCtr="0">
+            <a:normAutofit/>
+          </a:bodyPr>
+          <a:lstStyle>
+            <a:lvl1pPr marL="457200" lvl="0" indent="-342900" algn="l">
+              <a:lnSpc>
+                <a:spcPct val="100000"/>
+              </a:lnSpc>
+              <a:spcBef>
+                <a:spcPts val="0"/>
+              </a:spcBef>
+              <a:spcAft>
+                <a:spcPts val="0"/>
+              </a:spcAft>
+              <a:buSzPts val="1800"/>
+              <a:buChar char="●"/>
+              <a:defRPr/>
+            </a:lvl1pPr>
+            <a:lvl2pPr marL="914400" lvl="1" indent="-317500" algn="l">
+              <a:lnSpc>
+                <a:spcPct val="100000"/>
+              </a:lnSpc>
+              <a:spcBef>
+                <a:spcPts val="0"/>
+              </a:spcBef>
+              <a:spcAft>
+                <a:spcPts val="0"/>
+              </a:spcAft>
+              <a:buSzPts val="1400"/>
+              <a:buChar char="○"/>
+              <a:defRPr/>
+            </a:lvl2pPr>
+            <a:lvl3pPr marL="1371600" lvl="2" indent="-317500" algn="l">
+              <a:lnSpc>
+                <a:spcPct val="100000"/>
+              </a:lnSpc>
+              <a:spcBef>
+                <a:spcPts val="0"/>
+              </a:spcBef>
+              <a:spcAft>
+                <a:spcPts val="0"/>
+              </a:spcAft>
+              <a:buSzPts val="1400"/>
+              <a:buChar char="■"/>
+              <a:defRPr/>
+            </a:lvl3pPr>
+            <a:lvl4pPr marL="1828800" lvl="3" indent="-317500" algn="l">
+              <a:lnSpc>
+                <a:spcPct val="100000"/>
+              </a:lnSpc>
+              <a:spcBef>
+                <a:spcPts val="0"/>
+              </a:spcBef>
+              <a:spcAft>
+                <a:spcPts val="0"/>
+              </a:spcAft>
+              <a:buSzPts val="1400"/>
+              <a:buChar char="●"/>
+              <a:defRPr/>
+            </a:lvl4pPr>
+            <a:lvl5pPr marL="2286000" lvl="4" indent="-317500" algn="l">
+              <a:lnSpc>
+                <a:spcPct val="100000"/>
+              </a:lnSpc>
+              <a:spcBef>
+                <a:spcPts val="0"/>
+              </a:spcBef>
+              <a:spcAft>
+                <a:spcPts val="0"/>
+              </a:spcAft>
+              <a:buSzPts val="1400"/>
+              <a:buChar char="○"/>
+              <a:defRPr/>
+            </a:lvl5pPr>
+            <a:lvl6pPr marL="2743200" lvl="5" indent="-317500" algn="l">
+              <a:lnSpc>
+                <a:spcPct val="100000"/>
+              </a:lnSpc>
+              <a:spcBef>
+                <a:spcPts val="0"/>
+              </a:spcBef>
+              <a:spcAft>
+                <a:spcPts val="0"/>
+              </a:spcAft>
+              <a:buSzPts val="1400"/>
+              <a:buChar char="■"/>
+              <a:defRPr/>
+            </a:lvl6pPr>
+            <a:lvl7pPr marL="3200400" lvl="6" indent="-317500" algn="l">
+              <a:lnSpc>
+                <a:spcPct val="100000"/>
+              </a:lnSpc>
+              <a:spcBef>
+                <a:spcPts val="0"/>
+              </a:spcBef>
+              <a:spcAft>
+                <a:spcPts val="0"/>
+              </a:spcAft>
+              <a:buSzPts val="1400"/>
+              <a:buChar char="●"/>
+              <a:defRPr/>
+            </a:lvl7pPr>
+            <a:lvl8pPr marL="3657600" lvl="7" indent="-317500" algn="l">
+              <a:lnSpc>
+                <a:spcPct val="100000"/>
+              </a:lnSpc>
+              <a:spcBef>
+                <a:spcPts val="0"/>
+              </a:spcBef>
+              <a:spcAft>
+                <a:spcPts val="0"/>
+              </a:spcAft>
+              <a:buSzPts val="1400"/>
+              <a:buChar char="○"/>
+              <a:defRPr/>
+            </a:lvl8pPr>
+            <a:lvl9pPr marL="4114800" lvl="8" indent="-317500" algn="l">
+              <a:lnSpc>
+                <a:spcPct val="100000"/>
+              </a:lnSpc>
+              <a:spcBef>
+                <a:spcPts val="0"/>
+              </a:spcBef>
+              <a:spcAft>
+                <a:spcPts val="0"/>
+              </a:spcAft>
+              <a:buSzPts val="1400"/>
+              <a:buChar char="■"/>
+              <a:defRPr/>
+            </a:lvl9pPr>
+          </a:lstStyle>
+          <a:p>
+            <a:endParaRPr/>
+          </a:p>
+        </p:txBody>
+      </p:sp>
+      <p:sp>
+        <p:nvSpPr>
+          <p:cNvPr id="22" name="Google Shape;22;p20"/>
+          <p:cNvSpPr txBox="1">
+            <a:spLocks noGrp="1"/>
+          </p:cNvSpPr>
+          <p:nvPr>
+            <p:ph type="sldNum" idx="12"/>
+          </p:nvPr>
+        </p:nvSpPr>
+        <p:spPr>
+          <a:xfrm>
+            <a:off x="8472458" y="4663217"/>
+            <a:ext cx="548700" cy="393600"/>
+          </a:xfrm>
+          <a:prstGeom prst="rect">
+            <a:avLst/>
+          </a:prstGeom>
+          <a:noFill/>
+          <a:ln>
+            <a:noFill/>
+          </a:ln>
+        </p:spPr>
+        <p:txBody>
+          <a:bodyPr spcFirstLastPara="1" wrap="square" lIns="91425" tIns="91425" rIns="91425" bIns="91425" anchor="ctr" anchorCtr="0">
+            <a:normAutofit/>
+          </a:bodyPr>
+          <a:lstStyle>
+            <a:lvl1pPr marL="0" marR="0" lvl="0" indent="0" algn="r">
+              <a:lnSpc>
+                <a:spcPct val="100000"/>
+              </a:lnSpc>
+              <a:spcBef>
+                <a:spcPts val="0"/>
+              </a:spcBef>
+              <a:spcAft>
+                <a:spcPts val="0"/>
+              </a:spcAft>
+              <a:buClr>
+                <a:srgbClr val="000000"/>
+              </a:buClr>
+              <a:buSzPts val="1800"/>
+              <a:buFont typeface="Arial"/>
+              <a:buNone/>
+              <a:defRPr sz="1800" b="0" i="0" u="none" strike="noStrike" cap="none">
+                <a:solidFill>
+                  <a:srgbClr val="888888"/>
+                </a:solidFill>
+                <a:latin typeface="Calibri"/>
+                <a:ea typeface="Calibri"/>
+                <a:cs typeface="Calibri"/>
+                <a:sym typeface="Calibri"/>
+              </a:defRPr>
+            </a:lvl1pPr>
+            <a:lvl2pPr marL="0" marR="0" lvl="1" indent="0" algn="r">
+              <a:lnSpc>
+                <a:spcPct val="100000"/>
+              </a:lnSpc>
+              <a:spcBef>
+                <a:spcPts val="0"/>
+              </a:spcBef>
+              <a:spcAft>
+                <a:spcPts val="0"/>
+              </a:spcAft>
+              <a:buClr>
+                <a:srgbClr val="000000"/>
+              </a:buClr>
+              <a:buSzPts val="1800"/>
+              <a:buFont typeface="Arial"/>
+              <a:buNone/>
+              <a:defRPr sz="1800" b="0" i="0" u="none" strike="noStrike" cap="none">
+                <a:solidFill>
+                  <a:srgbClr val="888888"/>
+                </a:solidFill>
+                <a:latin typeface="Calibri"/>
+                <a:ea typeface="Calibri"/>
+                <a:cs typeface="Calibri"/>
+                <a:sym typeface="Calibri"/>
+              </a:defRPr>
+            </a:lvl2pPr>
+            <a:lvl3pPr marL="0" marR="0" lvl="2" indent="0" algn="r">
+              <a:lnSpc>
+                <a:spcPct val="100000"/>
+              </a:lnSpc>
+              <a:spcBef>
+                <a:spcPts val="0"/>
+              </a:spcBef>
+              <a:spcAft>
+                <a:spcPts val="0"/>
+              </a:spcAft>
+              <a:buClr>
+                <a:srgbClr val="000000"/>
+              </a:buClr>
+              <a:buSzPts val="1800"/>
+              <a:buFont typeface="Arial"/>
+              <a:buNone/>
+              <a:defRPr sz="1800" b="0" i="0" u="none" strike="noStrike" cap="none">
+                <a:solidFill>
+                  <a:srgbClr val="888888"/>
+                </a:solidFill>
+                <a:latin typeface="Calibri"/>
+                <a:ea typeface="Calibri"/>
+                <a:cs typeface="Calibri"/>
+                <a:sym typeface="Calibri"/>
+              </a:defRPr>
+            </a:lvl3pPr>
+            <a:lvl4pPr marL="0" marR="0" lvl="3" indent="0" algn="r">
+              <a:lnSpc>
+                <a:spcPct val="100000"/>
+              </a:lnSpc>
+              <a:spcBef>
+                <a:spcPts val="0"/>
+              </a:spcBef>
+              <a:spcAft>
+                <a:spcPts val="0"/>
+              </a:spcAft>
+              <a:buClr>
+                <a:srgbClr val="000000"/>
+              </a:buClr>
+              <a:buSzPts val="1800"/>
+              <a:buFont typeface="Arial"/>
+              <a:buNone/>
+              <a:defRPr sz="1800" b="0" i="0" u="none" strike="noStrike" cap="none">
+                <a:solidFill>
+                  <a:srgbClr val="888888"/>
+                </a:solidFill>
+                <a:latin typeface="Calibri"/>
+                <a:ea typeface="Calibri"/>
+                <a:cs typeface="Calibri"/>
+                <a:sym typeface="Calibri"/>
+              </a:defRPr>
+            </a:lvl4pPr>
+            <a:lvl5pPr marL="0" marR="0" lvl="4" indent="0" algn="r">
+              <a:lnSpc>
+                <a:spcPct val="100000"/>
+              </a:lnSpc>
+              <a:spcBef>
+                <a:spcPts val="0"/>
+              </a:spcBef>
+              <a:spcAft>
+                <a:spcPts val="0"/>
+              </a:spcAft>
+              <a:buClr>
+                <a:srgbClr val="000000"/>
+              </a:buClr>
+              <a:buSzPts val="1800"/>
+              <a:buFont typeface="Arial"/>
+              <a:buNone/>
+              <a:defRPr sz="1800" b="0" i="0" u="none" strike="noStrike" cap="none">
+                <a:solidFill>
+                  <a:srgbClr val="888888"/>
+                </a:solidFill>
+                <a:latin typeface="Calibri"/>
+                <a:ea typeface="Calibri"/>
+                <a:cs typeface="Calibri"/>
+                <a:sym typeface="Calibri"/>
+              </a:defRPr>
+            </a:lvl5pPr>
+            <a:lvl6pPr marL="0" marR="0" lvl="5" indent="0" algn="r">
+              <a:lnSpc>
+                <a:spcPct val="100000"/>
+              </a:lnSpc>
+              <a:spcBef>
+                <a:spcPts val="0"/>
+              </a:spcBef>
+              <a:spcAft>
+                <a:spcPts val="0"/>
+              </a:spcAft>
+              <a:buClr>
+                <a:srgbClr val="000000"/>
+              </a:buClr>
+              <a:buSzPts val="1800"/>
+              <a:buFont typeface="Arial"/>
+              <a:buNone/>
+              <a:defRPr sz="1800" b="0" i="0" u="none" strike="noStrike" cap="none">
+                <a:solidFill>
+                  <a:srgbClr val="888888"/>
+                </a:solidFill>
+                <a:latin typeface="Calibri"/>
+                <a:ea typeface="Calibri"/>
+                <a:cs typeface="Calibri"/>
+                <a:sym typeface="Calibri"/>
+              </a:defRPr>
+            </a:lvl6pPr>
+            <a:lvl7pPr marL="0" marR="0" lvl="6" indent="0" algn="r">
+              <a:lnSpc>
+                <a:spcPct val="100000"/>
+              </a:lnSpc>
+              <a:spcBef>
+                <a:spcPts val="0"/>
+              </a:spcBef>
+              <a:spcAft>
+                <a:spcPts val="0"/>
+              </a:spcAft>
+              <a:buClr>
+                <a:srgbClr val="000000"/>
+              </a:buClr>
+              <a:buSzPts val="1800"/>
+              <a:buFont typeface="Arial"/>
+              <a:buNone/>
+              <a:defRPr sz="1800" b="0" i="0" u="none" strike="noStrike" cap="none">
+                <a:solidFill>
+                  <a:srgbClr val="888888"/>
+                </a:solidFill>
+                <a:latin typeface="Calibri"/>
+                <a:ea typeface="Calibri"/>
+                <a:cs typeface="Calibri"/>
+                <a:sym typeface="Calibri"/>
+              </a:defRPr>
+            </a:lvl7pPr>
+            <a:lvl8pPr marL="0" marR="0" lvl="7" indent="0" algn="r">
+              <a:lnSpc>
+                <a:spcPct val="100000"/>
+              </a:lnSpc>
+              <a:spcBef>
+                <a:spcPts val="0"/>
+              </a:spcBef>
+              <a:spcAft>
+                <a:spcPts val="0"/>
+              </a:spcAft>
+              <a:buClr>
+                <a:srgbClr val="000000"/>
+              </a:buClr>
+              <a:buSzPts val="1800"/>
+              <a:buFont typeface="Arial"/>
+              <a:buNone/>
+              <a:defRPr sz="1800" b="0" i="0" u="none" strike="noStrike" cap="none">
+                <a:solidFill>
+                  <a:srgbClr val="888888"/>
+                </a:solidFill>
+                <a:latin typeface="Calibri"/>
+                <a:ea typeface="Calibri"/>
+                <a:cs typeface="Calibri"/>
+                <a:sym typeface="Calibri"/>
+              </a:defRPr>
+            </a:lvl8pPr>
+            <a:lvl9pPr marL="0" marR="0" lvl="8" indent="0" algn="r">
+              <a:lnSpc>
+                <a:spcPct val="100000"/>
+              </a:lnSpc>
+              <a:spcBef>
+                <a:spcPts val="0"/>
+              </a:spcBef>
+              <a:spcAft>
+                <a:spcPts val="0"/>
+              </a:spcAft>
+              <a:buClr>
+                <a:srgbClr val="000000"/>
+              </a:buClr>
+              <a:buSzPts val="1800"/>
+              <a:buFont typeface="Arial"/>
+              <a:buNone/>
+              <a:defRPr sz="1800" b="0" i="0" u="none" strike="noStrike" cap="none">
+                <a:solidFill>
+                  <a:srgbClr val="888888"/>
+                </a:solidFill>
+                <a:latin typeface="Calibri"/>
+                <a:ea typeface="Calibri"/>
+                <a:cs typeface="Calibri"/>
+                <a:sym typeface="Calibri"/>
+              </a:defRPr>
+            </a:lvl9pPr>
+          </a:lstStyle>
+          <a:p>
+            <a:pPr marL="0" lvl="0" indent="0" algn="r" rtl="0">
+              <a:spcBef>
+                <a:spcPts val="0"/>
+              </a:spcBef>
+              <a:spcAft>
+                <a:spcPts val="0"/>
+              </a:spcAft>
+              <a:buNone/>
+            </a:pPr>
+            <a:fld id="{00000000-1234-1234-1234-123412341234}" type="slidenum">
+              <a:rPr lang="en-US"/>
+              <a:t>‹#›</a:t>
+            </a:fld>
+            <a:endParaRPr/>
+          </a:p>
+        </p:txBody>
+      </p:sp>
+    </p:spTree>
+  </p:cSld>
+  <p:clrMapOvr>
+    <a:masterClrMapping/>
+  </p:clrMapOvr>
+</p:sldLayout>
+</file>
+
+<file path=ppt/slideLayouts/slideLayout4.xml><?xml version="1.0" encoding="utf-8"?>
+<p:sldLayout xmlns:a="http://schemas.openxmlformats.org/drawingml/2006/main" xmlns:r="http://schemas.openxmlformats.org/officeDocument/2006/relationships" xmlns:p="http://schemas.openxmlformats.org/presentationml/2006/main" matchingName="Title and Content">
+  <p:cSld name="Title and Content">
+    <p:spTree>
+      <p:nvGrpSpPr>
+        <p:cNvPr id="1" name="Shape 23"/>
+        <p:cNvGrpSpPr/>
+        <p:nvPr/>
+      </p:nvGrpSpPr>
+      <p:grpSpPr>
+        <a:xfrm>
+          <a:off x="0" y="0"/>
+          <a:ext cx="0" cy="0"/>
+          <a:chOff x="0" y="0"/>
+          <a:chExt cx="0" cy="0"/>
+        </a:xfrm>
+      </p:grpSpPr>
+      <p:sp>
+        <p:nvSpPr>
+          <p:cNvPr id="24" name="Google Shape;24;p11"/>
           <p:cNvSpPr txBox="1">
             <a:spLocks noGrp="1"/>
           </p:cNvSpPr>
@@ -3021,7 +4398,7 @@
       </p:sp>
       <p:sp>
         <p:nvSpPr>
-          <p:cNvPr id="18" name="Google Shape;18;p11"/>
+          <p:cNvPr id="25" name="Google Shape;25;p11"/>
           <p:cNvSpPr txBox="1">
             <a:spLocks noGrp="1"/>
           </p:cNvSpPr>
@@ -3185,7 +4562,7 @@
       </p:sp>
       <p:sp>
         <p:nvSpPr>
-          <p:cNvPr id="19" name="Google Shape;19;p11"/>
+          <p:cNvPr id="26" name="Google Shape;26;p11"/>
           <p:cNvSpPr txBox="1">
             <a:spLocks noGrp="1"/>
           </p:cNvSpPr>
@@ -3349,7 +4726,7 @@
       </p:sp>
       <p:sp>
         <p:nvSpPr>
-          <p:cNvPr id="20" name="Google Shape;20;p11"/>
+          <p:cNvPr id="27" name="Google Shape;27;p11"/>
           <p:cNvSpPr txBox="1">
             <a:spLocks noGrp="1"/>
           </p:cNvSpPr>
@@ -3513,7 +4890,7 @@
       </p:sp>
       <p:sp>
         <p:nvSpPr>
-          <p:cNvPr id="21" name="Google Shape;21;p11"/>
+          <p:cNvPr id="28" name="Google Shape;28;p11"/>
           <p:cNvSpPr txBox="1">
             <a:spLocks noGrp="1"/>
           </p:cNvSpPr>
@@ -3800,12 +5177,12 @@
 </p:sldLayout>
 </file>
 
-<file path=ppt/slideLayouts/slideLayout3.xml><?xml version="1.0" encoding="utf-8"?>
+<file path=ppt/slideLayouts/slideLayout5.xml><?xml version="1.0" encoding="utf-8"?>
 <p:sldLayout xmlns:a="http://schemas.openxmlformats.org/drawingml/2006/main" xmlns:r="http://schemas.openxmlformats.org/officeDocument/2006/relationships" xmlns:p="http://schemas.openxmlformats.org/presentationml/2006/main" matchingName="Two Content">
   <p:cSld name="Two Content">
     <p:spTree>
       <p:nvGrpSpPr>
-        <p:cNvPr id="1" name="Shape 28"/>
+        <p:cNvPr id="1" name="Shape 29"/>
         <p:cNvGrpSpPr/>
         <p:nvPr/>
       </p:nvGrpSpPr>
@@ -3819,7 +5196,7 @@
       </p:grpSpPr>
       <p:sp>
         <p:nvSpPr>
-          <p:cNvPr id="29" name="Google Shape;29;p13"/>
+          <p:cNvPr id="30" name="Google Shape;30;p13"/>
           <p:cNvSpPr txBox="1">
             <a:spLocks noGrp="1"/>
           </p:cNvSpPr>
@@ -3987,7 +5364,7 @@
       </p:sp>
       <p:sp>
         <p:nvSpPr>
-          <p:cNvPr id="30" name="Google Shape;30;p13"/>
+          <p:cNvPr id="31" name="Google Shape;31;p13"/>
           <p:cNvSpPr txBox="1">
             <a:spLocks noGrp="1"/>
           </p:cNvSpPr>
@@ -4147,7 +5524,7 @@
       </p:sp>
       <p:sp>
         <p:nvSpPr>
-          <p:cNvPr id="31" name="Google Shape;31;p13"/>
+          <p:cNvPr id="32" name="Google Shape;32;p13"/>
           <p:cNvSpPr txBox="1">
             <a:spLocks noGrp="1"/>
           </p:cNvSpPr>
@@ -4307,7 +5684,7 @@
       </p:sp>
       <p:sp>
         <p:nvSpPr>
-          <p:cNvPr id="32" name="Google Shape;32;p13"/>
+          <p:cNvPr id="33" name="Google Shape;33;p13"/>
           <p:cNvSpPr txBox="1">
             <a:spLocks noGrp="1"/>
           </p:cNvSpPr>
@@ -4471,7 +5848,7 @@
       </p:sp>
       <p:sp>
         <p:nvSpPr>
-          <p:cNvPr id="33" name="Google Shape;33;p13"/>
+          <p:cNvPr id="34" name="Google Shape;34;p13"/>
           <p:cNvSpPr txBox="1">
             <a:spLocks noGrp="1"/>
           </p:cNvSpPr>
@@ -4635,7 +6012,7 @@
       </p:sp>
       <p:sp>
         <p:nvSpPr>
-          <p:cNvPr id="34" name="Google Shape;34;p13"/>
+          <p:cNvPr id="35" name="Google Shape;35;p13"/>
           <p:cNvSpPr txBox="1">
             <a:spLocks noGrp="1"/>
           </p:cNvSpPr>
@@ -4915,844 +6292,6 @@
         </p:txBody>
       </p:sp>
     </p:spTree>
-  </p:cSld>
-  <p:clrMapOvr>
-    <a:masterClrMapping/>
-  </p:clrMapOvr>
-</p:sldLayout>
-</file>
-
-<file path=ppt/slideLayouts/slideLayout4.xml><?xml version="1.0" encoding="utf-8"?>
-<p:sldLayout xmlns:a="http://schemas.openxmlformats.org/drawingml/2006/main" xmlns:r="http://schemas.openxmlformats.org/officeDocument/2006/relationships" xmlns:p="http://schemas.openxmlformats.org/presentationml/2006/main" matchingName="Title and body" type="tx">
-  <p:cSld name="Title and body">
-    <p:spTree>
-      <p:nvGrpSpPr>
-        <p:cNvPr id="1" name="Shape 16"/>
-        <p:cNvGrpSpPr/>
-        <p:nvPr/>
-      </p:nvGrpSpPr>
-      <p:grpSpPr>
-        <a:xfrm>
-          <a:off x="0" y="0"/>
-          <a:ext cx="0" cy="0"/>
-          <a:chOff x="0" y="0"/>
-          <a:chExt cx="0" cy="0"/>
-        </a:xfrm>
-      </p:grpSpPr>
-      <p:sp>
-        <p:nvSpPr>
-          <p:cNvPr id="17" name="Google Shape;17;p4"/>
-          <p:cNvSpPr txBox="1">
-            <a:spLocks noGrp="1"/>
-          </p:cNvSpPr>
-          <p:nvPr>
-            <p:ph type="title"/>
-          </p:nvPr>
-        </p:nvSpPr>
-        <p:spPr>
-          <a:xfrm>
-            <a:off x="311700" y="445025"/>
-            <a:ext cx="8520600" cy="572700"/>
-          </a:xfrm>
-          <a:prstGeom prst="rect">
-            <a:avLst/>
-          </a:prstGeom>
-        </p:spPr>
-        <p:txBody>
-          <a:bodyPr spcFirstLastPara="1" wrap="square" lIns="91425" tIns="91425" rIns="91425" bIns="91425" anchor="t" anchorCtr="0">
-            <a:normAutofit/>
-          </a:bodyPr>
-          <a:lstStyle>
-            <a:lvl1pPr lvl="0">
-              <a:spcBef>
-                <a:spcPts val="0"/>
-              </a:spcBef>
-              <a:spcAft>
-                <a:spcPts val="0"/>
-              </a:spcAft>
-              <a:buSzPts val="2800"/>
-              <a:buNone/>
-              <a:defRPr/>
-            </a:lvl1pPr>
-            <a:lvl2pPr lvl="1">
-              <a:spcBef>
-                <a:spcPts val="0"/>
-              </a:spcBef>
-              <a:spcAft>
-                <a:spcPts val="0"/>
-              </a:spcAft>
-              <a:buSzPts val="2800"/>
-              <a:buNone/>
-              <a:defRPr/>
-            </a:lvl2pPr>
-            <a:lvl3pPr lvl="2">
-              <a:spcBef>
-                <a:spcPts val="0"/>
-              </a:spcBef>
-              <a:spcAft>
-                <a:spcPts val="0"/>
-              </a:spcAft>
-              <a:buSzPts val="2800"/>
-              <a:buNone/>
-              <a:defRPr/>
-            </a:lvl3pPr>
-            <a:lvl4pPr lvl="3">
-              <a:spcBef>
-                <a:spcPts val="0"/>
-              </a:spcBef>
-              <a:spcAft>
-                <a:spcPts val="0"/>
-              </a:spcAft>
-              <a:buSzPts val="2800"/>
-              <a:buNone/>
-              <a:defRPr/>
-            </a:lvl4pPr>
-            <a:lvl5pPr lvl="4">
-              <a:spcBef>
-                <a:spcPts val="0"/>
-              </a:spcBef>
-              <a:spcAft>
-                <a:spcPts val="0"/>
-              </a:spcAft>
-              <a:buSzPts val="2800"/>
-              <a:buNone/>
-              <a:defRPr/>
-            </a:lvl5pPr>
-            <a:lvl6pPr lvl="5">
-              <a:spcBef>
-                <a:spcPts val="0"/>
-              </a:spcBef>
-              <a:spcAft>
-                <a:spcPts val="0"/>
-              </a:spcAft>
-              <a:buSzPts val="2800"/>
-              <a:buNone/>
-              <a:defRPr/>
-            </a:lvl6pPr>
-            <a:lvl7pPr lvl="6">
-              <a:spcBef>
-                <a:spcPts val="0"/>
-              </a:spcBef>
-              <a:spcAft>
-                <a:spcPts val="0"/>
-              </a:spcAft>
-              <a:buSzPts val="2800"/>
-              <a:buNone/>
-              <a:defRPr/>
-            </a:lvl7pPr>
-            <a:lvl8pPr lvl="7">
-              <a:spcBef>
-                <a:spcPts val="0"/>
-              </a:spcBef>
-              <a:spcAft>
-                <a:spcPts val="0"/>
-              </a:spcAft>
-              <a:buSzPts val="2800"/>
-              <a:buNone/>
-              <a:defRPr/>
-            </a:lvl8pPr>
-            <a:lvl9pPr lvl="8">
-              <a:spcBef>
-                <a:spcPts val="0"/>
-              </a:spcBef>
-              <a:spcAft>
-                <a:spcPts val="0"/>
-              </a:spcAft>
-              <a:buSzPts val="2800"/>
-              <a:buNone/>
-              <a:defRPr/>
-            </a:lvl9pPr>
-          </a:lstStyle>
-          <a:p>
-            <a:endParaRPr/>
-          </a:p>
-        </p:txBody>
-      </p:sp>
-      <p:sp>
-        <p:nvSpPr>
-          <p:cNvPr id="18" name="Google Shape;18;p4"/>
-          <p:cNvSpPr txBox="1">
-            <a:spLocks noGrp="1"/>
-          </p:cNvSpPr>
-          <p:nvPr>
-            <p:ph type="body" idx="1"/>
-          </p:nvPr>
-        </p:nvSpPr>
-        <p:spPr>
-          <a:xfrm>
-            <a:off x="311700" y="1152475"/>
-            <a:ext cx="8520600" cy="3416400"/>
-          </a:xfrm>
-          <a:prstGeom prst="rect">
-            <a:avLst/>
-          </a:prstGeom>
-        </p:spPr>
-        <p:txBody>
-          <a:bodyPr spcFirstLastPara="1" wrap="square" lIns="91425" tIns="91425" rIns="91425" bIns="91425" anchor="t" anchorCtr="0">
-            <a:normAutofit/>
-          </a:bodyPr>
-          <a:lstStyle>
-            <a:lvl1pPr marL="457200" lvl="0" indent="-342900">
-              <a:spcBef>
-                <a:spcPts val="0"/>
-              </a:spcBef>
-              <a:spcAft>
-                <a:spcPts val="0"/>
-              </a:spcAft>
-              <a:buSzPts val="1800"/>
-              <a:buChar char="●"/>
-              <a:defRPr/>
-            </a:lvl1pPr>
-            <a:lvl2pPr marL="914400" lvl="1" indent="-317500">
-              <a:spcBef>
-                <a:spcPts val="0"/>
-              </a:spcBef>
-              <a:spcAft>
-                <a:spcPts val="0"/>
-              </a:spcAft>
-              <a:buSzPts val="1400"/>
-              <a:buChar char="○"/>
-              <a:defRPr/>
-            </a:lvl2pPr>
-            <a:lvl3pPr marL="1371600" lvl="2" indent="-317500">
-              <a:spcBef>
-                <a:spcPts val="0"/>
-              </a:spcBef>
-              <a:spcAft>
-                <a:spcPts val="0"/>
-              </a:spcAft>
-              <a:buSzPts val="1400"/>
-              <a:buChar char="■"/>
-              <a:defRPr/>
-            </a:lvl3pPr>
-            <a:lvl4pPr marL="1828800" lvl="3" indent="-317500">
-              <a:spcBef>
-                <a:spcPts val="0"/>
-              </a:spcBef>
-              <a:spcAft>
-                <a:spcPts val="0"/>
-              </a:spcAft>
-              <a:buSzPts val="1400"/>
-              <a:buChar char="●"/>
-              <a:defRPr/>
-            </a:lvl4pPr>
-            <a:lvl5pPr marL="2286000" lvl="4" indent="-317500">
-              <a:spcBef>
-                <a:spcPts val="0"/>
-              </a:spcBef>
-              <a:spcAft>
-                <a:spcPts val="0"/>
-              </a:spcAft>
-              <a:buSzPts val="1400"/>
-              <a:buChar char="○"/>
-              <a:defRPr/>
-            </a:lvl5pPr>
-            <a:lvl6pPr marL="2743200" lvl="5" indent="-317500">
-              <a:spcBef>
-                <a:spcPts val="0"/>
-              </a:spcBef>
-              <a:spcAft>
-                <a:spcPts val="0"/>
-              </a:spcAft>
-              <a:buSzPts val="1400"/>
-              <a:buChar char="■"/>
-              <a:defRPr/>
-            </a:lvl6pPr>
-            <a:lvl7pPr marL="3200400" lvl="6" indent="-317500">
-              <a:spcBef>
-                <a:spcPts val="0"/>
-              </a:spcBef>
-              <a:spcAft>
-                <a:spcPts val="0"/>
-              </a:spcAft>
-              <a:buSzPts val="1400"/>
-              <a:buChar char="●"/>
-              <a:defRPr/>
-            </a:lvl7pPr>
-            <a:lvl8pPr marL="3657600" lvl="7" indent="-317500">
-              <a:spcBef>
-                <a:spcPts val="0"/>
-              </a:spcBef>
-              <a:spcAft>
-                <a:spcPts val="0"/>
-              </a:spcAft>
-              <a:buSzPts val="1400"/>
-              <a:buChar char="○"/>
-              <a:defRPr/>
-            </a:lvl8pPr>
-            <a:lvl9pPr marL="4114800" lvl="8" indent="-317500">
-              <a:spcBef>
-                <a:spcPts val="0"/>
-              </a:spcBef>
-              <a:spcAft>
-                <a:spcPts val="0"/>
-              </a:spcAft>
-              <a:buSzPts val="1400"/>
-              <a:buChar char="■"/>
-              <a:defRPr/>
-            </a:lvl9pPr>
-          </a:lstStyle>
-          <a:p>
-            <a:endParaRPr/>
-          </a:p>
-        </p:txBody>
-      </p:sp>
-      <p:sp>
-        <p:nvSpPr>
-          <p:cNvPr id="19" name="Google Shape;19;p4"/>
-          <p:cNvSpPr txBox="1">
-            <a:spLocks noGrp="1"/>
-          </p:cNvSpPr>
-          <p:nvPr>
-            <p:ph type="sldNum" idx="12"/>
-          </p:nvPr>
-        </p:nvSpPr>
-        <p:spPr>
-          <a:xfrm>
-            <a:off x="8472458" y="4663217"/>
-            <a:ext cx="548700" cy="393600"/>
-          </a:xfrm>
-          <a:prstGeom prst="rect">
-            <a:avLst/>
-          </a:prstGeom>
-        </p:spPr>
-        <p:txBody>
-          <a:bodyPr spcFirstLastPara="1" wrap="square" lIns="91425" tIns="91425" rIns="91425" bIns="91425" anchor="ctr" anchorCtr="0">
-            <a:normAutofit/>
-          </a:bodyPr>
-          <a:lstStyle>
-            <a:lvl1pPr lvl="0">
-              <a:buNone/>
-              <a:defRPr/>
-            </a:lvl1pPr>
-            <a:lvl2pPr lvl="1">
-              <a:buNone/>
-              <a:defRPr/>
-            </a:lvl2pPr>
-            <a:lvl3pPr lvl="2">
-              <a:buNone/>
-              <a:defRPr/>
-            </a:lvl3pPr>
-            <a:lvl4pPr lvl="3">
-              <a:buNone/>
-              <a:defRPr/>
-            </a:lvl4pPr>
-            <a:lvl5pPr lvl="4">
-              <a:buNone/>
-              <a:defRPr/>
-            </a:lvl5pPr>
-            <a:lvl6pPr lvl="5">
-              <a:buNone/>
-              <a:defRPr/>
-            </a:lvl6pPr>
-            <a:lvl7pPr lvl="6">
-              <a:buNone/>
-              <a:defRPr/>
-            </a:lvl7pPr>
-            <a:lvl8pPr lvl="7">
-              <a:buNone/>
-              <a:defRPr/>
-            </a:lvl8pPr>
-            <a:lvl9pPr lvl="8">
-              <a:buNone/>
-              <a:defRPr/>
-            </a:lvl9pPr>
-          </a:lstStyle>
-          <a:p>
-            <a:pPr marL="0" lvl="0" indent="0" algn="r" rtl="0">
-              <a:spcBef>
-                <a:spcPts val="0"/>
-              </a:spcBef>
-              <a:spcAft>
-                <a:spcPts val="0"/>
-              </a:spcAft>
-              <a:buNone/>
-            </a:pPr>
-            <a:fld id="{00000000-1234-1234-1234-123412341234}" type="slidenum">
-              <a:rPr lang="en"/>
-              <a:t>‹#›</a:t>
-            </a:fld>
-            <a:endParaRPr/>
-          </a:p>
-        </p:txBody>
-      </p:sp>
-    </p:spTree>
-    <p:extLst>
-      <p:ext uri="{BB962C8B-B14F-4D97-AF65-F5344CB8AC3E}">
-        <p14:creationId xmlns:p14="http://schemas.microsoft.com/office/powerpoint/2010/main" val="1372355295"/>
-      </p:ext>
-    </p:extLst>
-  </p:cSld>
-  <p:clrMapOvr>
-    <a:masterClrMapping/>
-  </p:clrMapOvr>
-</p:sldLayout>
-</file>
-
-<file path=ppt/slideLayouts/slideLayout5.xml><?xml version="1.0" encoding="utf-8"?>
-<p:sldLayout xmlns:a="http://schemas.openxmlformats.org/drawingml/2006/main" xmlns:r="http://schemas.openxmlformats.org/officeDocument/2006/relationships" xmlns:p="http://schemas.openxmlformats.org/presentationml/2006/main" matchingName="Section header" type="secHead">
-  <p:cSld name="Section header">
-    <p:spTree>
-      <p:nvGrpSpPr>
-        <p:cNvPr id="1" name="Shape 13"/>
-        <p:cNvGrpSpPr/>
-        <p:nvPr/>
-      </p:nvGrpSpPr>
-      <p:grpSpPr>
-        <a:xfrm>
-          <a:off x="0" y="0"/>
-          <a:ext cx="0" cy="0"/>
-          <a:chOff x="0" y="0"/>
-          <a:chExt cx="0" cy="0"/>
-        </a:xfrm>
-      </p:grpSpPr>
-      <p:sp>
-        <p:nvSpPr>
-          <p:cNvPr id="14" name="Google Shape;14;p14"/>
-          <p:cNvSpPr txBox="1">
-            <a:spLocks noGrp="1"/>
-          </p:cNvSpPr>
-          <p:nvPr>
-            <p:ph type="title"/>
-          </p:nvPr>
-        </p:nvSpPr>
-        <p:spPr>
-          <a:xfrm>
-            <a:off x="311700" y="2150850"/>
-            <a:ext cx="8520600" cy="841800"/>
-          </a:xfrm>
-          <a:prstGeom prst="rect">
-            <a:avLst/>
-          </a:prstGeom>
-          <a:noFill/>
-          <a:ln>
-            <a:noFill/>
-          </a:ln>
-        </p:spPr>
-        <p:txBody>
-          <a:bodyPr spcFirstLastPara="1" wrap="square" lIns="91425" tIns="91425" rIns="91425" bIns="91425" anchor="ctr" anchorCtr="0">
-            <a:noAutofit/>
-          </a:bodyPr>
-          <a:lstStyle>
-            <a:lvl1pPr lvl="0" algn="ctr">
-              <a:lnSpc>
-                <a:spcPct val="100000"/>
-              </a:lnSpc>
-              <a:spcBef>
-                <a:spcPts val="0"/>
-              </a:spcBef>
-              <a:spcAft>
-                <a:spcPts val="0"/>
-              </a:spcAft>
-              <a:buSzPts val="3600"/>
-              <a:buNone/>
-              <a:defRPr sz="3600"/>
-            </a:lvl1pPr>
-            <a:lvl2pPr lvl="1" algn="ctr">
-              <a:lnSpc>
-                <a:spcPct val="100000"/>
-              </a:lnSpc>
-              <a:spcBef>
-                <a:spcPts val="0"/>
-              </a:spcBef>
-              <a:spcAft>
-                <a:spcPts val="0"/>
-              </a:spcAft>
-              <a:buSzPts val="3600"/>
-              <a:buNone/>
-              <a:defRPr sz="3600"/>
-            </a:lvl2pPr>
-            <a:lvl3pPr lvl="2" algn="ctr">
-              <a:lnSpc>
-                <a:spcPct val="100000"/>
-              </a:lnSpc>
-              <a:spcBef>
-                <a:spcPts val="0"/>
-              </a:spcBef>
-              <a:spcAft>
-                <a:spcPts val="0"/>
-              </a:spcAft>
-              <a:buSzPts val="3600"/>
-              <a:buNone/>
-              <a:defRPr sz="3600"/>
-            </a:lvl3pPr>
-            <a:lvl4pPr lvl="3" algn="ctr">
-              <a:lnSpc>
-                <a:spcPct val="100000"/>
-              </a:lnSpc>
-              <a:spcBef>
-                <a:spcPts val="0"/>
-              </a:spcBef>
-              <a:spcAft>
-                <a:spcPts val="0"/>
-              </a:spcAft>
-              <a:buSzPts val="3600"/>
-              <a:buNone/>
-              <a:defRPr sz="3600"/>
-            </a:lvl4pPr>
-            <a:lvl5pPr lvl="4" algn="ctr">
-              <a:lnSpc>
-                <a:spcPct val="100000"/>
-              </a:lnSpc>
-              <a:spcBef>
-                <a:spcPts val="0"/>
-              </a:spcBef>
-              <a:spcAft>
-                <a:spcPts val="0"/>
-              </a:spcAft>
-              <a:buSzPts val="3600"/>
-              <a:buNone/>
-              <a:defRPr sz="3600"/>
-            </a:lvl5pPr>
-            <a:lvl6pPr lvl="5" algn="ctr">
-              <a:lnSpc>
-                <a:spcPct val="100000"/>
-              </a:lnSpc>
-              <a:spcBef>
-                <a:spcPts val="0"/>
-              </a:spcBef>
-              <a:spcAft>
-                <a:spcPts val="0"/>
-              </a:spcAft>
-              <a:buSzPts val="3600"/>
-              <a:buNone/>
-              <a:defRPr sz="3600"/>
-            </a:lvl6pPr>
-            <a:lvl7pPr lvl="6" algn="ctr">
-              <a:lnSpc>
-                <a:spcPct val="100000"/>
-              </a:lnSpc>
-              <a:spcBef>
-                <a:spcPts val="0"/>
-              </a:spcBef>
-              <a:spcAft>
-                <a:spcPts val="0"/>
-              </a:spcAft>
-              <a:buSzPts val="3600"/>
-              <a:buNone/>
-              <a:defRPr sz="3600"/>
-            </a:lvl7pPr>
-            <a:lvl8pPr lvl="7" algn="ctr">
-              <a:lnSpc>
-                <a:spcPct val="100000"/>
-              </a:lnSpc>
-              <a:spcBef>
-                <a:spcPts val="0"/>
-              </a:spcBef>
-              <a:spcAft>
-                <a:spcPts val="0"/>
-              </a:spcAft>
-              <a:buSzPts val="3600"/>
-              <a:buNone/>
-              <a:defRPr sz="3600"/>
-            </a:lvl8pPr>
-            <a:lvl9pPr lvl="8" algn="ctr">
-              <a:lnSpc>
-                <a:spcPct val="100000"/>
-              </a:lnSpc>
-              <a:spcBef>
-                <a:spcPts val="0"/>
-              </a:spcBef>
-              <a:spcAft>
-                <a:spcPts val="0"/>
-              </a:spcAft>
-              <a:buSzPts val="3600"/>
-              <a:buNone/>
-              <a:defRPr sz="3600"/>
-            </a:lvl9pPr>
-          </a:lstStyle>
-          <a:p>
-            <a:endParaRPr/>
-          </a:p>
-        </p:txBody>
-      </p:sp>
-      <p:sp>
-        <p:nvSpPr>
-          <p:cNvPr id="15" name="Google Shape;15;p14"/>
-          <p:cNvSpPr txBox="1">
-            <a:spLocks noGrp="1"/>
-          </p:cNvSpPr>
-          <p:nvPr>
-            <p:ph type="sldNum" idx="12"/>
-          </p:nvPr>
-        </p:nvSpPr>
-        <p:spPr>
-          <a:xfrm>
-            <a:off x="8472458" y="4663217"/>
-            <a:ext cx="548700" cy="393600"/>
-          </a:xfrm>
-          <a:prstGeom prst="rect">
-            <a:avLst/>
-          </a:prstGeom>
-          <a:noFill/>
-          <a:ln>
-            <a:noFill/>
-          </a:ln>
-        </p:spPr>
-        <p:txBody>
-          <a:bodyPr spcFirstLastPara="1" wrap="square" lIns="91425" tIns="91425" rIns="91425" bIns="91425" anchor="ctr" anchorCtr="0">
-            <a:noAutofit/>
-          </a:bodyPr>
-          <a:lstStyle>
-            <a:lvl1pPr marL="0" marR="0" lvl="0" indent="0" algn="r">
-              <a:lnSpc>
-                <a:spcPct val="100000"/>
-              </a:lnSpc>
-              <a:spcBef>
-                <a:spcPts val="0"/>
-              </a:spcBef>
-              <a:spcAft>
-                <a:spcPts val="0"/>
-              </a:spcAft>
-              <a:buClr>
-                <a:srgbClr val="000000"/>
-              </a:buClr>
-              <a:buSzPts val="1000"/>
-              <a:buFont typeface="Arial"/>
-              <a:buNone/>
-              <a:defRPr sz="1000" b="0" i="0" u="none" strike="noStrike" cap="none">
-                <a:solidFill>
-                  <a:schemeClr val="dk2"/>
-                </a:solidFill>
-                <a:latin typeface="Arial"/>
-                <a:ea typeface="Arial"/>
-                <a:cs typeface="Arial"/>
-                <a:sym typeface="Arial"/>
-              </a:defRPr>
-            </a:lvl1pPr>
-            <a:lvl2pPr marL="0" marR="0" lvl="1" indent="0" algn="r">
-              <a:lnSpc>
-                <a:spcPct val="100000"/>
-              </a:lnSpc>
-              <a:spcBef>
-                <a:spcPts val="0"/>
-              </a:spcBef>
-              <a:spcAft>
-                <a:spcPts val="0"/>
-              </a:spcAft>
-              <a:buClr>
-                <a:srgbClr val="000000"/>
-              </a:buClr>
-              <a:buSzPts val="1000"/>
-              <a:buFont typeface="Arial"/>
-              <a:buNone/>
-              <a:defRPr sz="1000" b="0" i="0" u="none" strike="noStrike" cap="none">
-                <a:solidFill>
-                  <a:schemeClr val="dk2"/>
-                </a:solidFill>
-                <a:latin typeface="Arial"/>
-                <a:ea typeface="Arial"/>
-                <a:cs typeface="Arial"/>
-                <a:sym typeface="Arial"/>
-              </a:defRPr>
-            </a:lvl2pPr>
-            <a:lvl3pPr marL="0" marR="0" lvl="2" indent="0" algn="r">
-              <a:lnSpc>
-                <a:spcPct val="100000"/>
-              </a:lnSpc>
-              <a:spcBef>
-                <a:spcPts val="0"/>
-              </a:spcBef>
-              <a:spcAft>
-                <a:spcPts val="0"/>
-              </a:spcAft>
-              <a:buClr>
-                <a:srgbClr val="000000"/>
-              </a:buClr>
-              <a:buSzPts val="1000"/>
-              <a:buFont typeface="Arial"/>
-              <a:buNone/>
-              <a:defRPr sz="1000" b="0" i="0" u="none" strike="noStrike" cap="none">
-                <a:solidFill>
-                  <a:schemeClr val="dk2"/>
-                </a:solidFill>
-                <a:latin typeface="Arial"/>
-                <a:ea typeface="Arial"/>
-                <a:cs typeface="Arial"/>
-                <a:sym typeface="Arial"/>
-              </a:defRPr>
-            </a:lvl3pPr>
-            <a:lvl4pPr marL="0" marR="0" lvl="3" indent="0" algn="r">
-              <a:lnSpc>
-                <a:spcPct val="100000"/>
-              </a:lnSpc>
-              <a:spcBef>
-                <a:spcPts val="0"/>
-              </a:spcBef>
-              <a:spcAft>
-                <a:spcPts val="0"/>
-              </a:spcAft>
-              <a:buClr>
-                <a:srgbClr val="000000"/>
-              </a:buClr>
-              <a:buSzPts val="1000"/>
-              <a:buFont typeface="Arial"/>
-              <a:buNone/>
-              <a:defRPr sz="1000" b="0" i="0" u="none" strike="noStrike" cap="none">
-                <a:solidFill>
-                  <a:schemeClr val="dk2"/>
-                </a:solidFill>
-                <a:latin typeface="Arial"/>
-                <a:ea typeface="Arial"/>
-                <a:cs typeface="Arial"/>
-                <a:sym typeface="Arial"/>
-              </a:defRPr>
-            </a:lvl4pPr>
-            <a:lvl5pPr marL="0" marR="0" lvl="4" indent="0" algn="r">
-              <a:lnSpc>
-                <a:spcPct val="100000"/>
-              </a:lnSpc>
-              <a:spcBef>
-                <a:spcPts val="0"/>
-              </a:spcBef>
-              <a:spcAft>
-                <a:spcPts val="0"/>
-              </a:spcAft>
-              <a:buClr>
-                <a:srgbClr val="000000"/>
-              </a:buClr>
-              <a:buSzPts val="1000"/>
-              <a:buFont typeface="Arial"/>
-              <a:buNone/>
-              <a:defRPr sz="1000" b="0" i="0" u="none" strike="noStrike" cap="none">
-                <a:solidFill>
-                  <a:schemeClr val="dk2"/>
-                </a:solidFill>
-                <a:latin typeface="Arial"/>
-                <a:ea typeface="Arial"/>
-                <a:cs typeface="Arial"/>
-                <a:sym typeface="Arial"/>
-              </a:defRPr>
-            </a:lvl5pPr>
-            <a:lvl6pPr marL="0" marR="0" lvl="5" indent="0" algn="r">
-              <a:lnSpc>
-                <a:spcPct val="100000"/>
-              </a:lnSpc>
-              <a:spcBef>
-                <a:spcPts val="0"/>
-              </a:spcBef>
-              <a:spcAft>
-                <a:spcPts val="0"/>
-              </a:spcAft>
-              <a:buClr>
-                <a:srgbClr val="000000"/>
-              </a:buClr>
-              <a:buSzPts val="1000"/>
-              <a:buFont typeface="Arial"/>
-              <a:buNone/>
-              <a:defRPr sz="1000" b="0" i="0" u="none" strike="noStrike" cap="none">
-                <a:solidFill>
-                  <a:schemeClr val="dk2"/>
-                </a:solidFill>
-                <a:latin typeface="Arial"/>
-                <a:ea typeface="Arial"/>
-                <a:cs typeface="Arial"/>
-                <a:sym typeface="Arial"/>
-              </a:defRPr>
-            </a:lvl6pPr>
-            <a:lvl7pPr marL="0" marR="0" lvl="6" indent="0" algn="r">
-              <a:lnSpc>
-                <a:spcPct val="100000"/>
-              </a:lnSpc>
-              <a:spcBef>
-                <a:spcPts val="0"/>
-              </a:spcBef>
-              <a:spcAft>
-                <a:spcPts val="0"/>
-              </a:spcAft>
-              <a:buClr>
-                <a:srgbClr val="000000"/>
-              </a:buClr>
-              <a:buSzPts val="1000"/>
-              <a:buFont typeface="Arial"/>
-              <a:buNone/>
-              <a:defRPr sz="1000" b="0" i="0" u="none" strike="noStrike" cap="none">
-                <a:solidFill>
-                  <a:schemeClr val="dk2"/>
-                </a:solidFill>
-                <a:latin typeface="Arial"/>
-                <a:ea typeface="Arial"/>
-                <a:cs typeface="Arial"/>
-                <a:sym typeface="Arial"/>
-              </a:defRPr>
-            </a:lvl7pPr>
-            <a:lvl8pPr marL="0" marR="0" lvl="7" indent="0" algn="r">
-              <a:lnSpc>
-                <a:spcPct val="100000"/>
-              </a:lnSpc>
-              <a:spcBef>
-                <a:spcPts val="0"/>
-              </a:spcBef>
-              <a:spcAft>
-                <a:spcPts val="0"/>
-              </a:spcAft>
-              <a:buClr>
-                <a:srgbClr val="000000"/>
-              </a:buClr>
-              <a:buSzPts val="1000"/>
-              <a:buFont typeface="Arial"/>
-              <a:buNone/>
-              <a:defRPr sz="1000" b="0" i="0" u="none" strike="noStrike" cap="none">
-                <a:solidFill>
-                  <a:schemeClr val="dk2"/>
-                </a:solidFill>
-                <a:latin typeface="Arial"/>
-                <a:ea typeface="Arial"/>
-                <a:cs typeface="Arial"/>
-                <a:sym typeface="Arial"/>
-              </a:defRPr>
-            </a:lvl8pPr>
-            <a:lvl9pPr marL="0" marR="0" lvl="8" indent="0" algn="r">
-              <a:lnSpc>
-                <a:spcPct val="100000"/>
-              </a:lnSpc>
-              <a:spcBef>
-                <a:spcPts val="0"/>
-              </a:spcBef>
-              <a:spcAft>
-                <a:spcPts val="0"/>
-              </a:spcAft>
-              <a:buClr>
-                <a:srgbClr val="000000"/>
-              </a:buClr>
-              <a:buSzPts val="1000"/>
-              <a:buFont typeface="Arial"/>
-              <a:buNone/>
-              <a:defRPr sz="1000" b="0" i="0" u="none" strike="noStrike" cap="none">
-                <a:solidFill>
-                  <a:schemeClr val="dk2"/>
-                </a:solidFill>
-                <a:latin typeface="Arial"/>
-                <a:ea typeface="Arial"/>
-                <a:cs typeface="Arial"/>
-                <a:sym typeface="Arial"/>
-              </a:defRPr>
-            </a:lvl9pPr>
-          </a:lstStyle>
-          <a:p>
-            <a:pPr marL="0" lvl="0" indent="0" algn="r" rtl="0">
-              <a:spcBef>
-                <a:spcPts val="0"/>
-              </a:spcBef>
-              <a:spcAft>
-                <a:spcPts val="0"/>
-              </a:spcAft>
-              <a:buNone/>
-            </a:pPr>
-            <a:fld id="{00000000-1234-1234-1234-123412341234}" type="slidenum">
-              <a:rPr lang="en"/>
-              <a:t>‹#›</a:t>
-            </a:fld>
-            <a:endParaRPr/>
-          </a:p>
-        </p:txBody>
-      </p:sp>
-    </p:spTree>
-    <p:extLst>
-      <p:ext uri="{BB962C8B-B14F-4D97-AF65-F5344CB8AC3E}">
-        <p14:creationId xmlns:p14="http://schemas.microsoft.com/office/powerpoint/2010/main" val="4230827841"/>
-      </p:ext>
-    </p:extLst>
   </p:cSld>
   <p:clrMapOvr>
     <a:masterClrMapping/>
@@ -7144,9 +7683,9 @@
   <p:sldLayoutIdLst>
     <p:sldLayoutId id="2147483649" r:id="rId1"/>
     <p:sldLayoutId id="2147483650" r:id="rId2"/>
-    <p:sldLayoutId id="2147483652" r:id="rId3"/>
-    <p:sldLayoutId id="2147483653" r:id="rId4"/>
-    <p:sldLayoutId id="2147483654" r:id="rId5"/>
+    <p:sldLayoutId id="2147483651" r:id="rId3"/>
+    <p:sldLayoutId id="2147483652" r:id="rId4"/>
+    <p:sldLayoutId id="2147483653" r:id="rId5"/>
   </p:sldLayoutIdLst>
   <p:hf sldNum="0" hdr="0" ftr="0" dt="0"/>
   <p:txStyles>
@@ -7846,7 +8385,7 @@
   <p:cSld>
     <p:spTree>
       <p:nvGrpSpPr>
-        <p:cNvPr id="1" name="Shape 38"/>
+        <p:cNvPr id="1" name="Shape 39"/>
         <p:cNvGrpSpPr/>
         <p:nvPr/>
       </p:nvGrpSpPr>
@@ -7860,7 +8399,7 @@
       </p:grpSpPr>
       <p:sp>
         <p:nvSpPr>
-          <p:cNvPr id="39" name="Google Shape;39;p1"/>
+          <p:cNvPr id="40" name="Google Shape;40;p1"/>
           <p:cNvSpPr txBox="1">
             <a:spLocks noGrp="1"/>
           </p:cNvSpPr>
@@ -7901,20 +8440,20 @@
               <a:buNone/>
             </a:pPr>
             <a:r>
-              <a:rPr lang="en-US" sz="4400" dirty="0"/>
+              <a:rPr lang="en-US" sz="4400"/>
               <a:t>SI206 Discussion 9</a:t>
             </a:r>
             <a:br>
-              <a:rPr lang="en-US" dirty="0"/>
+              <a:rPr lang="en-US"/>
             </a:br>
             <a:br>
-              <a:rPr lang="en-US" dirty="0"/>
+              <a:rPr lang="en-US"/>
             </a:br>
             <a:r>
-              <a:rPr lang="en-US" sz="2800" dirty="0"/>
+              <a:rPr lang="en-US" sz="2800"/>
               <a:t>Midterm 2 Review and JSON</a:t>
             </a:r>
-            <a:endParaRPr sz="2800" dirty="0"/>
+            <a:endParaRPr sz="2800"/>
           </a:p>
         </p:txBody>
       </p:sp>
@@ -7931,7 +8470,7 @@
   <p:cSld>
     <p:spTree>
       <p:nvGrpSpPr>
-        <p:cNvPr id="1" name="Shape 67"/>
+        <p:cNvPr id="1" name="Shape 90"/>
         <p:cNvGrpSpPr/>
         <p:nvPr/>
       </p:nvGrpSpPr>
@@ -7945,7 +8484,7 @@
       </p:grpSpPr>
       <p:sp>
         <p:nvSpPr>
-          <p:cNvPr id="68" name="Google Shape;68;p5"/>
+          <p:cNvPr id="91" name="Google Shape;91;p5"/>
           <p:cNvSpPr txBox="1">
             <a:spLocks noGrp="1"/>
           </p:cNvSpPr>
@@ -7986,23 +8525,23 @@
               <a:buNone/>
             </a:pPr>
             <a:r>
-              <a:rPr lang="en-US" sz="2200" dirty="0"/>
+              <a:rPr lang="en-US" sz="2200"/>
               <a:t>Today’s Task</a:t>
             </a:r>
-            <a:endParaRPr sz="2200" dirty="0"/>
+            <a:endParaRPr sz="2200"/>
           </a:p>
         </p:txBody>
       </p:sp>
       <p:sp>
         <p:nvSpPr>
-          <p:cNvPr id="69" name="Google Shape;69;p5"/>
+          <p:cNvPr id="92" name="Google Shape;92;p5"/>
           <p:cNvSpPr txBox="1"/>
           <p:nvPr/>
         </p:nvSpPr>
         <p:spPr>
           <a:xfrm>
             <a:off x="498374" y="966954"/>
-            <a:ext cx="8216400" cy="3969741"/>
+            <a:ext cx="8216400" cy="3891600"/>
           </a:xfrm>
           <a:prstGeom prst="rect">
             <a:avLst/>
@@ -8036,7 +8575,7 @@
               <a:buNone/>
             </a:pPr>
             <a:r>
-              <a:rPr lang="en-US" sz="1600" b="0" i="0" u="none" strike="noStrike" cap="none" dirty="0">
+              <a:rPr lang="en-US" sz="1600" b="0" i="0" u="none" strike="noStrike" cap="none">
                 <a:solidFill>
                   <a:srgbClr val="585858"/>
                 </a:solidFill>
@@ -8045,33 +8584,9 @@
                 <a:cs typeface="Arial"/>
                 <a:sym typeface="Arial"/>
               </a:rPr>
-              <a:t>Use the provided JSON document (</a:t>
+              <a:t>Use the provided JSON document (movies.json)</a:t>
             </a:r>
-            <a:r>
-              <a:rPr lang="en-US" sz="1600" b="0" i="0" u="none" strike="noStrike" cap="none" dirty="0" err="1">
-                <a:solidFill>
-                  <a:srgbClr val="585858"/>
-                </a:solidFill>
-                <a:latin typeface="Arial"/>
-                <a:ea typeface="Arial"/>
-                <a:cs typeface="Arial"/>
-                <a:sym typeface="Arial"/>
-              </a:rPr>
-              <a:t>movies.json</a:t>
-            </a:r>
-            <a:r>
-              <a:rPr lang="en-US" sz="1600" b="0" i="0" u="none" strike="noStrike" cap="none" dirty="0">
-                <a:solidFill>
-                  <a:srgbClr val="585858"/>
-                </a:solidFill>
-                <a:latin typeface="Arial"/>
-                <a:ea typeface="Arial"/>
-                <a:cs typeface="Arial"/>
-                <a:sym typeface="Arial"/>
-              </a:rPr>
-              <a:t>)</a:t>
-            </a:r>
-            <a:endParaRPr sz="1600" b="0" i="0" u="none" strike="noStrike" cap="none" dirty="0">
+            <a:endParaRPr sz="1600" b="0" i="0" u="none" strike="noStrike" cap="none">
               <a:solidFill>
                 <a:schemeClr val="dk1"/>
               </a:solidFill>
@@ -8099,7 +8614,7 @@
               <a:buFont typeface="Arial"/>
               <a:buNone/>
             </a:pPr>
-            <a:endParaRPr lang="en-US" sz="600" b="0" i="0" u="none" strike="noStrike" cap="none" dirty="0">
+            <a:endParaRPr sz="600" b="0" i="0" u="none" strike="noStrike" cap="none">
               <a:solidFill>
                 <a:srgbClr val="585858"/>
               </a:solidFill>
@@ -8128,7 +8643,7 @@
               <a:buNone/>
             </a:pPr>
             <a:r>
-              <a:rPr lang="en-US" sz="1600" b="0" i="0" u="none" strike="noStrike" cap="none" dirty="0">
+              <a:rPr lang="en-US" sz="1600" b="0" i="0" u="none" strike="noStrike" cap="none">
                 <a:solidFill>
                   <a:srgbClr val="585858"/>
                 </a:solidFill>
@@ -8139,6 +8654,7 @@
               </a:rPr>
               <a:t>TASK 1:</a:t>
             </a:r>
+            <a:endParaRPr/>
           </a:p>
           <a:p>
             <a:pPr marL="12700" marR="5080" lvl="0" indent="0" algn="l" rtl="0">
@@ -8159,7 +8675,7 @@
               <a:buNone/>
             </a:pPr>
             <a:r>
-              <a:rPr lang="en-US" sz="1600" b="0" i="0" u="none" strike="noStrike" cap="none" dirty="0">
+              <a:rPr lang="en-US" sz="1600" b="0" i="0" u="none" strike="noStrike" cap="none">
                 <a:solidFill>
                   <a:srgbClr val="585858"/>
                 </a:solidFill>
@@ -8168,32 +8684,9 @@
                 <a:cs typeface="Arial"/>
                 <a:sym typeface="Arial"/>
               </a:rPr>
-              <a:t>Write a function </a:t>
+              <a:t>Write a function read_json(file) that reads a JSON document, decodes the file content, and returns a dictionary.</a:t>
             </a:r>
-            <a:r>
-              <a:rPr lang="en-US" sz="1600" b="0" i="0" u="none" strike="noStrike" cap="none" dirty="0" err="1">
-                <a:solidFill>
-                  <a:srgbClr val="585858"/>
-                </a:solidFill>
-                <a:latin typeface="Arial"/>
-                <a:ea typeface="Arial"/>
-                <a:cs typeface="Arial"/>
-                <a:sym typeface="Arial"/>
-              </a:rPr>
-              <a:t>read_json</a:t>
-            </a:r>
-            <a:r>
-              <a:rPr lang="en-US" sz="1600" b="0" i="0" u="none" strike="noStrike" cap="none" dirty="0">
-                <a:solidFill>
-                  <a:srgbClr val="585858"/>
-                </a:solidFill>
-                <a:latin typeface="Arial"/>
-                <a:ea typeface="Arial"/>
-                <a:cs typeface="Arial"/>
-                <a:sym typeface="Arial"/>
-              </a:rPr>
-              <a:t>(file) that reads a JSON document, decodes the file content, and returns a dictionary.</a:t>
-            </a:r>
+            <a:endParaRPr/>
           </a:p>
           <a:p>
             <a:pPr marL="12700" marR="5080" lvl="0" indent="0" algn="l" rtl="0">
@@ -8213,7 +8706,7 @@
               <a:buFont typeface="Arial"/>
               <a:buNone/>
             </a:pPr>
-            <a:endParaRPr lang="en-US" sz="1600" b="0" i="0" u="none" strike="noStrike" cap="none" dirty="0">
+            <a:endParaRPr sz="1600" b="0" i="0" u="none" strike="noStrike" cap="none">
               <a:solidFill>
                 <a:srgbClr val="585858"/>
               </a:solidFill>
@@ -8241,7 +8734,7 @@
               <a:buFont typeface="Arial"/>
               <a:buNone/>
             </a:pPr>
-            <a:endParaRPr lang="en-US" sz="600" b="0" i="0" u="none" strike="noStrike" cap="none" dirty="0">
+            <a:endParaRPr sz="600" b="0" i="0" u="none" strike="noStrike" cap="none">
               <a:solidFill>
                 <a:schemeClr val="dk1"/>
               </a:solidFill>
@@ -8270,7 +8763,7 @@
               <a:buNone/>
             </a:pPr>
             <a:r>
-              <a:rPr lang="en-US" sz="1600" b="0" i="0" u="none" strike="noStrike" cap="none" dirty="0">
+              <a:rPr lang="en-US" sz="1600" b="0" i="0" u="none" strike="noStrike" cap="none">
                 <a:solidFill>
                   <a:srgbClr val="585858"/>
                 </a:solidFill>
@@ -8281,7 +8774,7 @@
               </a:rPr>
               <a:t>TASK 2:</a:t>
             </a:r>
-            <a:endParaRPr lang="en-US" sz="1600" b="0" i="0" u="none" strike="noStrike" cap="none" dirty="0">
+            <a:endParaRPr sz="1600" b="0" i="0" u="none" strike="noStrike" cap="none">
               <a:solidFill>
                 <a:schemeClr val="dk1"/>
               </a:solidFill>
@@ -8292,14 +8785,20 @@
             </a:endParaRPr>
           </a:p>
           <a:p>
-            <a:pPr marL="12700" marR="253365">
+            <a:pPr marL="12700" marR="253365" lvl="0" indent="0" algn="l" rtl="0">
               <a:lnSpc>
                 <a:spcPct val="131800"/>
               </a:lnSpc>
-              <a:buSzPts val="1600"/>
+              <a:spcBef>
+                <a:spcPts val="0"/>
+              </a:spcBef>
+              <a:spcAft>
+                <a:spcPts val="0"/>
+              </a:spcAft>
+              <a:buNone/>
             </a:pPr>
             <a:r>
-              <a:rPr lang="en-US" sz="1600" b="0" i="0" u="none" strike="noStrike" cap="none" dirty="0">
+              <a:rPr lang="en-US" sz="1600" b="0" i="0" u="none" strike="noStrike" cap="none">
                 <a:solidFill>
                   <a:srgbClr val="585858"/>
                 </a:solidFill>
@@ -8308,82 +8807,24 @@
                 <a:cs typeface="Arial"/>
                 <a:sym typeface="Arial"/>
               </a:rPr>
-              <a:t>Write a function </a:t>
+              <a:t>Write a function top_movies(rated, data) that returns the top three movies based on the movie ratings category (rated) specified.</a:t>
             </a:r>
-            <a:r>
-              <a:rPr lang="en-US" sz="1600" b="0" i="0" u="none" strike="noStrike" cap="none" dirty="0" err="1">
-                <a:solidFill>
-                  <a:srgbClr val="585858"/>
-                </a:solidFill>
-                <a:latin typeface="Arial"/>
-                <a:ea typeface="Arial"/>
-                <a:cs typeface="Arial"/>
-                <a:sym typeface="Arial"/>
-              </a:rPr>
-              <a:t>top_movies</a:t>
-            </a:r>
-            <a:r>
-              <a:rPr lang="en-US" sz="1600" b="0" i="0" u="none" strike="noStrike" cap="none" dirty="0">
-                <a:solidFill>
-                  <a:srgbClr val="585858"/>
-                </a:solidFill>
-                <a:latin typeface="Arial"/>
-                <a:ea typeface="Arial"/>
-                <a:cs typeface="Arial"/>
-                <a:sym typeface="Arial"/>
-              </a:rPr>
-              <a:t>(rated, data) that returns the top three movies based on the movie rating category (rated) specified.</a:t>
-            </a:r>
-          </a:p>
-          <a:p>
-            <a:pPr marL="12700" marR="253365">
+            <a:endParaRPr/>
+          </a:p>
+          <a:p>
+            <a:pPr marL="12700" marR="253365" lvl="0" indent="0" algn="l" rtl="0">
               <a:lnSpc>
                 <a:spcPct val="131800"/>
               </a:lnSpc>
-              <a:buSzPts val="1600"/>
+              <a:spcBef>
+                <a:spcPts val="0"/>
+              </a:spcBef>
+              <a:spcAft>
+                <a:spcPts val="0"/>
+              </a:spcAft>
+              <a:buNone/>
             </a:pPr>
-            <a:endParaRPr lang="en-US" sz="1600" dirty="0">
-              <a:solidFill>
-                <a:srgbClr val="585858"/>
-              </a:solidFill>
-            </a:endParaRPr>
-          </a:p>
-          <a:p>
-            <a:pPr marL="12700" marR="253365">
-              <a:lnSpc>
-                <a:spcPct val="131800"/>
-              </a:lnSpc>
-              <a:buSzPts val="1600"/>
-            </a:pPr>
-            <a:r>
-              <a:rPr lang="en-US" sz="1600" b="0" i="0" u="none" strike="noStrike" cap="none" dirty="0">
-                <a:solidFill>
-                  <a:srgbClr val="585858"/>
-                </a:solidFill>
-                <a:latin typeface="Arial"/>
-                <a:ea typeface="Arial"/>
-                <a:cs typeface="Arial"/>
-                <a:sym typeface="Arial"/>
-              </a:rPr>
-              <a:t>TASK 3:</a:t>
-            </a:r>
-          </a:p>
-          <a:p>
-            <a:pPr marL="12700" marR="253365">
-              <a:lnSpc>
-                <a:spcPct val="131800"/>
-              </a:lnSpc>
-              <a:buSzPts val="1600"/>
-            </a:pPr>
-            <a:r>
-              <a:rPr lang="en-US" sz="1600" dirty="0">
-                <a:solidFill>
-                  <a:srgbClr val="585858"/>
-                </a:solidFill>
-              </a:rPr>
-              <a:t>Write test cases for the two functions.</a:t>
-            </a:r>
-            <a:endParaRPr lang="en-US" sz="1600" b="0" i="0" u="none" strike="noStrike" cap="none" dirty="0">
+            <a:endParaRPr sz="1600" b="0" i="0" u="none" strike="noStrike" cap="none">
               <a:solidFill>
                 <a:srgbClr val="585858"/>
               </a:solidFill>
@@ -8394,13 +8835,81 @@
             </a:endParaRPr>
           </a:p>
           <a:p>
-            <a:pPr marL="12700" marR="253365">
+            <a:pPr marL="12700" marR="253365" lvl="0" indent="0" algn="l" rtl="0">
               <a:lnSpc>
                 <a:spcPct val="131800"/>
               </a:lnSpc>
-              <a:buSzPts val="1600"/>
+              <a:spcBef>
+                <a:spcPts val="0"/>
+              </a:spcBef>
+              <a:spcAft>
+                <a:spcPts val="0"/>
+              </a:spcAft>
+              <a:buNone/>
             </a:pPr>
-            <a:endParaRPr lang="en-US" sz="1600" b="0" i="0" u="none" strike="noStrike" cap="none" dirty="0">
+            <a:r>
+              <a:rPr lang="en-US" sz="1600" b="0" i="0" u="none" strike="noStrike" cap="none">
+                <a:solidFill>
+                  <a:srgbClr val="585858"/>
+                </a:solidFill>
+                <a:latin typeface="Arial"/>
+                <a:ea typeface="Arial"/>
+                <a:cs typeface="Arial"/>
+                <a:sym typeface="Arial"/>
+              </a:rPr>
+              <a:t>TASK 3:</a:t>
+            </a:r>
+            <a:endParaRPr/>
+          </a:p>
+          <a:p>
+            <a:pPr marL="12700" marR="253365" lvl="0" indent="0" algn="l" rtl="0">
+              <a:lnSpc>
+                <a:spcPct val="131800"/>
+              </a:lnSpc>
+              <a:spcBef>
+                <a:spcPts val="0"/>
+              </a:spcBef>
+              <a:spcAft>
+                <a:spcPts val="0"/>
+              </a:spcAft>
+              <a:buNone/>
+            </a:pPr>
+            <a:r>
+              <a:rPr lang="en-US" sz="1600" b="0" i="0" u="none" strike="noStrike" cap="none">
+                <a:solidFill>
+                  <a:srgbClr val="585858"/>
+                </a:solidFill>
+                <a:latin typeface="Arial"/>
+                <a:ea typeface="Arial"/>
+                <a:cs typeface="Arial"/>
+                <a:sym typeface="Arial"/>
+              </a:rPr>
+              <a:t>Write test cases for the two functions.</a:t>
+            </a:r>
+            <a:endParaRPr sz="1600" b="0" i="0" u="none" strike="noStrike" cap="none">
+              <a:solidFill>
+                <a:srgbClr val="585858"/>
+              </a:solidFill>
+              <a:latin typeface="Arial"/>
+              <a:ea typeface="Arial"/>
+              <a:cs typeface="Arial"/>
+              <a:sym typeface="Arial"/>
+            </a:endParaRPr>
+          </a:p>
+          <a:p>
+            <a:pPr marL="12700" marR="253365" lvl="0" indent="0" algn="l" rtl="0">
+              <a:lnSpc>
+                <a:spcPct val="131800"/>
+              </a:lnSpc>
+              <a:spcBef>
+                <a:spcPts val="0"/>
+              </a:spcBef>
+              <a:spcAft>
+                <a:spcPts val="0"/>
+              </a:spcAft>
+              <a:buNone/>
+            </a:pPr>
+            <a:endParaRPr sz="1600" b="0" i="0" u="none" strike="noStrike" cap="none">
               <a:solidFill>
                 <a:schemeClr val="dk1"/>
               </a:solidFill>
@@ -8420,12 +8929,12 @@
 </p:sld>
 </file>
 
-<file path=ppt/slides/slide2.xml><?xml version="1.0" encoding="utf-8"?>
+<file path=ppt/slides/slide11.xml><?xml version="1.0" encoding="utf-8"?>
 <p:sld xmlns:a="http://schemas.openxmlformats.org/drawingml/2006/main" xmlns:r="http://schemas.openxmlformats.org/officeDocument/2006/relationships" xmlns:p="http://schemas.openxmlformats.org/presentationml/2006/main">
   <p:cSld>
     <p:spTree>
       <p:nvGrpSpPr>
-        <p:cNvPr id="1" name="Shape 100"/>
+        <p:cNvPr id="1" name="Shape 96"/>
         <p:cNvGrpSpPr/>
         <p:nvPr/>
       </p:nvGrpSpPr>
@@ -8439,7 +8948,7 @@
       </p:grpSpPr>
       <p:sp>
         <p:nvSpPr>
-          <p:cNvPr id="101" name="Google Shape;101;p9"/>
+          <p:cNvPr id="97" name="Google Shape;97;g1774c98ed2c_0_0"/>
           <p:cNvSpPr txBox="1">
             <a:spLocks noGrp="1"/>
           </p:cNvSpPr>
@@ -8480,10 +8989,486 @@
               <a:buNone/>
             </a:pPr>
             <a:r>
-              <a:rPr lang="en" dirty="0"/>
+              <a:rPr lang="en-US"/>
+              <a:t>Extra Midterm Review Exercise</a:t>
+            </a:r>
+            <a:endParaRPr/>
+          </a:p>
+        </p:txBody>
+      </p:sp>
+    </p:spTree>
+  </p:cSld>
+  <p:clrMapOvr>
+    <a:masterClrMapping/>
+  </p:clrMapOvr>
+</p:sld>
+</file>
+
+<file path=ppt/slides/slide12.xml><?xml version="1.0" encoding="utf-8"?>
+<p:sld xmlns:a="http://schemas.openxmlformats.org/drawingml/2006/main" xmlns:r="http://schemas.openxmlformats.org/officeDocument/2006/relationships" xmlns:p="http://schemas.openxmlformats.org/presentationml/2006/main">
+  <p:cSld>
+    <p:spTree>
+      <p:nvGrpSpPr>
+        <p:cNvPr id="1" name="Shape 101"/>
+        <p:cNvGrpSpPr/>
+        <p:nvPr/>
+      </p:nvGrpSpPr>
+      <p:grpSpPr>
+        <a:xfrm>
+          <a:off x="0" y="0"/>
+          <a:ext cx="0" cy="0"/>
+          <a:chOff x="0" y="0"/>
+          <a:chExt cx="0" cy="0"/>
+        </a:xfrm>
+      </p:grpSpPr>
+      <p:sp>
+        <p:nvSpPr>
+          <p:cNvPr id="102" name="Google Shape;102;g1774c98ed2c_1_0"/>
+          <p:cNvSpPr txBox="1">
+            <a:spLocks noGrp="1"/>
+          </p:cNvSpPr>
+          <p:nvPr>
+            <p:ph type="title"/>
+          </p:nvPr>
+        </p:nvSpPr>
+        <p:spPr>
+          <a:xfrm>
+            <a:off x="311700" y="445025"/>
+            <a:ext cx="8520600" cy="572700"/>
+          </a:xfrm>
+          <a:prstGeom prst="rect">
+            <a:avLst/>
+          </a:prstGeom>
+          <a:noFill/>
+          <a:ln>
+            <a:noFill/>
+          </a:ln>
+        </p:spPr>
+        <p:txBody>
+          <a:bodyPr spcFirstLastPara="1" wrap="square" lIns="91425" tIns="91425" rIns="91425" bIns="91425" anchor="t" anchorCtr="0">
+            <a:normAutofit fontScale="90000"/>
+          </a:bodyPr>
+          <a:lstStyle/>
+          <a:p>
+            <a:pPr marL="0" lvl="0" indent="0" algn="l" rtl="0">
+              <a:lnSpc>
+                <a:spcPct val="100000"/>
+              </a:lnSpc>
+              <a:spcBef>
+                <a:spcPts val="0"/>
+              </a:spcBef>
+              <a:spcAft>
+                <a:spcPts val="0"/>
+              </a:spcAft>
+              <a:buSzPct val="103703"/>
+              <a:buNone/>
+            </a:pPr>
+            <a:r>
+              <a:rPr lang="en-US"/>
+              <a:t>Tasks</a:t>
+            </a:r>
+            <a:endParaRPr/>
+          </a:p>
+        </p:txBody>
+      </p:sp>
+      <p:sp>
+        <p:nvSpPr>
+          <p:cNvPr id="103" name="Google Shape;103;g1774c98ed2c_1_0"/>
+          <p:cNvSpPr txBox="1">
+            <a:spLocks noGrp="1"/>
+          </p:cNvSpPr>
+          <p:nvPr>
+            <p:ph type="body" idx="1"/>
+          </p:nvPr>
+        </p:nvSpPr>
+        <p:spPr>
+          <a:xfrm>
+            <a:off x="311700" y="1152475"/>
+            <a:ext cx="8520600" cy="3416400"/>
+          </a:xfrm>
+          <a:prstGeom prst="rect">
+            <a:avLst/>
+          </a:prstGeom>
+          <a:noFill/>
+          <a:ln>
+            <a:noFill/>
+          </a:ln>
+        </p:spPr>
+        <p:txBody>
+          <a:bodyPr spcFirstLastPara="1" wrap="square" lIns="91425" tIns="91425" rIns="91425" bIns="91425" anchor="t" anchorCtr="0">
+            <a:normAutofit/>
+          </a:bodyPr>
+          <a:lstStyle/>
+          <a:p>
+            <a:pPr marL="457200" lvl="0" indent="-327977" algn="l" rtl="0">
+              <a:lnSpc>
+                <a:spcPct val="95000"/>
+              </a:lnSpc>
+              <a:spcBef>
+                <a:spcPts val="0"/>
+              </a:spcBef>
+              <a:spcAft>
+                <a:spcPts val="0"/>
+              </a:spcAft>
+              <a:buClr>
+                <a:srgbClr val="585858"/>
+              </a:buClr>
+              <a:buSzPts val="1565"/>
+              <a:buChar char="●"/>
+            </a:pPr>
+            <a:r>
+              <a:rPr lang="en-US" sz="1565">
+                <a:solidFill>
+                  <a:srgbClr val="585858"/>
+                </a:solidFill>
+                <a:latin typeface="Arial"/>
+                <a:ea typeface="Arial"/>
+                <a:cs typeface="Arial"/>
+                <a:sym typeface="Arial"/>
+              </a:rPr>
+              <a:t>Task 1</a:t>
+            </a:r>
+            <a:endParaRPr sz="1565">
+              <a:solidFill>
+                <a:srgbClr val="585858"/>
+              </a:solidFill>
+              <a:latin typeface="Arial"/>
+              <a:ea typeface="Arial"/>
+              <a:cs typeface="Arial"/>
+              <a:sym typeface="Arial"/>
+            </a:endParaRPr>
+          </a:p>
+          <a:p>
+            <a:pPr marL="914400" lvl="1" indent="-304482" algn="l" rtl="0">
+              <a:lnSpc>
+                <a:spcPct val="95000"/>
+              </a:lnSpc>
+              <a:spcBef>
+                <a:spcPts val="0"/>
+              </a:spcBef>
+              <a:spcAft>
+                <a:spcPts val="0"/>
+              </a:spcAft>
+              <a:buClr>
+                <a:srgbClr val="585858"/>
+              </a:buClr>
+              <a:buSzPts val="1195"/>
+              <a:buChar char="○"/>
+            </a:pPr>
+            <a:r>
+              <a:rPr lang="en-US" sz="1565">
+                <a:solidFill>
+                  <a:srgbClr val="585858"/>
+                </a:solidFill>
+                <a:latin typeface="Arial"/>
+                <a:ea typeface="Arial"/>
+                <a:cs typeface="Arial"/>
+                <a:sym typeface="Arial"/>
+              </a:rPr>
+              <a:t>Implement the get_profs() function. This function should read in `umsi_faculty.csv` and parse it to return a list of lists. Each list should contain the name, title(s), and email address of each professor in the csv file. </a:t>
+            </a:r>
+            <a:endParaRPr sz="1565">
+              <a:solidFill>
+                <a:srgbClr val="585858"/>
+              </a:solidFill>
+              <a:latin typeface="Arial"/>
+              <a:ea typeface="Arial"/>
+              <a:cs typeface="Arial"/>
+              <a:sym typeface="Arial"/>
+            </a:endParaRPr>
+          </a:p>
+          <a:p>
+            <a:pPr marL="0" lvl="0" indent="0" algn="l" rtl="0">
+              <a:lnSpc>
+                <a:spcPct val="95000"/>
+              </a:lnSpc>
+              <a:spcBef>
+                <a:spcPts val="0"/>
+              </a:spcBef>
+              <a:spcAft>
+                <a:spcPts val="0"/>
+              </a:spcAft>
+              <a:buNone/>
+            </a:pPr>
+            <a:endParaRPr sz="1565">
+              <a:solidFill>
+                <a:srgbClr val="585858"/>
+              </a:solidFill>
+              <a:latin typeface="Arial"/>
+              <a:ea typeface="Arial"/>
+              <a:cs typeface="Arial"/>
+              <a:sym typeface="Arial"/>
+            </a:endParaRPr>
+          </a:p>
+          <a:p>
+            <a:pPr marL="457200" lvl="0" indent="-327977" algn="l" rtl="0">
+              <a:lnSpc>
+                <a:spcPct val="95000"/>
+              </a:lnSpc>
+              <a:spcBef>
+                <a:spcPts val="0"/>
+              </a:spcBef>
+              <a:spcAft>
+                <a:spcPts val="0"/>
+              </a:spcAft>
+              <a:buClr>
+                <a:srgbClr val="585858"/>
+              </a:buClr>
+              <a:buSzPts val="1565"/>
+              <a:buChar char="●"/>
+            </a:pPr>
+            <a:r>
+              <a:rPr lang="en-US" sz="1565">
+                <a:solidFill>
+                  <a:srgbClr val="585858"/>
+                </a:solidFill>
+                <a:latin typeface="Arial"/>
+                <a:ea typeface="Arial"/>
+                <a:cs typeface="Arial"/>
+                <a:sym typeface="Arial"/>
+              </a:rPr>
+              <a:t>Task 2</a:t>
+            </a:r>
+            <a:endParaRPr sz="1565">
+              <a:solidFill>
+                <a:srgbClr val="585858"/>
+              </a:solidFill>
+              <a:latin typeface="Arial"/>
+              <a:ea typeface="Arial"/>
+              <a:cs typeface="Arial"/>
+              <a:sym typeface="Arial"/>
+            </a:endParaRPr>
+          </a:p>
+          <a:p>
+            <a:pPr marL="914400" lvl="1" indent="-304482" algn="l" rtl="0">
+              <a:lnSpc>
+                <a:spcPct val="95000"/>
+              </a:lnSpc>
+              <a:spcBef>
+                <a:spcPts val="0"/>
+              </a:spcBef>
+              <a:spcAft>
+                <a:spcPts val="0"/>
+              </a:spcAft>
+              <a:buClr>
+                <a:srgbClr val="585858"/>
+              </a:buClr>
+              <a:buSzPts val="1195"/>
+              <a:buChar char="○"/>
+            </a:pPr>
+            <a:r>
+              <a:rPr lang="en-US" sz="1565">
+                <a:solidFill>
+                  <a:srgbClr val="585858"/>
+                </a:solidFill>
+                <a:latin typeface="Arial"/>
+                <a:ea typeface="Arial"/>
+                <a:cs typeface="Arial"/>
+                <a:sym typeface="Arial"/>
+              </a:rPr>
+              <a:t>Implement the get_valid_emails() function. This function should accept the list from Task 1 and return a dictionary. The keys should be the names of professors and the values should be their email addresses. Some of the email addresses were entered erroneously. Use a regular expression to filter out invalid email addresses.</a:t>
+            </a:r>
+            <a:endParaRPr sz="1565">
+              <a:solidFill>
+                <a:srgbClr val="585858"/>
+              </a:solidFill>
+              <a:latin typeface="Arial"/>
+              <a:ea typeface="Arial"/>
+              <a:cs typeface="Arial"/>
+              <a:sym typeface="Arial"/>
+            </a:endParaRPr>
+          </a:p>
+          <a:p>
+            <a:pPr marL="914400" lvl="1" indent="-304482" algn="l" rtl="0">
+              <a:lnSpc>
+                <a:spcPct val="95000"/>
+              </a:lnSpc>
+              <a:spcBef>
+                <a:spcPts val="0"/>
+              </a:spcBef>
+              <a:spcAft>
+                <a:spcPts val="0"/>
+              </a:spcAft>
+              <a:buClr>
+                <a:srgbClr val="585858"/>
+              </a:buClr>
+              <a:buSzPts val="1195"/>
+              <a:buChar char="○"/>
+            </a:pPr>
+            <a:r>
+              <a:rPr lang="en-US" sz="1565">
+                <a:solidFill>
+                  <a:srgbClr val="585858"/>
+                </a:solidFill>
+                <a:latin typeface="Arial"/>
+                <a:ea typeface="Arial"/>
+                <a:cs typeface="Arial"/>
+                <a:sym typeface="Arial"/>
+              </a:rPr>
+              <a:t>A valid email address, for this task, should:</a:t>
+            </a:r>
+            <a:endParaRPr sz="1565">
+              <a:solidFill>
+                <a:srgbClr val="585858"/>
+              </a:solidFill>
+              <a:latin typeface="Arial"/>
+              <a:ea typeface="Arial"/>
+              <a:cs typeface="Arial"/>
+              <a:sym typeface="Arial"/>
+            </a:endParaRPr>
+          </a:p>
+          <a:p>
+            <a:pPr marL="1371600" lvl="2" indent="-304482" algn="l" rtl="0">
+              <a:lnSpc>
+                <a:spcPct val="95000"/>
+              </a:lnSpc>
+              <a:spcBef>
+                <a:spcPts val="0"/>
+              </a:spcBef>
+              <a:spcAft>
+                <a:spcPts val="0"/>
+              </a:spcAft>
+              <a:buClr>
+                <a:srgbClr val="585858"/>
+              </a:buClr>
+              <a:buSzPts val="1195"/>
+              <a:buChar char="■"/>
+            </a:pPr>
+            <a:r>
+              <a:rPr lang="en-US" sz="1565">
+                <a:solidFill>
+                  <a:srgbClr val="585858"/>
+                </a:solidFill>
+                <a:latin typeface="Arial"/>
+                <a:ea typeface="Arial"/>
+                <a:cs typeface="Arial"/>
+                <a:sym typeface="Arial"/>
+              </a:rPr>
+              <a:t>Only have lowercase letters (no numbers or uppercase letters)</a:t>
+            </a:r>
+            <a:endParaRPr sz="1565">
+              <a:solidFill>
+                <a:srgbClr val="585858"/>
+              </a:solidFill>
+              <a:latin typeface="Arial"/>
+              <a:ea typeface="Arial"/>
+              <a:cs typeface="Arial"/>
+              <a:sym typeface="Arial"/>
+            </a:endParaRPr>
+          </a:p>
+          <a:p>
+            <a:pPr marL="1371600" lvl="2" indent="-304482" algn="l" rtl="0">
+              <a:lnSpc>
+                <a:spcPct val="95000"/>
+              </a:lnSpc>
+              <a:spcBef>
+                <a:spcPts val="0"/>
+              </a:spcBef>
+              <a:spcAft>
+                <a:spcPts val="0"/>
+              </a:spcAft>
+              <a:buClr>
+                <a:srgbClr val="585858"/>
+              </a:buClr>
+              <a:buSzPts val="1195"/>
+              <a:buChar char="■"/>
+            </a:pPr>
+            <a:r>
+              <a:rPr lang="en-US" sz="1565">
+                <a:solidFill>
+                  <a:srgbClr val="585858"/>
+                </a:solidFill>
+                <a:latin typeface="Arial"/>
+                <a:ea typeface="Arial"/>
+                <a:cs typeface="Arial"/>
+                <a:sym typeface="Arial"/>
+              </a:rPr>
+              <a:t>End with @umich.edu</a:t>
+            </a:r>
+            <a:endParaRPr sz="1565">
+              <a:solidFill>
+                <a:srgbClr val="585858"/>
+              </a:solidFill>
+              <a:latin typeface="Arial"/>
+              <a:ea typeface="Arial"/>
+              <a:cs typeface="Arial"/>
+              <a:sym typeface="Arial"/>
+            </a:endParaRPr>
+          </a:p>
+        </p:txBody>
+      </p:sp>
+    </p:spTree>
+  </p:cSld>
+  <p:clrMapOvr>
+    <a:masterClrMapping/>
+  </p:clrMapOvr>
+</p:sld>
+</file>
+
+<file path=ppt/slides/slide2.xml><?xml version="1.0" encoding="utf-8"?>
+<p:sld xmlns:a="http://schemas.openxmlformats.org/drawingml/2006/main" xmlns:r="http://schemas.openxmlformats.org/officeDocument/2006/relationships" xmlns:p="http://schemas.openxmlformats.org/presentationml/2006/main">
+  <p:cSld>
+    <p:spTree>
+      <p:nvGrpSpPr>
+        <p:cNvPr id="1" name="Shape 44"/>
+        <p:cNvGrpSpPr/>
+        <p:nvPr/>
+      </p:nvGrpSpPr>
+      <p:grpSpPr>
+        <a:xfrm>
+          <a:off x="0" y="0"/>
+          <a:ext cx="0" cy="0"/>
+          <a:chOff x="0" y="0"/>
+          <a:chExt cx="0" cy="0"/>
+        </a:xfrm>
+      </p:grpSpPr>
+      <p:sp>
+        <p:nvSpPr>
+          <p:cNvPr id="45" name="Google Shape;45;p7"/>
+          <p:cNvSpPr txBox="1">
+            <a:spLocks noGrp="1"/>
+          </p:cNvSpPr>
+          <p:nvPr>
+            <p:ph type="title"/>
+          </p:nvPr>
+        </p:nvSpPr>
+        <p:spPr>
+          <a:xfrm>
+            <a:off x="311700" y="2150850"/>
+            <a:ext cx="8520600" cy="841800"/>
+          </a:xfrm>
+          <a:prstGeom prst="rect">
+            <a:avLst/>
+          </a:prstGeom>
+          <a:noFill/>
+          <a:ln>
+            <a:noFill/>
+          </a:ln>
+        </p:spPr>
+        <p:txBody>
+          <a:bodyPr spcFirstLastPara="1" wrap="square" lIns="91425" tIns="91425" rIns="91425" bIns="91425" anchor="ctr" anchorCtr="0">
+            <a:noAutofit/>
+          </a:bodyPr>
+          <a:lstStyle/>
+          <a:p>
+            <a:pPr marL="0" lvl="0" indent="0" algn="ctr" rtl="0">
+              <a:lnSpc>
+                <a:spcPct val="100000"/>
+              </a:lnSpc>
+              <a:spcBef>
+                <a:spcPts val="0"/>
+              </a:spcBef>
+              <a:spcAft>
+                <a:spcPts val="0"/>
+              </a:spcAft>
+              <a:buSzPts val="3600"/>
+              <a:buNone/>
+            </a:pPr>
+            <a:r>
+              <a:rPr lang="en-US"/>
               <a:t>Midterm 2 Review</a:t>
             </a:r>
-            <a:endParaRPr dirty="0"/>
+            <a:endParaRPr/>
           </a:p>
         </p:txBody>
       </p:sp>
@@ -8500,7 +9485,7 @@
   <p:cSld>
     <p:spTree>
       <p:nvGrpSpPr>
-        <p:cNvPr id="1" name="Shape 94"/>
+        <p:cNvPr id="1" name="Shape 49"/>
         <p:cNvGrpSpPr/>
         <p:nvPr/>
       </p:nvGrpSpPr>
@@ -8514,7 +9499,7 @@
       </p:grpSpPr>
       <p:sp>
         <p:nvSpPr>
-          <p:cNvPr id="95" name="Google Shape;95;p8"/>
+          <p:cNvPr id="50" name="Google Shape;50;p8"/>
           <p:cNvSpPr txBox="1">
             <a:spLocks noGrp="1"/>
           </p:cNvSpPr>
@@ -8555,16 +9540,16 @@
               <a:buNone/>
             </a:pPr>
             <a:r>
-              <a:rPr lang="en" dirty="0"/>
+              <a:rPr lang="en-US"/>
               <a:t>Unit Tests</a:t>
             </a:r>
-            <a:endParaRPr dirty="0"/>
+            <a:endParaRPr/>
           </a:p>
         </p:txBody>
       </p:sp>
       <p:sp>
         <p:nvSpPr>
-          <p:cNvPr id="96" name="Google Shape;96;p8"/>
+          <p:cNvPr id="51" name="Google Shape;51;p8"/>
           <p:cNvSpPr txBox="1">
             <a:spLocks noGrp="1"/>
           </p:cNvSpPr>
@@ -8591,7 +9576,7 @@
           </a:bodyPr>
           <a:lstStyle/>
           <a:p>
-            <a:pPr marL="457200" lvl="0" indent="-342900" algn="l" rtl="0">
+            <a:pPr marL="457200" lvl="0" indent="-330200" algn="l" rtl="0">
               <a:lnSpc>
                 <a:spcPct val="115000"/>
               </a:lnSpc>
@@ -8601,30 +9586,27 @@
               <a:spcAft>
                 <a:spcPts val="0"/>
               </a:spcAft>
-              <a:buSzPts val="1800"/>
+              <a:buSzPts val="1600"/>
               <a:buChar char="●"/>
             </a:pPr>
             <a:r>
-              <a:rPr lang="en-US" dirty="0">
-                <a:latin typeface="Arial" panose="020B0604020202020204" pitchFamily="34" charset="0"/>
-                <a:cs typeface="Arial" panose="020B0604020202020204" pitchFamily="34" charset="0"/>
+              <a:rPr lang="en-US" sz="1600">
+                <a:latin typeface="Arial"/>
+                <a:ea typeface="Arial"/>
+                <a:cs typeface="Arial"/>
+                <a:sym typeface="Arial"/>
               </a:rPr>
-              <a:t>Import </a:t>
+              <a:t>Import unittest</a:t>
             </a:r>
-            <a:r>
-              <a:rPr lang="en-US" dirty="0" err="1">
-                <a:latin typeface="Arial" panose="020B0604020202020204" pitchFamily="34" charset="0"/>
-                <a:cs typeface="Arial" panose="020B0604020202020204" pitchFamily="34" charset="0"/>
-              </a:rPr>
-              <a:t>unittest</a:t>
-            </a:r>
-            <a:endParaRPr lang="en-US" dirty="0">
-              <a:latin typeface="Arial" panose="020B0604020202020204" pitchFamily="34" charset="0"/>
-              <a:cs typeface="Arial" panose="020B0604020202020204" pitchFamily="34" charset="0"/>
+            <a:endParaRPr sz="1600">
+              <a:latin typeface="Arial"/>
+              <a:ea typeface="Arial"/>
+              <a:cs typeface="Arial"/>
+              <a:sym typeface="Arial"/>
             </a:endParaRPr>
           </a:p>
           <a:p>
-            <a:pPr marL="457200" lvl="0" indent="-342900" algn="l" rtl="0">
+            <a:pPr marL="457200" lvl="0" indent="-330200" algn="l" rtl="0">
               <a:lnSpc>
                 <a:spcPct val="115000"/>
               </a:lnSpc>
@@ -8634,30 +9616,27 @@
               <a:spcAft>
                 <a:spcPts val="0"/>
               </a:spcAft>
-              <a:buSzPts val="1800"/>
+              <a:buSzPts val="1600"/>
               <a:buChar char="●"/>
             </a:pPr>
             <a:r>
-              <a:rPr lang="en-US" dirty="0">
-                <a:latin typeface="Arial" panose="020B0604020202020204" pitchFamily="34" charset="0"/>
-                <a:cs typeface="Arial" panose="020B0604020202020204" pitchFamily="34" charset="0"/>
+              <a:rPr lang="en-US" sz="1600">
+                <a:latin typeface="Arial"/>
+                <a:ea typeface="Arial"/>
+                <a:cs typeface="Arial"/>
+                <a:sym typeface="Arial"/>
               </a:rPr>
-              <a:t>Make a subclass of </a:t>
+              <a:t>Make a subclass of unittest.TestCase</a:t>
             </a:r>
-            <a:r>
-              <a:rPr lang="en-US" dirty="0" err="1">
-                <a:latin typeface="Arial" panose="020B0604020202020204" pitchFamily="34" charset="0"/>
-                <a:cs typeface="Arial" panose="020B0604020202020204" pitchFamily="34" charset="0"/>
-              </a:rPr>
-              <a:t>unittest.TestCase</a:t>
-            </a:r>
-            <a:endParaRPr lang="en-US" dirty="0">
-              <a:latin typeface="Arial" panose="020B0604020202020204" pitchFamily="34" charset="0"/>
-              <a:cs typeface="Arial" panose="020B0604020202020204" pitchFamily="34" charset="0"/>
+            <a:endParaRPr sz="1600">
+              <a:latin typeface="Arial"/>
+              <a:ea typeface="Arial"/>
+              <a:cs typeface="Arial"/>
+              <a:sym typeface="Arial"/>
             </a:endParaRPr>
           </a:p>
           <a:p>
-            <a:pPr marL="457200" lvl="0" indent="-342900" algn="l" rtl="0">
+            <a:pPr marL="457200" lvl="0" indent="-330200" algn="l" rtl="0">
               <a:lnSpc>
                 <a:spcPct val="115000"/>
               </a:lnSpc>
@@ -8667,92 +9646,357 @@
               <a:spcAft>
                 <a:spcPts val="0"/>
               </a:spcAft>
-              <a:buSzPts val="1800"/>
+              <a:buSzPts val="1600"/>
               <a:buChar char="●"/>
             </a:pPr>
             <a:r>
-              <a:rPr lang="en-US" dirty="0">
-                <a:latin typeface="Arial" panose="020B0604020202020204" pitchFamily="34" charset="0"/>
-                <a:cs typeface="Arial" panose="020B0604020202020204" pitchFamily="34" charset="0"/>
+              <a:rPr lang="en-US" sz="1600">
+                <a:latin typeface="Arial"/>
+                <a:ea typeface="Arial"/>
+                <a:cs typeface="Arial"/>
+                <a:sym typeface="Arial"/>
               </a:rPr>
               <a:t>Define methods for test cases</a:t>
             </a:r>
-          </a:p>
-          <a:p>
-            <a:pPr lvl="1" indent="-342900">
-              <a:spcBef>
-                <a:spcPts val="0"/>
-              </a:spcBef>
-              <a:buSzPts val="1800"/>
+            <a:endParaRPr sz="1600"/>
+          </a:p>
+          <a:p>
+            <a:pPr marL="914400" lvl="1" indent="-330200" algn="l" rtl="0">
+              <a:lnSpc>
+                <a:spcPct val="100000"/>
+              </a:lnSpc>
+              <a:spcBef>
+                <a:spcPts val="0"/>
+              </a:spcBef>
+              <a:spcAft>
+                <a:spcPts val="0"/>
+              </a:spcAft>
+              <a:buSzPts val="1600"/>
               <a:buChar char="●"/>
             </a:pPr>
             <a:r>
-              <a:rPr lang="en-US" sz="1800" dirty="0">
-                <a:latin typeface="Arial" panose="020B0604020202020204" pitchFamily="34" charset="0"/>
-                <a:cs typeface="Arial" panose="020B0604020202020204" pitchFamily="34" charset="0"/>
+              <a:rPr lang="en-US" sz="1600">
+                <a:latin typeface="Arial"/>
+                <a:ea typeface="Arial"/>
+                <a:cs typeface="Arial"/>
+                <a:sym typeface="Arial"/>
               </a:rPr>
               <a:t>Start each method with test_</a:t>
             </a:r>
-          </a:p>
-          <a:p>
-            <a:pPr lvl="1" indent="-342900">
-              <a:spcBef>
-                <a:spcPts val="0"/>
-              </a:spcBef>
-              <a:buSzPts val="1800"/>
+            <a:endParaRPr sz="1600"/>
+          </a:p>
+          <a:p>
+            <a:pPr marL="914400" lvl="1" indent="-330200" algn="l" rtl="0">
+              <a:lnSpc>
+                <a:spcPct val="100000"/>
+              </a:lnSpc>
+              <a:spcBef>
+                <a:spcPts val="0"/>
+              </a:spcBef>
+              <a:spcAft>
+                <a:spcPts val="0"/>
+              </a:spcAft>
+              <a:buSzPts val="1600"/>
               <a:buChar char="●"/>
             </a:pPr>
             <a:r>
-              <a:rPr lang="en-US" sz="1800" dirty="0">
-                <a:latin typeface="Arial" panose="020B0604020202020204" pitchFamily="34" charset="0"/>
-                <a:cs typeface="Arial" panose="020B0604020202020204" pitchFamily="34" charset="0"/>
+              <a:rPr lang="en-US" sz="1600">
+                <a:latin typeface="Arial"/>
+                <a:ea typeface="Arial"/>
+                <a:cs typeface="Arial"/>
+                <a:sym typeface="Arial"/>
               </a:rPr>
-              <a:t>Use assertion methods (ex: </a:t>
+              <a:t>Use assertion methods to check the results. Ex:</a:t>
+            </a:r>
+            <a:endParaRPr sz="1600">
+              <a:latin typeface="Arial"/>
+              <a:ea typeface="Arial"/>
+              <a:cs typeface="Arial"/>
+              <a:sym typeface="Arial"/>
+            </a:endParaRPr>
+          </a:p>
+          <a:p>
+            <a:pPr marL="1371600" lvl="2" indent="-304800" algn="l" rtl="0">
+              <a:spcBef>
+                <a:spcPts val="0"/>
+              </a:spcBef>
+              <a:spcAft>
+                <a:spcPts val="0"/>
+              </a:spcAft>
+              <a:buSzPts val="1200"/>
+              <a:buChar char="■"/>
+            </a:pPr>
+            <a:r>
+              <a:rPr lang="en-US" sz="1600">
+                <a:solidFill>
+                  <a:schemeClr val="dk1"/>
+                </a:solidFill>
+                <a:latin typeface="Arial"/>
+                <a:ea typeface="Arial"/>
+                <a:cs typeface="Arial"/>
+                <a:sym typeface="Arial"/>
+              </a:rPr>
+              <a:t>assertEqual (first,second): </a:t>
             </a:r>
             <a:r>
-              <a:rPr lang="en-US" sz="1800" dirty="0" err="1">
-                <a:latin typeface="Arial" panose="020B0604020202020204" pitchFamily="34" charset="0"/>
-                <a:cs typeface="Arial" panose="020B0604020202020204" pitchFamily="34" charset="0"/>
+              <a:rPr lang="en-US" sz="1500">
+                <a:solidFill>
+                  <a:schemeClr val="dk1"/>
+                </a:solidFill>
+                <a:highlight>
+                  <a:srgbClr val="FFFFFF"/>
+                </a:highlight>
+                <a:latin typeface="Arial"/>
+                <a:ea typeface="Arial"/>
+                <a:cs typeface="Arial"/>
+                <a:sym typeface="Arial"/>
               </a:rPr>
-              <a:t>assertEqual</a:t>
+              <a:t>Test that </a:t>
             </a:r>
             <a:r>
-              <a:rPr lang="en-US" sz="1800" dirty="0">
-                <a:latin typeface="Arial" panose="020B0604020202020204" pitchFamily="34" charset="0"/>
-                <a:cs typeface="Arial" panose="020B0604020202020204" pitchFamily="34" charset="0"/>
+              <a:rPr lang="en-US" sz="1500" i="1">
+                <a:solidFill>
+                  <a:schemeClr val="dk1"/>
+                </a:solidFill>
+                <a:highlight>
+                  <a:srgbClr val="FFFFFF"/>
+                </a:highlight>
+                <a:latin typeface="Arial"/>
+                <a:ea typeface="Arial"/>
+                <a:cs typeface="Arial"/>
+                <a:sym typeface="Arial"/>
               </a:rPr>
-              <a:t>()) to check the results</a:t>
+              <a:t>first</a:t>
             </a:r>
-          </a:p>
-          <a:p>
-            <a:pPr lvl="1" indent="-342900">
-              <a:spcBef>
-                <a:spcPts val="0"/>
-              </a:spcBef>
-              <a:buSzPts val="1800"/>
+            <a:r>
+              <a:rPr lang="en-US" sz="1500">
+                <a:solidFill>
+                  <a:schemeClr val="dk1"/>
+                </a:solidFill>
+                <a:highlight>
+                  <a:srgbClr val="FFFFFF"/>
+                </a:highlight>
+                <a:latin typeface="Arial"/>
+                <a:ea typeface="Arial"/>
+                <a:cs typeface="Arial"/>
+                <a:sym typeface="Arial"/>
+              </a:rPr>
+              <a:t> and </a:t>
+            </a:r>
+            <a:r>
+              <a:rPr lang="en-US" sz="1500" i="1">
+                <a:solidFill>
+                  <a:schemeClr val="dk1"/>
+                </a:solidFill>
+                <a:highlight>
+                  <a:srgbClr val="FFFFFF"/>
+                </a:highlight>
+                <a:latin typeface="Arial"/>
+                <a:ea typeface="Arial"/>
+                <a:cs typeface="Arial"/>
+                <a:sym typeface="Arial"/>
+              </a:rPr>
+              <a:t>second</a:t>
+            </a:r>
+            <a:r>
+              <a:rPr lang="en-US" sz="1500">
+                <a:solidFill>
+                  <a:schemeClr val="dk1"/>
+                </a:solidFill>
+                <a:highlight>
+                  <a:srgbClr val="FFFFFF"/>
+                </a:highlight>
+                <a:latin typeface="Arial"/>
+                <a:ea typeface="Arial"/>
+                <a:cs typeface="Arial"/>
+                <a:sym typeface="Arial"/>
+              </a:rPr>
+              <a:t> are equal.</a:t>
+            </a:r>
+            <a:endParaRPr sz="1500">
+              <a:solidFill>
+                <a:schemeClr val="dk1"/>
+              </a:solidFill>
+              <a:latin typeface="Arial"/>
+              <a:ea typeface="Arial"/>
+              <a:cs typeface="Arial"/>
+              <a:sym typeface="Arial"/>
+            </a:endParaRPr>
+          </a:p>
+          <a:p>
+            <a:pPr marL="1371600" lvl="2" indent="-317500" algn="l" rtl="0">
+              <a:spcBef>
+                <a:spcPts val="0"/>
+              </a:spcBef>
+              <a:spcAft>
+                <a:spcPts val="0"/>
+              </a:spcAft>
+              <a:buClr>
+                <a:schemeClr val="dk1"/>
+              </a:buClr>
+              <a:buSzPts val="1400"/>
+              <a:buFont typeface="Arial"/>
+              <a:buChar char="■"/>
+            </a:pPr>
+            <a:r>
+              <a:rPr lang="en-US" sz="1600">
+                <a:solidFill>
+                  <a:schemeClr val="dk1"/>
+                </a:solidFill>
+                <a:latin typeface="Arial"/>
+                <a:ea typeface="Arial"/>
+                <a:cs typeface="Arial"/>
+                <a:sym typeface="Arial"/>
+              </a:rPr>
+              <a:t>assertAlmostEqual(first,second,places): </a:t>
+            </a:r>
+            <a:r>
+              <a:rPr lang="en-US" sz="1500">
+                <a:solidFill>
+                  <a:schemeClr val="dk1"/>
+                </a:solidFill>
+                <a:highlight>
+                  <a:srgbClr val="FFFFFF"/>
+                </a:highlight>
+                <a:latin typeface="Arial"/>
+                <a:ea typeface="Arial"/>
+                <a:cs typeface="Arial"/>
+                <a:sym typeface="Arial"/>
+              </a:rPr>
+              <a:t>Test that </a:t>
+            </a:r>
+            <a:r>
+              <a:rPr lang="en-US" sz="1500" i="1">
+                <a:solidFill>
+                  <a:schemeClr val="dk1"/>
+                </a:solidFill>
+                <a:highlight>
+                  <a:srgbClr val="FFFFFF"/>
+                </a:highlight>
+                <a:latin typeface="Arial"/>
+                <a:ea typeface="Arial"/>
+                <a:cs typeface="Arial"/>
+                <a:sym typeface="Arial"/>
+              </a:rPr>
+              <a:t>first</a:t>
+            </a:r>
+            <a:r>
+              <a:rPr lang="en-US" sz="1500">
+                <a:solidFill>
+                  <a:schemeClr val="dk1"/>
+                </a:solidFill>
+                <a:highlight>
+                  <a:srgbClr val="FFFFFF"/>
+                </a:highlight>
+                <a:latin typeface="Arial"/>
+                <a:ea typeface="Arial"/>
+                <a:cs typeface="Arial"/>
+                <a:sym typeface="Arial"/>
+              </a:rPr>
+              <a:t> and </a:t>
+            </a:r>
+            <a:r>
+              <a:rPr lang="en-US" sz="1500" i="1">
+                <a:solidFill>
+                  <a:schemeClr val="dk1"/>
+                </a:solidFill>
+                <a:highlight>
+                  <a:srgbClr val="FFFFFF"/>
+                </a:highlight>
+                <a:latin typeface="Arial"/>
+                <a:ea typeface="Arial"/>
+                <a:cs typeface="Arial"/>
+                <a:sym typeface="Arial"/>
+              </a:rPr>
+              <a:t>second</a:t>
+            </a:r>
+            <a:r>
+              <a:rPr lang="en-US" sz="1500">
+                <a:solidFill>
+                  <a:schemeClr val="dk1"/>
+                </a:solidFill>
+                <a:highlight>
+                  <a:srgbClr val="FFFFFF"/>
+                </a:highlight>
+                <a:latin typeface="Arial"/>
+                <a:ea typeface="Arial"/>
+                <a:cs typeface="Arial"/>
+                <a:sym typeface="Arial"/>
+              </a:rPr>
+              <a:t> are approximately (or not approximately) equal by computing the difference, rounding to the given number of decimal </a:t>
+            </a:r>
+            <a:r>
+              <a:rPr lang="en-US" sz="1500" i="1">
+                <a:solidFill>
+                  <a:schemeClr val="dk1"/>
+                </a:solidFill>
+                <a:highlight>
+                  <a:srgbClr val="FFFFFF"/>
+                </a:highlight>
+                <a:latin typeface="Arial"/>
+                <a:ea typeface="Arial"/>
+                <a:cs typeface="Arial"/>
+                <a:sym typeface="Arial"/>
+              </a:rPr>
+              <a:t>places</a:t>
+            </a:r>
+            <a:r>
+              <a:rPr lang="en-US" sz="1500">
+                <a:solidFill>
+                  <a:schemeClr val="dk1"/>
+                </a:solidFill>
+                <a:highlight>
+                  <a:srgbClr val="FFFFFF"/>
+                </a:highlight>
+                <a:latin typeface="Arial"/>
+                <a:ea typeface="Arial"/>
+                <a:cs typeface="Arial"/>
+                <a:sym typeface="Arial"/>
+              </a:rPr>
+              <a:t> (default 7), and comparing to zero</a:t>
+            </a:r>
+            <a:endParaRPr sz="2100">
+              <a:solidFill>
+                <a:schemeClr val="dk1"/>
+              </a:solidFill>
+              <a:latin typeface="Arial"/>
+              <a:ea typeface="Arial"/>
+              <a:cs typeface="Arial"/>
+              <a:sym typeface="Arial"/>
+            </a:endParaRPr>
+          </a:p>
+          <a:p>
+            <a:pPr marL="914400" lvl="1" indent="-330200" algn="l" rtl="0">
+              <a:lnSpc>
+                <a:spcPct val="100000"/>
+              </a:lnSpc>
+              <a:spcBef>
+                <a:spcPts val="0"/>
+              </a:spcBef>
+              <a:spcAft>
+                <a:spcPts val="0"/>
+              </a:spcAft>
+              <a:buSzPts val="1600"/>
               <a:buChar char="●"/>
             </a:pPr>
             <a:r>
-              <a:rPr lang="en-US" sz="1800" dirty="0">
-                <a:latin typeface="Arial" panose="020B0604020202020204" pitchFamily="34" charset="0"/>
-                <a:cs typeface="Arial" panose="020B0604020202020204" pitchFamily="34" charset="0"/>
+              <a:rPr lang="en-US" sz="1600">
+                <a:latin typeface="Arial"/>
+                <a:ea typeface="Arial"/>
+                <a:cs typeface="Arial"/>
+                <a:sym typeface="Arial"/>
               </a:rPr>
-              <a:t>Run the tests using </a:t>
+              <a:t>Run the tests using unittest.main</a:t>
             </a:r>
-            <a:r>
-              <a:rPr lang="en-US" sz="1800" dirty="0" err="1">
-                <a:latin typeface="Arial" panose="020B0604020202020204" pitchFamily="34" charset="0"/>
-                <a:cs typeface="Arial" panose="020B0604020202020204" pitchFamily="34" charset="0"/>
-              </a:rPr>
-              <a:t>unittest.main</a:t>
-            </a:r>
-            <a:endParaRPr lang="en-US" sz="1800" dirty="0">
-              <a:latin typeface="Arial" panose="020B0604020202020204" pitchFamily="34" charset="0"/>
-              <a:cs typeface="Arial" panose="020B0604020202020204" pitchFamily="34" charset="0"/>
+            <a:endParaRPr sz="1600">
+              <a:latin typeface="Arial"/>
+              <a:ea typeface="Arial"/>
+              <a:cs typeface="Arial"/>
+              <a:sym typeface="Arial"/>
             </a:endParaRPr>
           </a:p>
           <a:p>
-            <a:pPr marL="457200" lvl="0" indent="-342900" algn="l" rtl="0">
+            <a:pPr marL="457200" lvl="0" indent="-330200" algn="l" rtl="0">
               <a:lnSpc>
                 <a:spcPct val="115000"/>
               </a:lnSpc>
@@ -8762,57 +10006,73 @@
               <a:spcAft>
                 <a:spcPts val="0"/>
               </a:spcAft>
-              <a:buSzPts val="1800"/>
+              <a:buSzPts val="1600"/>
               <a:buChar char="●"/>
             </a:pPr>
             <a:r>
-              <a:rPr lang="en-US" dirty="0">
-                <a:latin typeface="Arial" panose="020B0604020202020204" pitchFamily="34" charset="0"/>
-                <a:cs typeface="Arial" panose="020B0604020202020204" pitchFamily="34" charset="0"/>
+              <a:rPr lang="en-US" sz="1600">
+                <a:latin typeface="Arial"/>
+                <a:ea typeface="Arial"/>
+                <a:cs typeface="Arial"/>
+                <a:sym typeface="Arial"/>
               </a:rPr>
               <a:t>Test cases</a:t>
             </a:r>
-          </a:p>
-          <a:p>
-            <a:pPr lvl="1" indent="-342900">
-              <a:spcBef>
-                <a:spcPts val="0"/>
-              </a:spcBef>
-              <a:buSzPts val="1800"/>
+            <a:endParaRPr sz="1600"/>
+          </a:p>
+          <a:p>
+            <a:pPr marL="914400" lvl="1" indent="-330200" algn="l" rtl="0">
+              <a:lnSpc>
+                <a:spcPct val="100000"/>
+              </a:lnSpc>
+              <a:spcBef>
+                <a:spcPts val="0"/>
+              </a:spcBef>
+              <a:spcAft>
+                <a:spcPts val="0"/>
+              </a:spcAft>
+              <a:buSzPts val="1600"/>
               <a:buChar char="●"/>
             </a:pPr>
             <a:r>
-              <a:rPr lang="en-US" sz="1800" dirty="0">
-                <a:latin typeface="Arial" panose="020B0604020202020204" pitchFamily="34" charset="0"/>
-                <a:cs typeface="Arial" panose="020B0604020202020204" pitchFamily="34" charset="0"/>
+              <a:rPr lang="en-US" sz="1600">
+                <a:latin typeface="Arial"/>
+                <a:ea typeface="Arial"/>
+                <a:cs typeface="Arial"/>
+                <a:sym typeface="Arial"/>
               </a:rPr>
-              <a:t>Test usual values</a:t>
+              <a:t>Test usual values (expected values, length, type, etc.)</a:t>
             </a:r>
-          </a:p>
-          <a:p>
-            <a:pPr lvl="1" indent="-342900">
-              <a:spcBef>
-                <a:spcPts val="0"/>
-              </a:spcBef>
-              <a:buSzPts val="1800"/>
+            <a:endParaRPr sz="1600"/>
+          </a:p>
+          <a:p>
+            <a:pPr marL="914400" lvl="1" indent="-330200" algn="l" rtl="0">
+              <a:lnSpc>
+                <a:spcPct val="100000"/>
+              </a:lnSpc>
+              <a:spcBef>
+                <a:spcPts val="0"/>
+              </a:spcBef>
+              <a:spcAft>
+                <a:spcPts val="0"/>
+              </a:spcAft>
+              <a:buSzPts val="1600"/>
               <a:buChar char="●"/>
             </a:pPr>
             <a:r>
-              <a:rPr lang="en-US" sz="1800" dirty="0">
-                <a:latin typeface="Arial" panose="020B0604020202020204" pitchFamily="34" charset="0"/>
-                <a:cs typeface="Arial" panose="020B0604020202020204" pitchFamily="34" charset="0"/>
+              <a:rPr lang="en-US" sz="1600">
+                <a:latin typeface="Arial"/>
+                <a:ea typeface="Arial"/>
+                <a:cs typeface="Arial"/>
+                <a:sym typeface="Arial"/>
               </a:rPr>
-              <a:t>Test edge cases</a:t>
+              <a:t>Test edge cases (negative, empty, etc)</a:t>
             </a:r>
+            <a:endParaRPr sz="1600"/>
           </a:p>
         </p:txBody>
       </p:sp>
     </p:spTree>
-    <p:extLst>
-      <p:ext uri="{BB962C8B-B14F-4D97-AF65-F5344CB8AC3E}">
-        <p14:creationId xmlns:p14="http://schemas.microsoft.com/office/powerpoint/2010/main" val="2196058962"/>
-      </p:ext>
-    </p:extLst>
   </p:cSld>
   <p:clrMapOvr>
     <a:masterClrMapping/>
@@ -8825,7 +10085,7 @@
   <p:cSld>
     <p:spTree>
       <p:nvGrpSpPr>
-        <p:cNvPr id="1" name="Shape 65"/>
+        <p:cNvPr id="1" name="Shape 55"/>
         <p:cNvGrpSpPr/>
         <p:nvPr/>
       </p:nvGrpSpPr>
@@ -8839,7 +10099,7 @@
       </p:grpSpPr>
       <p:sp>
         <p:nvSpPr>
-          <p:cNvPr id="66" name="Google Shape;66;p15"/>
+          <p:cNvPr id="56" name="Google Shape;56;p14"/>
           <p:cNvSpPr txBox="1">
             <a:spLocks noGrp="1"/>
           </p:cNvSpPr>
@@ -8855,6 +10115,10 @@
           <a:prstGeom prst="rect">
             <a:avLst/>
           </a:prstGeom>
+          <a:noFill/>
+          <a:ln>
+            <a:noFill/>
+          </a:ln>
         </p:spPr>
         <p:txBody>
           <a:bodyPr spcFirstLastPara="1" wrap="square" lIns="91425" tIns="91425" rIns="91425" bIns="91425" anchor="t" anchorCtr="0">
@@ -8863,16 +10127,20 @@
           <a:lstStyle/>
           <a:p>
             <a:pPr marL="0" lvl="0" indent="0" algn="l" rtl="0">
-              <a:spcBef>
-                <a:spcPts val="0"/>
-              </a:spcBef>
-              <a:spcAft>
-                <a:spcPts val="0"/>
-              </a:spcAft>
+              <a:lnSpc>
+                <a:spcPct val="100000"/>
+              </a:lnSpc>
+              <a:spcBef>
+                <a:spcPts val="0"/>
+              </a:spcBef>
+              <a:spcAft>
+                <a:spcPts val="0"/>
+              </a:spcAft>
+              <a:buSzPct val="103703"/>
               <a:buNone/>
             </a:pPr>
             <a:r>
-              <a:rPr lang="en"/>
+              <a:rPr lang="en-US"/>
               <a:t>Reading Files</a:t>
             </a:r>
             <a:endParaRPr/>
@@ -8881,7 +10149,7 @@
       </p:sp>
       <p:sp>
         <p:nvSpPr>
-          <p:cNvPr id="67" name="Google Shape;67;p15"/>
+          <p:cNvPr id="57" name="Google Shape;57;p14"/>
           <p:cNvSpPr txBox="1">
             <a:spLocks noGrp="1"/>
           </p:cNvSpPr>
@@ -8897,6 +10165,10 @@
           <a:prstGeom prst="rect">
             <a:avLst/>
           </a:prstGeom>
+          <a:noFill/>
+          <a:ln>
+            <a:noFill/>
+          </a:ln>
         </p:spPr>
         <p:txBody>
           <a:bodyPr spcFirstLastPara="1" wrap="square" lIns="91425" tIns="91425" rIns="91425" bIns="91425" anchor="t" anchorCtr="0">
@@ -8905,6 +10177,9 @@
           <a:lstStyle/>
           <a:p>
             <a:pPr marL="457200" lvl="0" indent="-342900" algn="l" rtl="0">
+              <a:lnSpc>
+                <a:spcPct val="100000"/>
+              </a:lnSpc>
               <a:spcBef>
                 <a:spcPts val="0"/>
               </a:spcBef>
@@ -8915,19 +10190,26 @@
               <a:buChar char="●"/>
             </a:pPr>
             <a:r>
-              <a:rPr lang="en" dirty="0">
-                <a:latin typeface="Arial" panose="020B0604020202020204" pitchFamily="34" charset="0"/>
-                <a:cs typeface="Arial" panose="020B0604020202020204" pitchFamily="34" charset="0"/>
+              <a:rPr lang="en-US">
+                <a:latin typeface="Arial"/>
+                <a:ea typeface="Arial"/>
+                <a:cs typeface="Arial"/>
+                <a:sym typeface="Arial"/>
               </a:rPr>
               <a:t>TXT files</a:t>
             </a:r>
-            <a:endParaRPr dirty="0">
-              <a:latin typeface="Arial" panose="020B0604020202020204" pitchFamily="34" charset="0"/>
-              <a:cs typeface="Arial" panose="020B0604020202020204" pitchFamily="34" charset="0"/>
+            <a:endParaRPr>
+              <a:latin typeface="Arial"/>
+              <a:ea typeface="Arial"/>
+              <a:cs typeface="Arial"/>
+              <a:sym typeface="Arial"/>
             </a:endParaRPr>
           </a:p>
           <a:p>
             <a:pPr marL="914400" lvl="1" indent="-317500" algn="l" rtl="0">
+              <a:lnSpc>
+                <a:spcPct val="100000"/>
+              </a:lnSpc>
               <a:spcBef>
                 <a:spcPts val="0"/>
               </a:spcBef>
@@ -8938,40 +10220,26 @@
               <a:buChar char="○"/>
             </a:pPr>
             <a:r>
-              <a:rPr lang="en" dirty="0" err="1">
-                <a:latin typeface="Arial" panose="020B0604020202020204" pitchFamily="34" charset="0"/>
-                <a:cs typeface="Arial" panose="020B0604020202020204" pitchFamily="34" charset="0"/>
+              <a:rPr lang="en-US">
+                <a:latin typeface="Arial"/>
+                <a:ea typeface="Arial"/>
+                <a:cs typeface="Arial"/>
+                <a:sym typeface="Arial"/>
               </a:rPr>
-              <a:t>file_obj</a:t>
+              <a:t>file_obj = open(filepath, ‘r’)</a:t>
             </a:r>
-            <a:r>
-              <a:rPr lang="en" dirty="0">
-                <a:latin typeface="Arial" panose="020B0604020202020204" pitchFamily="34" charset="0"/>
-                <a:cs typeface="Arial" panose="020B0604020202020204" pitchFamily="34" charset="0"/>
-              </a:rPr>
-              <a:t> = open(&lt;</a:t>
-            </a:r>
-            <a:r>
-              <a:rPr lang="en" dirty="0" err="1">
-                <a:latin typeface="Arial" panose="020B0604020202020204" pitchFamily="34" charset="0"/>
-                <a:cs typeface="Arial" panose="020B0604020202020204" pitchFamily="34" charset="0"/>
-              </a:rPr>
-              <a:t>filepath</a:t>
-            </a:r>
-            <a:r>
-              <a:rPr lang="en" dirty="0">
-                <a:latin typeface="Arial" panose="020B0604020202020204" pitchFamily="34" charset="0"/>
-                <a:cs typeface="Arial" panose="020B0604020202020204" pitchFamily="34" charset="0"/>
-              </a:rPr>
-              <a:t>&gt;, ‘r’)</a:t>
-            </a:r>
-            <a:endParaRPr dirty="0">
-              <a:latin typeface="Arial" panose="020B0604020202020204" pitchFamily="34" charset="0"/>
-              <a:cs typeface="Arial" panose="020B0604020202020204" pitchFamily="34" charset="0"/>
+            <a:endParaRPr>
+              <a:latin typeface="Arial"/>
+              <a:ea typeface="Arial"/>
+              <a:cs typeface="Arial"/>
+              <a:sym typeface="Arial"/>
             </a:endParaRPr>
           </a:p>
           <a:p>
             <a:pPr marL="914400" lvl="1" indent="-317500" algn="l" rtl="0">
+              <a:lnSpc>
+                <a:spcPct val="100000"/>
+              </a:lnSpc>
               <a:spcBef>
                 <a:spcPts val="0"/>
               </a:spcBef>
@@ -8982,26 +10250,26 @@
               <a:buChar char="○"/>
             </a:pPr>
             <a:r>
-              <a:rPr lang="en" dirty="0" err="1">
-                <a:latin typeface="Arial" panose="020B0604020202020204" pitchFamily="34" charset="0"/>
-                <a:cs typeface="Arial" panose="020B0604020202020204" pitchFamily="34" charset="0"/>
+              <a:rPr lang="en-US">
+                <a:latin typeface="Arial"/>
+                <a:ea typeface="Arial"/>
+                <a:cs typeface="Arial"/>
+                <a:sym typeface="Arial"/>
               </a:rPr>
-              <a:t>file_obj.read</a:t>
+              <a:t>file_obj.read() : reads entire file as string</a:t>
             </a:r>
-            <a:r>
-              <a:rPr lang="en" dirty="0">
-                <a:latin typeface="Arial" panose="020B0604020202020204" pitchFamily="34" charset="0"/>
-                <a:cs typeface="Arial" panose="020B0604020202020204" pitchFamily="34" charset="0"/>
-              </a:rPr>
-              <a:t>() : reads entire file as string</a:t>
-            </a:r>
-            <a:endParaRPr dirty="0">
-              <a:latin typeface="Arial" panose="020B0604020202020204" pitchFamily="34" charset="0"/>
-              <a:cs typeface="Arial" panose="020B0604020202020204" pitchFamily="34" charset="0"/>
+            <a:endParaRPr>
+              <a:latin typeface="Arial"/>
+              <a:ea typeface="Arial"/>
+              <a:cs typeface="Arial"/>
+              <a:sym typeface="Arial"/>
             </a:endParaRPr>
           </a:p>
           <a:p>
             <a:pPr marL="914400" lvl="1" indent="-317500" algn="l" rtl="0">
+              <a:lnSpc>
+                <a:spcPct val="100000"/>
+              </a:lnSpc>
               <a:spcBef>
                 <a:spcPts val="0"/>
               </a:spcBef>
@@ -9012,26 +10280,26 @@
               <a:buChar char="○"/>
             </a:pPr>
             <a:r>
-              <a:rPr lang="en" dirty="0" err="1">
-                <a:latin typeface="Arial" panose="020B0604020202020204" pitchFamily="34" charset="0"/>
-                <a:cs typeface="Arial" panose="020B0604020202020204" pitchFamily="34" charset="0"/>
+              <a:rPr lang="en-US">
+                <a:latin typeface="Arial"/>
+                <a:ea typeface="Arial"/>
+                <a:cs typeface="Arial"/>
+                <a:sym typeface="Arial"/>
               </a:rPr>
-              <a:t>file_obj.readlines</a:t>
+              <a:t>file_obj.readlines() : reads entire file as list of strings</a:t>
             </a:r>
-            <a:r>
-              <a:rPr lang="en" dirty="0">
-                <a:latin typeface="Arial" panose="020B0604020202020204" pitchFamily="34" charset="0"/>
-                <a:cs typeface="Arial" panose="020B0604020202020204" pitchFamily="34" charset="0"/>
-              </a:rPr>
-              <a:t>() : reads entire file as list of strings</a:t>
-            </a:r>
-            <a:endParaRPr dirty="0">
-              <a:latin typeface="Arial" panose="020B0604020202020204" pitchFamily="34" charset="0"/>
-              <a:cs typeface="Arial" panose="020B0604020202020204" pitchFamily="34" charset="0"/>
+            <a:endParaRPr>
+              <a:latin typeface="Arial"/>
+              <a:ea typeface="Arial"/>
+              <a:cs typeface="Arial"/>
+              <a:sym typeface="Arial"/>
             </a:endParaRPr>
           </a:p>
           <a:p>
             <a:pPr marL="914400" lvl="1" indent="-317500" algn="l" rtl="0">
+              <a:lnSpc>
+                <a:spcPct val="100000"/>
+              </a:lnSpc>
               <a:spcBef>
                 <a:spcPts val="0"/>
               </a:spcBef>
@@ -9042,26 +10310,26 @@
               <a:buChar char="○"/>
             </a:pPr>
             <a:r>
-              <a:rPr lang="en" dirty="0" err="1">
-                <a:latin typeface="Arial" panose="020B0604020202020204" pitchFamily="34" charset="0"/>
-                <a:cs typeface="Arial" panose="020B0604020202020204" pitchFamily="34" charset="0"/>
+              <a:rPr lang="en-US">
+                <a:latin typeface="Arial"/>
+                <a:ea typeface="Arial"/>
+                <a:cs typeface="Arial"/>
+                <a:sym typeface="Arial"/>
               </a:rPr>
-              <a:t>file_obj.close</a:t>
+              <a:t>file_obj.close()</a:t>
             </a:r>
-            <a:r>
-              <a:rPr lang="en" dirty="0">
-                <a:latin typeface="Arial" panose="020B0604020202020204" pitchFamily="34" charset="0"/>
-                <a:cs typeface="Arial" panose="020B0604020202020204" pitchFamily="34" charset="0"/>
-              </a:rPr>
-              <a:t>()</a:t>
-            </a:r>
-            <a:endParaRPr dirty="0">
-              <a:latin typeface="Arial" panose="020B0604020202020204" pitchFamily="34" charset="0"/>
-              <a:cs typeface="Arial" panose="020B0604020202020204" pitchFamily="34" charset="0"/>
+            <a:endParaRPr>
+              <a:latin typeface="Arial"/>
+              <a:ea typeface="Arial"/>
+              <a:cs typeface="Arial"/>
+              <a:sym typeface="Arial"/>
             </a:endParaRPr>
           </a:p>
           <a:p>
             <a:pPr marL="457200" lvl="0" indent="-342900" algn="l" rtl="0">
+              <a:lnSpc>
+                <a:spcPct val="100000"/>
+              </a:lnSpc>
               <a:spcBef>
                 <a:spcPts val="0"/>
               </a:spcBef>
@@ -9072,19 +10340,26 @@
               <a:buChar char="●"/>
             </a:pPr>
             <a:r>
-              <a:rPr lang="en" dirty="0">
-                <a:latin typeface="Arial" panose="020B0604020202020204" pitchFamily="34" charset="0"/>
-                <a:cs typeface="Arial" panose="020B0604020202020204" pitchFamily="34" charset="0"/>
+              <a:rPr lang="en-US">
+                <a:latin typeface="Arial"/>
+                <a:ea typeface="Arial"/>
+                <a:cs typeface="Arial"/>
+                <a:sym typeface="Arial"/>
               </a:rPr>
               <a:t>CSV files</a:t>
             </a:r>
-            <a:endParaRPr dirty="0">
-              <a:latin typeface="Arial" panose="020B0604020202020204" pitchFamily="34" charset="0"/>
-              <a:cs typeface="Arial" panose="020B0604020202020204" pitchFamily="34" charset="0"/>
+            <a:endParaRPr>
+              <a:latin typeface="Arial"/>
+              <a:ea typeface="Arial"/>
+              <a:cs typeface="Arial"/>
+              <a:sym typeface="Arial"/>
             </a:endParaRPr>
           </a:p>
           <a:p>
             <a:pPr marL="914400" lvl="1" indent="-317500" algn="l" rtl="0">
+              <a:lnSpc>
+                <a:spcPct val="100000"/>
+              </a:lnSpc>
               <a:spcBef>
                 <a:spcPts val="0"/>
               </a:spcBef>
@@ -9095,33 +10370,26 @@
               <a:buChar char="○"/>
             </a:pPr>
             <a:r>
-              <a:rPr lang="en" dirty="0">
-                <a:latin typeface="Arial" panose="020B0604020202020204" pitchFamily="34" charset="0"/>
-                <a:cs typeface="Arial" panose="020B0604020202020204" pitchFamily="34" charset="0"/>
+              <a:rPr lang="en-US">
+                <a:latin typeface="Arial"/>
+                <a:ea typeface="Arial"/>
+                <a:cs typeface="Arial"/>
+                <a:sym typeface="Arial"/>
               </a:rPr>
-              <a:t>reader = </a:t>
+              <a:t>reader = csv.reader(f) </a:t>
             </a:r>
-            <a:r>
-              <a:rPr lang="en" dirty="0" err="1">
-                <a:latin typeface="Arial" panose="020B0604020202020204" pitchFamily="34" charset="0"/>
-                <a:cs typeface="Arial" panose="020B0604020202020204" pitchFamily="34" charset="0"/>
-              </a:rPr>
-              <a:t>csv.reader</a:t>
-            </a:r>
-            <a:r>
-              <a:rPr lang="en" dirty="0">
-                <a:latin typeface="Arial" panose="020B0604020202020204" pitchFamily="34" charset="0"/>
-                <a:cs typeface="Arial" panose="020B0604020202020204" pitchFamily="34" charset="0"/>
-              </a:rPr>
-              <a:t>(f) </a:t>
-            </a:r>
-            <a:endParaRPr dirty="0">
-              <a:latin typeface="Arial" panose="020B0604020202020204" pitchFamily="34" charset="0"/>
-              <a:cs typeface="Arial" panose="020B0604020202020204" pitchFamily="34" charset="0"/>
+            <a:endParaRPr>
+              <a:latin typeface="Arial"/>
+              <a:ea typeface="Arial"/>
+              <a:cs typeface="Arial"/>
+              <a:sym typeface="Arial"/>
             </a:endParaRPr>
           </a:p>
           <a:p>
             <a:pPr marL="914400" lvl="1" indent="-317500" algn="l" rtl="0">
+              <a:lnSpc>
+                <a:spcPct val="100000"/>
+              </a:lnSpc>
               <a:spcBef>
                 <a:spcPts val="0"/>
               </a:spcBef>
@@ -9132,19 +10400,26 @@
               <a:buChar char="○"/>
             </a:pPr>
             <a:r>
-              <a:rPr lang="en" dirty="0">
-                <a:latin typeface="Arial" panose="020B0604020202020204" pitchFamily="34" charset="0"/>
-                <a:cs typeface="Arial" panose="020B0604020202020204" pitchFamily="34" charset="0"/>
+              <a:rPr lang="en-US">
+                <a:latin typeface="Arial"/>
+                <a:ea typeface="Arial"/>
+                <a:cs typeface="Arial"/>
+                <a:sym typeface="Arial"/>
               </a:rPr>
               <a:t>Iterate through reader to read lines of csv as lists</a:t>
             </a:r>
-            <a:endParaRPr dirty="0">
-              <a:latin typeface="Arial" panose="020B0604020202020204" pitchFamily="34" charset="0"/>
-              <a:cs typeface="Arial" panose="020B0604020202020204" pitchFamily="34" charset="0"/>
+            <a:endParaRPr>
+              <a:latin typeface="Arial"/>
+              <a:ea typeface="Arial"/>
+              <a:cs typeface="Arial"/>
+              <a:sym typeface="Arial"/>
             </a:endParaRPr>
           </a:p>
           <a:p>
             <a:pPr marL="914400" lvl="1" indent="-317500" algn="l" rtl="0">
+              <a:lnSpc>
+                <a:spcPct val="100000"/>
+              </a:lnSpc>
               <a:spcBef>
                 <a:spcPts val="0"/>
               </a:spcBef>
@@ -9155,33 +10430,26 @@
               <a:buChar char="○"/>
             </a:pPr>
             <a:r>
-              <a:rPr lang="en" dirty="0">
-                <a:latin typeface="Arial" panose="020B0604020202020204" pitchFamily="34" charset="0"/>
-                <a:cs typeface="Arial" panose="020B0604020202020204" pitchFamily="34" charset="0"/>
+              <a:rPr lang="en-US">
+                <a:latin typeface="Arial"/>
+                <a:ea typeface="Arial"/>
+                <a:cs typeface="Arial"/>
+                <a:sym typeface="Arial"/>
               </a:rPr>
-              <a:t>writer = </a:t>
+              <a:t>writer = csv.writer(f, delimiter=’,’)</a:t>
             </a:r>
-            <a:r>
-              <a:rPr lang="en" dirty="0" err="1">
-                <a:latin typeface="Arial" panose="020B0604020202020204" pitchFamily="34" charset="0"/>
-                <a:cs typeface="Arial" panose="020B0604020202020204" pitchFamily="34" charset="0"/>
-              </a:rPr>
-              <a:t>csv.writer</a:t>
-            </a:r>
-            <a:r>
-              <a:rPr lang="en" dirty="0">
-                <a:latin typeface="Arial" panose="020B0604020202020204" pitchFamily="34" charset="0"/>
-                <a:cs typeface="Arial" panose="020B0604020202020204" pitchFamily="34" charset="0"/>
-              </a:rPr>
-              <a:t>(f, delimiter=’,’)</a:t>
-            </a:r>
-            <a:endParaRPr dirty="0">
-              <a:latin typeface="Arial" panose="020B0604020202020204" pitchFamily="34" charset="0"/>
-              <a:cs typeface="Arial" panose="020B0604020202020204" pitchFamily="34" charset="0"/>
+            <a:endParaRPr>
+              <a:latin typeface="Arial"/>
+              <a:ea typeface="Arial"/>
+              <a:cs typeface="Arial"/>
+              <a:sym typeface="Arial"/>
             </a:endParaRPr>
           </a:p>
           <a:p>
             <a:pPr marL="914400" lvl="1" indent="-317500" algn="l" rtl="0">
+              <a:lnSpc>
+                <a:spcPct val="100000"/>
+              </a:lnSpc>
               <a:spcBef>
                 <a:spcPts val="0"/>
               </a:spcBef>
@@ -9192,26 +10460,26 @@
               <a:buChar char="○"/>
             </a:pPr>
             <a:r>
-              <a:rPr lang="en" dirty="0" err="1">
-                <a:latin typeface="Arial" panose="020B0604020202020204" pitchFamily="34" charset="0"/>
-                <a:cs typeface="Arial" panose="020B0604020202020204" pitchFamily="34" charset="0"/>
+              <a:rPr lang="en-US">
+                <a:latin typeface="Arial"/>
+                <a:ea typeface="Arial"/>
+                <a:cs typeface="Arial"/>
+                <a:sym typeface="Arial"/>
               </a:rPr>
-              <a:t>writer.writerow</a:t>
+              <a:t>writer.writerow(list) : write list to row of csv file</a:t>
             </a:r>
-            <a:r>
-              <a:rPr lang="en" dirty="0">
-                <a:latin typeface="Arial" panose="020B0604020202020204" pitchFamily="34" charset="0"/>
-                <a:cs typeface="Arial" panose="020B0604020202020204" pitchFamily="34" charset="0"/>
-              </a:rPr>
-              <a:t>(&lt;list&gt;) : write list to row of csv file</a:t>
-            </a:r>
-            <a:endParaRPr dirty="0">
-              <a:latin typeface="Arial" panose="020B0604020202020204" pitchFamily="34" charset="0"/>
-              <a:cs typeface="Arial" panose="020B0604020202020204" pitchFamily="34" charset="0"/>
+            <a:endParaRPr>
+              <a:latin typeface="Arial"/>
+              <a:ea typeface="Arial"/>
+              <a:cs typeface="Arial"/>
+              <a:sym typeface="Arial"/>
             </a:endParaRPr>
           </a:p>
           <a:p>
             <a:pPr marL="457200" lvl="0" indent="-342900" algn="l" rtl="0">
+              <a:lnSpc>
+                <a:spcPct val="100000"/>
+              </a:lnSpc>
               <a:spcBef>
                 <a:spcPts val="0"/>
               </a:spcBef>
@@ -9222,19 +10490,26 @@
               <a:buChar char="●"/>
             </a:pPr>
             <a:r>
-              <a:rPr lang="en" dirty="0">
-                <a:latin typeface="Arial" panose="020B0604020202020204" pitchFamily="34" charset="0"/>
-                <a:cs typeface="Arial" panose="020B0604020202020204" pitchFamily="34" charset="0"/>
+              <a:rPr lang="en-US">
+                <a:latin typeface="Arial"/>
+                <a:ea typeface="Arial"/>
+                <a:cs typeface="Arial"/>
+                <a:sym typeface="Arial"/>
               </a:rPr>
               <a:t>with statement</a:t>
             </a:r>
-            <a:endParaRPr dirty="0">
-              <a:latin typeface="Arial" panose="020B0604020202020204" pitchFamily="34" charset="0"/>
-              <a:cs typeface="Arial" panose="020B0604020202020204" pitchFamily="34" charset="0"/>
+            <a:endParaRPr>
+              <a:latin typeface="Arial"/>
+              <a:ea typeface="Arial"/>
+              <a:cs typeface="Arial"/>
+              <a:sym typeface="Arial"/>
             </a:endParaRPr>
           </a:p>
           <a:p>
             <a:pPr marL="914400" lvl="1" indent="-317500" algn="l" rtl="0">
+              <a:lnSpc>
+                <a:spcPct val="100000"/>
+              </a:lnSpc>
               <a:spcBef>
                 <a:spcPts val="0"/>
               </a:spcBef>
@@ -9245,15 +10520,19 @@
               <a:buChar char="○"/>
             </a:pPr>
             <a:r>
-              <a:rPr lang="en" dirty="0">
-                <a:latin typeface="Arial" panose="020B0604020202020204" pitchFamily="34" charset="0"/>
-                <a:cs typeface="Arial" panose="020B0604020202020204" pitchFamily="34" charset="0"/>
+              <a:rPr lang="en-US">
+                <a:latin typeface="Arial"/>
+                <a:ea typeface="Arial"/>
+                <a:cs typeface="Arial"/>
+                <a:sym typeface="Arial"/>
               </a:rPr>
               <a:t>Closes file automatically</a:t>
             </a:r>
-            <a:endParaRPr dirty="0">
-              <a:latin typeface="Arial" panose="020B0604020202020204" pitchFamily="34" charset="0"/>
-              <a:cs typeface="Arial" panose="020B0604020202020204" pitchFamily="34" charset="0"/>
+            <a:endParaRPr>
+              <a:latin typeface="Arial"/>
+              <a:ea typeface="Arial"/>
+              <a:cs typeface="Arial"/>
+              <a:sym typeface="Arial"/>
             </a:endParaRPr>
           </a:p>
         </p:txBody>
@@ -9271,7 +10550,7 @@
   <p:cSld>
     <p:spTree>
       <p:nvGrpSpPr>
-        <p:cNvPr id="1" name="Shape 71"/>
+        <p:cNvPr id="1" name="Shape 61"/>
         <p:cNvGrpSpPr/>
         <p:nvPr/>
       </p:nvGrpSpPr>
@@ -9285,7 +10564,7 @@
       </p:grpSpPr>
       <p:sp>
         <p:nvSpPr>
-          <p:cNvPr id="72" name="Google Shape;72;p16"/>
+          <p:cNvPr id="62" name="Google Shape;62;p15"/>
           <p:cNvSpPr txBox="1">
             <a:spLocks noGrp="1"/>
           </p:cNvSpPr>
@@ -9301,6 +10580,10 @@
           <a:prstGeom prst="rect">
             <a:avLst/>
           </a:prstGeom>
+          <a:noFill/>
+          <a:ln>
+            <a:noFill/>
+          </a:ln>
         </p:spPr>
         <p:txBody>
           <a:bodyPr spcFirstLastPara="1" wrap="square" lIns="91425" tIns="91425" rIns="91425" bIns="91425" anchor="t" anchorCtr="0">
@@ -9309,16 +10592,20 @@
           <a:lstStyle/>
           <a:p>
             <a:pPr marL="0" lvl="0" indent="0" algn="l" rtl="0">
-              <a:spcBef>
-                <a:spcPts val="0"/>
-              </a:spcBef>
-              <a:spcAft>
-                <a:spcPts val="0"/>
-              </a:spcAft>
+              <a:lnSpc>
+                <a:spcPct val="100000"/>
+              </a:lnSpc>
+              <a:spcBef>
+                <a:spcPts val="0"/>
+              </a:spcBef>
+              <a:spcAft>
+                <a:spcPts val="0"/>
+              </a:spcAft>
+              <a:buSzPct val="103703"/>
               <a:buNone/>
             </a:pPr>
             <a:r>
-              <a:rPr lang="en"/>
+              <a:rPr lang="en-US"/>
               <a:t>Regex</a:t>
             </a:r>
             <a:endParaRPr/>
@@ -9327,7 +10614,7 @@
       </p:sp>
       <p:sp>
         <p:nvSpPr>
-          <p:cNvPr id="73" name="Google Shape;73;p16"/>
+          <p:cNvPr id="63" name="Google Shape;63;p15"/>
           <p:cNvSpPr txBox="1">
             <a:spLocks noGrp="1"/>
           </p:cNvSpPr>
@@ -9343,330 +10630,568 @@
           <a:prstGeom prst="rect">
             <a:avLst/>
           </a:prstGeom>
+          <a:noFill/>
+          <a:ln>
+            <a:noFill/>
+          </a:ln>
         </p:spPr>
         <p:txBody>
           <a:bodyPr spcFirstLastPara="1" wrap="square" lIns="91425" tIns="91425" rIns="91425" bIns="91425" anchor="t" anchorCtr="0">
-            <a:normAutofit lnSpcReduction="10000"/>
+            <a:normAutofit fontScale="85000" lnSpcReduction="20000"/>
           </a:bodyPr>
           <a:lstStyle/>
           <a:p>
-            <a:pPr marL="457200" lvl="0" indent="-342900" algn="l" rtl="0">
-              <a:spcBef>
-                <a:spcPts val="0"/>
-              </a:spcBef>
-              <a:spcAft>
-                <a:spcPts val="0"/>
-              </a:spcAft>
-              <a:buSzPts val="1800"/>
+            <a:pPr marL="457200" lvl="0" indent="-325755" algn="l" rtl="0">
+              <a:lnSpc>
+                <a:spcPct val="100000"/>
+              </a:lnSpc>
+              <a:spcBef>
+                <a:spcPts val="0"/>
+              </a:spcBef>
+              <a:spcAft>
+                <a:spcPts val="0"/>
+              </a:spcAft>
+              <a:buSzPct val="100000"/>
               <a:buChar char="●"/>
             </a:pPr>
             <a:r>
-              <a:rPr lang="en" dirty="0" err="1">
-                <a:latin typeface="Arial" panose="020B0604020202020204" pitchFamily="34" charset="0"/>
-                <a:cs typeface="Arial" panose="020B0604020202020204" pitchFamily="34" charset="0"/>
+              <a:rPr lang="en-US" dirty="0" err="1">
+                <a:latin typeface="Arial"/>
+                <a:ea typeface="Arial"/>
+                <a:cs typeface="Arial"/>
+                <a:sym typeface="Arial"/>
               </a:rPr>
               <a:t>re.findall</a:t>
             </a:r>
             <a:r>
-              <a:rPr lang="en" dirty="0">
-                <a:latin typeface="Arial" panose="020B0604020202020204" pitchFamily="34" charset="0"/>
-                <a:cs typeface="Arial" panose="020B0604020202020204" pitchFamily="34" charset="0"/>
+              <a:rPr lang="en-US" dirty="0">
+                <a:latin typeface="Arial"/>
+                <a:ea typeface="Arial"/>
+                <a:cs typeface="Arial"/>
+                <a:sym typeface="Arial"/>
               </a:rPr>
               <a:t>(‘&lt;</a:t>
             </a:r>
             <a:r>
-              <a:rPr lang="en" dirty="0" err="1">
-                <a:latin typeface="Arial" panose="020B0604020202020204" pitchFamily="34" charset="0"/>
-                <a:cs typeface="Arial" panose="020B0604020202020204" pitchFamily="34" charset="0"/>
+              <a:rPr lang="en-US" dirty="0" err="1">
+                <a:latin typeface="Arial"/>
+                <a:ea typeface="Arial"/>
+                <a:cs typeface="Arial"/>
+                <a:sym typeface="Arial"/>
               </a:rPr>
               <a:t>re_string</a:t>
             </a:r>
             <a:r>
-              <a:rPr lang="en" dirty="0">
-                <a:latin typeface="Arial" panose="020B0604020202020204" pitchFamily="34" charset="0"/>
-                <a:cs typeface="Arial" panose="020B0604020202020204" pitchFamily="34" charset="0"/>
+              <a:rPr lang="en-US" dirty="0">
+                <a:latin typeface="Arial"/>
+                <a:ea typeface="Arial"/>
+                <a:cs typeface="Arial"/>
+                <a:sym typeface="Arial"/>
               </a:rPr>
               <a:t>&gt;’, &lt;string&gt;) : returns a list of strings that match the regex</a:t>
             </a:r>
             <a:endParaRPr dirty="0">
-              <a:latin typeface="Arial" panose="020B0604020202020204" pitchFamily="34" charset="0"/>
-              <a:cs typeface="Arial" panose="020B0604020202020204" pitchFamily="34" charset="0"/>
+              <a:latin typeface="Arial"/>
+              <a:ea typeface="Arial"/>
+              <a:cs typeface="Arial"/>
+              <a:sym typeface="Arial"/>
             </a:endParaRPr>
           </a:p>
           <a:p>
-            <a:pPr marL="457200" lvl="0" indent="-342900" algn="l" rtl="0">
-              <a:spcBef>
-                <a:spcPts val="0"/>
-              </a:spcBef>
-              <a:spcAft>
-                <a:spcPts val="0"/>
-              </a:spcAft>
-              <a:buSzPts val="1800"/>
+            <a:pPr marL="457200" lvl="0" indent="-325755" algn="l" rtl="0">
+              <a:lnSpc>
+                <a:spcPct val="100000"/>
+              </a:lnSpc>
+              <a:spcBef>
+                <a:spcPts val="0"/>
+              </a:spcBef>
+              <a:spcAft>
+                <a:spcPts val="0"/>
+              </a:spcAft>
+              <a:buSzPct val="100000"/>
               <a:buChar char="●"/>
             </a:pPr>
             <a:r>
-              <a:rPr lang="en" dirty="0">
-                <a:latin typeface="Arial" panose="020B0604020202020204" pitchFamily="34" charset="0"/>
-                <a:cs typeface="Arial" panose="020B0604020202020204" pitchFamily="34" charset="0"/>
+              <a:rPr lang="en-US" dirty="0">
+                <a:latin typeface="Arial"/>
+                <a:ea typeface="Arial"/>
+                <a:cs typeface="Arial"/>
+                <a:sym typeface="Arial"/>
               </a:rPr>
               <a:t>When using the \b character, make sure your string is a raw string </a:t>
             </a:r>
             <a:endParaRPr dirty="0">
-              <a:latin typeface="Arial" panose="020B0604020202020204" pitchFamily="34" charset="0"/>
-              <a:cs typeface="Arial" panose="020B0604020202020204" pitchFamily="34" charset="0"/>
+              <a:latin typeface="Arial"/>
+              <a:ea typeface="Arial"/>
+              <a:cs typeface="Arial"/>
+              <a:sym typeface="Arial"/>
             </a:endParaRPr>
           </a:p>
           <a:p>
-            <a:pPr marL="457200" lvl="0" indent="-342900" algn="l" rtl="0">
-              <a:spcBef>
-                <a:spcPts val="0"/>
-              </a:spcBef>
-              <a:spcAft>
-                <a:spcPts val="0"/>
-              </a:spcAft>
-              <a:buSzPts val="1800"/>
+            <a:pPr marL="457200" lvl="0" indent="-325755" algn="l" rtl="0">
+              <a:lnSpc>
+                <a:spcPct val="100000"/>
+              </a:lnSpc>
+              <a:spcBef>
+                <a:spcPts val="0"/>
+              </a:spcBef>
+              <a:spcAft>
+                <a:spcPts val="0"/>
+              </a:spcAft>
+              <a:buSzPct val="100000"/>
               <a:buChar char="●"/>
             </a:pPr>
             <a:r>
-              <a:rPr lang="en" dirty="0">
-                <a:latin typeface="Arial" panose="020B0604020202020204" pitchFamily="34" charset="0"/>
-                <a:cs typeface="Arial" panose="020B0604020202020204" pitchFamily="34" charset="0"/>
+              <a:rPr lang="en-US" dirty="0">
+                <a:latin typeface="Arial"/>
+                <a:ea typeface="Arial"/>
+                <a:cs typeface="Arial"/>
+                <a:sym typeface="Arial"/>
               </a:rPr>
               <a:t>Special characters:</a:t>
             </a:r>
             <a:endParaRPr dirty="0">
-              <a:latin typeface="Arial" panose="020B0604020202020204" pitchFamily="34" charset="0"/>
-              <a:cs typeface="Arial" panose="020B0604020202020204" pitchFamily="34" charset="0"/>
+              <a:latin typeface="Arial"/>
+              <a:ea typeface="Arial"/>
+              <a:cs typeface="Arial"/>
+              <a:sym typeface="Arial"/>
             </a:endParaRPr>
           </a:p>
           <a:p>
-            <a:pPr marL="914400" lvl="1" indent="-317500" algn="l" rtl="0">
-              <a:spcBef>
-                <a:spcPts val="0"/>
-              </a:spcBef>
-              <a:spcAft>
-                <a:spcPts val="0"/>
-              </a:spcAft>
-              <a:buSzPts val="1400"/>
+            <a:pPr marL="914400" lvl="1" indent="-304165" algn="l" rtl="0">
+              <a:lnSpc>
+                <a:spcPct val="100000"/>
+              </a:lnSpc>
+              <a:spcBef>
+                <a:spcPts val="0"/>
+              </a:spcBef>
+              <a:spcAft>
+                <a:spcPts val="0"/>
+              </a:spcAft>
+              <a:buSzPct val="77777"/>
               <a:buChar char="○"/>
             </a:pPr>
             <a:r>
-              <a:rPr lang="en" dirty="0">
-                <a:latin typeface="Arial" panose="020B0604020202020204" pitchFamily="34" charset="0"/>
-                <a:cs typeface="Arial" panose="020B0604020202020204" pitchFamily="34" charset="0"/>
+              <a:rPr lang="en-US" dirty="0">
+                <a:latin typeface="Arial"/>
+                <a:ea typeface="Arial"/>
+                <a:cs typeface="Arial"/>
+                <a:sym typeface="Arial"/>
               </a:rPr>
               <a:t>\w - Alphanumeric characters and underscore</a:t>
             </a:r>
             <a:endParaRPr dirty="0">
-              <a:latin typeface="Arial" panose="020B0604020202020204" pitchFamily="34" charset="0"/>
-              <a:cs typeface="Arial" panose="020B0604020202020204" pitchFamily="34" charset="0"/>
+              <a:latin typeface="Arial"/>
+              <a:ea typeface="Arial"/>
+              <a:cs typeface="Arial"/>
+              <a:sym typeface="Arial"/>
             </a:endParaRPr>
           </a:p>
           <a:p>
-            <a:pPr marL="914400" lvl="1" indent="-317500" algn="l" rtl="0">
-              <a:spcBef>
-                <a:spcPts val="0"/>
-              </a:spcBef>
-              <a:spcAft>
-                <a:spcPts val="0"/>
-              </a:spcAft>
-              <a:buSzPts val="1400"/>
+            <a:pPr marL="914400" lvl="1" indent="-304165" algn="l" rtl="0">
+              <a:lnSpc>
+                <a:spcPct val="100000"/>
+              </a:lnSpc>
+              <a:spcBef>
+                <a:spcPts val="0"/>
+              </a:spcBef>
+              <a:spcAft>
+                <a:spcPts val="0"/>
+              </a:spcAft>
+              <a:buSzPct val="77777"/>
               <a:buChar char="○"/>
             </a:pPr>
             <a:r>
-              <a:rPr lang="en" dirty="0">
-                <a:latin typeface="Arial" panose="020B0604020202020204" pitchFamily="34" charset="0"/>
-                <a:cs typeface="Arial" panose="020B0604020202020204" pitchFamily="34" charset="0"/>
+              <a:rPr lang="en-US" dirty="0">
+                <a:latin typeface="Arial"/>
+                <a:ea typeface="Arial"/>
+                <a:cs typeface="Arial"/>
+                <a:sym typeface="Arial"/>
               </a:rPr>
-              <a:t>[] - set of characters</a:t>
+              <a:t>[...] - set of characters</a:t>
             </a:r>
             <a:endParaRPr dirty="0">
-              <a:latin typeface="Arial" panose="020B0604020202020204" pitchFamily="34" charset="0"/>
-              <a:cs typeface="Arial" panose="020B0604020202020204" pitchFamily="34" charset="0"/>
+              <a:latin typeface="Arial"/>
+              <a:ea typeface="Arial"/>
+              <a:cs typeface="Arial"/>
+              <a:sym typeface="Arial"/>
             </a:endParaRPr>
           </a:p>
           <a:p>
-            <a:pPr marL="914400" lvl="1" indent="-317500" algn="l" rtl="0">
-              <a:spcBef>
-                <a:spcPts val="0"/>
-              </a:spcBef>
-              <a:spcAft>
-                <a:spcPts val="0"/>
-              </a:spcAft>
-              <a:buSzPts val="1400"/>
+            <a:pPr marL="914400" lvl="1" indent="-304165" algn="l" rtl="0">
+              <a:lnSpc>
+                <a:spcPct val="100000"/>
+              </a:lnSpc>
+              <a:spcBef>
+                <a:spcPts val="0"/>
+              </a:spcBef>
+              <a:spcAft>
+                <a:spcPts val="0"/>
+              </a:spcAft>
+              <a:buSzPct val="77777"/>
+              <a:buFont typeface="Arial"/>
               <a:buChar char="○"/>
             </a:pPr>
             <a:r>
-              <a:rPr lang="en" dirty="0">
-                <a:latin typeface="Arial" panose="020B0604020202020204" pitchFamily="34" charset="0"/>
-                <a:cs typeface="Arial" panose="020B0604020202020204" pitchFamily="34" charset="0"/>
+              <a:rPr lang="en-US" dirty="0">
+                <a:latin typeface="Arial"/>
+                <a:ea typeface="Arial"/>
+                <a:cs typeface="Arial"/>
+                <a:sym typeface="Arial"/>
+              </a:rPr>
+              <a:t>[^...] - Any character not in the brackets</a:t>
+            </a:r>
+            <a:endParaRPr dirty="0">
+              <a:latin typeface="Arial"/>
+              <a:ea typeface="Arial"/>
+              <a:cs typeface="Arial"/>
+              <a:sym typeface="Arial"/>
+            </a:endParaRPr>
+          </a:p>
+          <a:p>
+            <a:pPr marL="914400" lvl="1" indent="-304165" algn="l" rtl="0">
+              <a:lnSpc>
+                <a:spcPct val="100000"/>
+              </a:lnSpc>
+              <a:spcBef>
+                <a:spcPts val="0"/>
+              </a:spcBef>
+              <a:spcAft>
+                <a:spcPts val="0"/>
+              </a:spcAft>
+              <a:buSzPct val="77777"/>
+              <a:buChar char="○"/>
+            </a:pPr>
+            <a:r>
+              <a:rPr lang="en-US" dirty="0">
+                <a:latin typeface="Arial"/>
+                <a:ea typeface="Arial"/>
+                <a:cs typeface="Arial"/>
+                <a:sym typeface="Arial"/>
               </a:rPr>
               <a:t>\s - Any whitespace character</a:t>
             </a:r>
             <a:endParaRPr dirty="0">
-              <a:latin typeface="Arial" panose="020B0604020202020204" pitchFamily="34" charset="0"/>
-              <a:cs typeface="Arial" panose="020B0604020202020204" pitchFamily="34" charset="0"/>
+              <a:latin typeface="Arial"/>
+              <a:ea typeface="Arial"/>
+              <a:cs typeface="Arial"/>
+              <a:sym typeface="Arial"/>
             </a:endParaRPr>
           </a:p>
           <a:p>
-            <a:pPr marL="914400" lvl="1" indent="-317500" algn="l" rtl="0">
-              <a:spcBef>
-                <a:spcPts val="0"/>
-              </a:spcBef>
-              <a:spcAft>
-                <a:spcPts val="0"/>
-              </a:spcAft>
-              <a:buSzPts val="1400"/>
+            <a:pPr marL="914400" lvl="1" indent="-304165" algn="l" rtl="0">
+              <a:lnSpc>
+                <a:spcPct val="100000"/>
+              </a:lnSpc>
+              <a:spcBef>
+                <a:spcPts val="0"/>
+              </a:spcBef>
+              <a:spcAft>
+                <a:spcPts val="0"/>
+              </a:spcAft>
+              <a:buSzPct val="77777"/>
               <a:buChar char="○"/>
             </a:pPr>
             <a:r>
-              <a:rPr lang="en" dirty="0">
-                <a:latin typeface="Arial" panose="020B0604020202020204" pitchFamily="34" charset="0"/>
-                <a:cs typeface="Arial" panose="020B0604020202020204" pitchFamily="34" charset="0"/>
+              <a:rPr lang="en-US" dirty="0">
+                <a:latin typeface="Arial"/>
+                <a:ea typeface="Arial"/>
+                <a:cs typeface="Arial"/>
+                <a:sym typeface="Arial"/>
               </a:rPr>
               <a:t>. - Any character</a:t>
             </a:r>
             <a:endParaRPr dirty="0">
-              <a:latin typeface="Arial" panose="020B0604020202020204" pitchFamily="34" charset="0"/>
-              <a:cs typeface="Arial" panose="020B0604020202020204" pitchFamily="34" charset="0"/>
+              <a:latin typeface="Arial"/>
+              <a:ea typeface="Arial"/>
+              <a:cs typeface="Arial"/>
+              <a:sym typeface="Arial"/>
             </a:endParaRPr>
           </a:p>
           <a:p>
-            <a:pPr marL="914400" lvl="1" indent="-317500" algn="l" rtl="0">
-              <a:spcBef>
-                <a:spcPts val="0"/>
-              </a:spcBef>
-              <a:spcAft>
-                <a:spcPts val="0"/>
-              </a:spcAft>
-              <a:buSzPts val="1400"/>
+            <a:pPr marL="914400" lvl="1" indent="-304165" algn="l" rtl="0">
+              <a:lnSpc>
+                <a:spcPct val="100000"/>
+              </a:lnSpc>
+              <a:spcBef>
+                <a:spcPts val="0"/>
+              </a:spcBef>
+              <a:spcAft>
+                <a:spcPts val="0"/>
+              </a:spcAft>
+              <a:buSzPct val="77777"/>
               <a:buChar char="○"/>
             </a:pPr>
             <a:r>
-              <a:rPr lang="en" dirty="0">
-                <a:latin typeface="Arial" panose="020B0604020202020204" pitchFamily="34" charset="0"/>
-                <a:cs typeface="Arial" panose="020B0604020202020204" pitchFamily="34" charset="0"/>
+              <a:rPr lang="en-US" dirty="0">
+                <a:latin typeface="Arial"/>
+                <a:ea typeface="Arial"/>
+                <a:cs typeface="Arial"/>
+                <a:sym typeface="Arial"/>
               </a:rPr>
               <a:t>* - Repeat 0 or more times</a:t>
             </a:r>
             <a:endParaRPr dirty="0">
-              <a:latin typeface="Arial" panose="020B0604020202020204" pitchFamily="34" charset="0"/>
-              <a:cs typeface="Arial" panose="020B0604020202020204" pitchFamily="34" charset="0"/>
+              <a:latin typeface="Arial"/>
+              <a:ea typeface="Arial"/>
+              <a:cs typeface="Arial"/>
+              <a:sym typeface="Arial"/>
             </a:endParaRPr>
           </a:p>
           <a:p>
-            <a:pPr marL="914400" lvl="1" indent="-317500" algn="l" rtl="0">
-              <a:spcBef>
-                <a:spcPts val="0"/>
-              </a:spcBef>
-              <a:spcAft>
-                <a:spcPts val="0"/>
-              </a:spcAft>
-              <a:buSzPts val="1400"/>
+            <a:pPr marL="914400" lvl="1" indent="-304165" algn="l" rtl="0">
+              <a:lnSpc>
+                <a:spcPct val="100000"/>
+              </a:lnSpc>
+              <a:spcBef>
+                <a:spcPts val="0"/>
+              </a:spcBef>
+              <a:spcAft>
+                <a:spcPts val="0"/>
+              </a:spcAft>
+              <a:buSzPct val="77777"/>
               <a:buChar char="○"/>
             </a:pPr>
             <a:r>
-              <a:rPr lang="en" dirty="0">
-                <a:latin typeface="Arial" panose="020B0604020202020204" pitchFamily="34" charset="0"/>
-                <a:cs typeface="Arial" panose="020B0604020202020204" pitchFamily="34" charset="0"/>
+              <a:rPr lang="en-US" dirty="0">
+                <a:latin typeface="Arial"/>
+                <a:ea typeface="Arial"/>
+                <a:cs typeface="Arial"/>
+                <a:sym typeface="Arial"/>
               </a:rPr>
               <a:t>+ - Repeat 1 or more times</a:t>
             </a:r>
             <a:endParaRPr dirty="0">
-              <a:latin typeface="Arial" panose="020B0604020202020204" pitchFamily="34" charset="0"/>
-              <a:cs typeface="Arial" panose="020B0604020202020204" pitchFamily="34" charset="0"/>
+              <a:latin typeface="Arial"/>
+              <a:ea typeface="Arial"/>
+              <a:cs typeface="Arial"/>
+              <a:sym typeface="Arial"/>
             </a:endParaRPr>
           </a:p>
           <a:p>
-            <a:pPr marL="914400" lvl="1" indent="-317500" algn="l" rtl="0">
-              <a:spcBef>
-                <a:spcPts val="0"/>
-              </a:spcBef>
-              <a:spcAft>
-                <a:spcPts val="0"/>
-              </a:spcAft>
-              <a:buSzPts val="1400"/>
+            <a:pPr marL="914400" lvl="1" indent="-304165" algn="l" rtl="0">
+              <a:lnSpc>
+                <a:spcPct val="100000"/>
+              </a:lnSpc>
+              <a:spcBef>
+                <a:spcPts val="0"/>
+              </a:spcBef>
+              <a:spcAft>
+                <a:spcPts val="0"/>
+              </a:spcAft>
+              <a:buSzPct val="77777"/>
               <a:buChar char="○"/>
             </a:pPr>
             <a:r>
-              <a:rPr lang="en" dirty="0">
-                <a:latin typeface="Arial" panose="020B0604020202020204" pitchFamily="34" charset="0"/>
-                <a:cs typeface="Arial" panose="020B0604020202020204" pitchFamily="34" charset="0"/>
+              <a:rPr lang="en-US" dirty="0">
+                <a:latin typeface="Arial"/>
+                <a:ea typeface="Arial"/>
+                <a:cs typeface="Arial"/>
+                <a:sym typeface="Arial"/>
               </a:rPr>
               <a:t>\b - Boundary between alphanumeric characters and whitespace</a:t>
             </a:r>
             <a:endParaRPr dirty="0">
-              <a:latin typeface="Arial" panose="020B0604020202020204" pitchFamily="34" charset="0"/>
-              <a:cs typeface="Arial" panose="020B0604020202020204" pitchFamily="34" charset="0"/>
+              <a:latin typeface="Arial"/>
+              <a:ea typeface="Arial"/>
+              <a:cs typeface="Arial"/>
+              <a:sym typeface="Arial"/>
             </a:endParaRPr>
           </a:p>
           <a:p>
-            <a:pPr marL="914400" lvl="1" indent="-317500" algn="l" rtl="0">
-              <a:spcBef>
-                <a:spcPts val="0"/>
-              </a:spcBef>
-              <a:spcAft>
-                <a:spcPts val="0"/>
-              </a:spcAft>
-              <a:buSzPts val="1400"/>
+            <a:pPr marL="914400" lvl="1" indent="-304165" algn="l" rtl="0">
+              <a:lnSpc>
+                <a:spcPct val="100000"/>
+              </a:lnSpc>
+              <a:spcBef>
+                <a:spcPts val="0"/>
+              </a:spcBef>
+              <a:spcAft>
+                <a:spcPts val="0"/>
+              </a:spcAft>
+              <a:buSzPct val="77777"/>
               <a:buChar char="○"/>
             </a:pPr>
             <a:r>
-              <a:rPr lang="en" dirty="0">
-                <a:latin typeface="Arial" panose="020B0604020202020204" pitchFamily="34" charset="0"/>
-                <a:cs typeface="Arial" panose="020B0604020202020204" pitchFamily="34" charset="0"/>
+              <a:rPr lang="en-US" dirty="0">
+                <a:latin typeface="Arial"/>
+                <a:ea typeface="Arial"/>
+                <a:cs typeface="Arial"/>
+                <a:sym typeface="Arial"/>
               </a:rPr>
               <a:t>^ - start of a string</a:t>
             </a:r>
             <a:endParaRPr dirty="0">
-              <a:latin typeface="Arial" panose="020B0604020202020204" pitchFamily="34" charset="0"/>
-              <a:cs typeface="Arial" panose="020B0604020202020204" pitchFamily="34" charset="0"/>
+              <a:latin typeface="Arial"/>
+              <a:ea typeface="Arial"/>
+              <a:cs typeface="Arial"/>
+              <a:sym typeface="Arial"/>
             </a:endParaRPr>
           </a:p>
           <a:p>
-            <a:pPr marL="914400" lvl="1" indent="-317500" algn="l" rtl="0">
-              <a:spcBef>
-                <a:spcPts val="0"/>
-              </a:spcBef>
-              <a:spcAft>
-                <a:spcPts val="0"/>
-              </a:spcAft>
-              <a:buSzPts val="1400"/>
+            <a:pPr marL="914400" lvl="1" indent="-304165" algn="l" rtl="0">
+              <a:lnSpc>
+                <a:spcPct val="100000"/>
+              </a:lnSpc>
+              <a:spcBef>
+                <a:spcPts val="0"/>
+              </a:spcBef>
+              <a:spcAft>
+                <a:spcPts val="0"/>
+              </a:spcAft>
+              <a:buSzPct val="77777"/>
               <a:buChar char="○"/>
             </a:pPr>
             <a:r>
-              <a:rPr lang="en" dirty="0">
-                <a:latin typeface="Arial" panose="020B0604020202020204" pitchFamily="34" charset="0"/>
-                <a:cs typeface="Arial" panose="020B0604020202020204" pitchFamily="34" charset="0"/>
+              <a:rPr lang="en-US" dirty="0">
+                <a:latin typeface="Arial"/>
+                <a:ea typeface="Arial"/>
+                <a:cs typeface="Arial"/>
+                <a:sym typeface="Arial"/>
               </a:rPr>
               <a:t>$ - End of a string</a:t>
             </a:r>
             <a:endParaRPr dirty="0">
-              <a:latin typeface="Arial" panose="020B0604020202020204" pitchFamily="34" charset="0"/>
-              <a:cs typeface="Arial" panose="020B0604020202020204" pitchFamily="34" charset="0"/>
+              <a:latin typeface="Arial"/>
+              <a:ea typeface="Arial"/>
+              <a:cs typeface="Arial"/>
+              <a:sym typeface="Arial"/>
             </a:endParaRPr>
           </a:p>
           <a:p>
-            <a:pPr marL="914400" lvl="1" indent="-317500" algn="l" rtl="0">
-              <a:spcBef>
-                <a:spcPts val="0"/>
-              </a:spcBef>
-              <a:spcAft>
-                <a:spcPts val="0"/>
-              </a:spcAft>
-              <a:buSzPts val="1400"/>
+            <a:pPr marL="914400" lvl="1" indent="-304165" algn="l" rtl="0">
+              <a:lnSpc>
+                <a:spcPct val="100000"/>
+              </a:lnSpc>
+              <a:spcBef>
+                <a:spcPts val="0"/>
+              </a:spcBef>
+              <a:spcAft>
+                <a:spcPts val="0"/>
+              </a:spcAft>
+              <a:buSzPct val="77777"/>
               <a:buChar char="○"/>
             </a:pPr>
             <a:r>
-              <a:rPr lang="en" dirty="0">
-                <a:latin typeface="Arial" panose="020B0604020202020204" pitchFamily="34" charset="0"/>
-                <a:cs typeface="Arial" panose="020B0604020202020204" pitchFamily="34" charset="0"/>
+              <a:rPr lang="en-US" dirty="0">
+                <a:latin typeface="Arial"/>
+                <a:ea typeface="Arial"/>
+                <a:cs typeface="Arial"/>
+                <a:sym typeface="Arial"/>
+              </a:rPr>
+              <a:t>(...) - Returns only the expression inside the parenthesis</a:t>
+            </a:r>
+            <a:endParaRPr dirty="0">
+              <a:latin typeface="Arial"/>
+              <a:ea typeface="Arial"/>
+              <a:cs typeface="Arial"/>
+              <a:sym typeface="Arial"/>
+            </a:endParaRPr>
+          </a:p>
+          <a:p>
+            <a:pPr marL="914400" lvl="1" indent="-304165" algn="l" rtl="0">
+              <a:lnSpc>
+                <a:spcPct val="100000"/>
+              </a:lnSpc>
+              <a:spcBef>
+                <a:spcPts val="0"/>
+              </a:spcBef>
+              <a:spcAft>
+                <a:spcPts val="0"/>
+              </a:spcAft>
+              <a:buSzPct val="80000"/>
+              <a:buFont typeface="Arial"/>
+              <a:buChar char="○"/>
+            </a:pPr>
+            <a:r>
+              <a:rPr lang="en-US" dirty="0">
+                <a:latin typeface="Arial"/>
+                <a:ea typeface="Arial"/>
+                <a:cs typeface="Arial"/>
+                <a:sym typeface="Arial"/>
+              </a:rPr>
+              <a:t>(?:...) - </a:t>
+            </a:r>
+            <a:r>
+              <a:rPr lang="en-US" sz="1750" dirty="0">
+                <a:solidFill>
+                  <a:schemeClr val="dk1"/>
+                </a:solidFill>
+                <a:latin typeface="Arial"/>
+                <a:ea typeface="Arial"/>
+                <a:cs typeface="Arial"/>
+                <a:sym typeface="Arial"/>
+              </a:rPr>
+              <a:t>Treats the characters in the </a:t>
+            </a:r>
+            <a:r>
+              <a:rPr lang="en-US" sz="1750" dirty="0" err="1">
+                <a:solidFill>
+                  <a:schemeClr val="dk1"/>
+                </a:solidFill>
+                <a:latin typeface="Arial"/>
+                <a:ea typeface="Arial"/>
+                <a:cs typeface="Arial"/>
+                <a:sym typeface="Arial"/>
+              </a:rPr>
+              <a:t>parens</a:t>
+            </a:r>
+            <a:r>
+              <a:rPr lang="en-US" sz="1750" dirty="0">
+                <a:solidFill>
+                  <a:schemeClr val="dk1"/>
+                </a:solidFill>
+                <a:latin typeface="Arial"/>
+                <a:ea typeface="Arial"/>
+                <a:cs typeface="Arial"/>
+                <a:sym typeface="Arial"/>
+              </a:rPr>
+              <a:t> as a whole expression. </a:t>
+            </a:r>
+            <a:r>
+              <a:rPr lang="en-US" sz="1750">
+                <a:solidFill>
+                  <a:schemeClr val="dk1"/>
+                </a:solidFill>
+                <a:latin typeface="Arial"/>
+                <a:ea typeface="Arial"/>
+                <a:cs typeface="Arial"/>
+                <a:sym typeface="Arial"/>
+              </a:rPr>
+              <a:t>The ?: negates the effect of grouping and returns the full matched string.</a:t>
+            </a:r>
+            <a:endParaRPr sz="1750">
+              <a:solidFill>
+                <a:schemeClr val="dk1"/>
+              </a:solidFill>
+              <a:latin typeface="Arial"/>
+              <a:ea typeface="Arial"/>
+              <a:cs typeface="Arial"/>
+              <a:sym typeface="Arial"/>
+            </a:endParaRPr>
+          </a:p>
+          <a:p>
+            <a:pPr indent="-304165">
+              <a:buSzPct val="77777"/>
+              <a:buChar char="○"/>
+            </a:pPr>
+            <a:r>
+              <a:rPr lang="en-US">
+                <a:solidFill>
+                  <a:schemeClr val="dk1"/>
+                </a:solidFill>
+                <a:latin typeface="Arial"/>
+                <a:ea typeface="Arial"/>
+                <a:cs typeface="Arial"/>
+                <a:sym typeface="Arial"/>
               </a:rPr>
               <a:t>See regex cheat sheet for more special characters</a:t>
             </a:r>
-            <a:endParaRPr dirty="0">
-              <a:latin typeface="Arial" panose="020B0604020202020204" pitchFamily="34" charset="0"/>
-              <a:cs typeface="Arial" panose="020B0604020202020204" pitchFamily="34" charset="0"/>
+            <a:endParaRPr>
+              <a:latin typeface="Arial"/>
+              <a:ea typeface="Arial"/>
+              <a:cs typeface="Arial"/>
+              <a:sym typeface="Arial"/>
             </a:endParaRPr>
           </a:p>
         </p:txBody>
@@ -9684,7 +11209,7 @@
   <p:cSld>
     <p:spTree>
       <p:nvGrpSpPr>
-        <p:cNvPr id="1" name="Shape 77"/>
+        <p:cNvPr id="1" name="Shape 67"/>
         <p:cNvGrpSpPr/>
         <p:nvPr/>
       </p:nvGrpSpPr>
@@ -9698,7 +11223,7 @@
       </p:grpSpPr>
       <p:sp>
         <p:nvSpPr>
-          <p:cNvPr id="78" name="Google Shape;78;p17"/>
+          <p:cNvPr id="68" name="Google Shape;68;p16"/>
           <p:cNvSpPr txBox="1">
             <a:spLocks noGrp="1"/>
           </p:cNvSpPr>
@@ -9714,6 +11239,10 @@
           <a:prstGeom prst="rect">
             <a:avLst/>
           </a:prstGeom>
+          <a:noFill/>
+          <a:ln>
+            <a:noFill/>
+          </a:ln>
         </p:spPr>
         <p:txBody>
           <a:bodyPr spcFirstLastPara="1" wrap="square" lIns="91425" tIns="91425" rIns="91425" bIns="91425" anchor="t" anchorCtr="0">
@@ -9722,25 +11251,29 @@
           <a:lstStyle/>
           <a:p>
             <a:pPr marL="0" lvl="0" indent="0" algn="l" rtl="0">
-              <a:spcBef>
-                <a:spcPts val="0"/>
-              </a:spcBef>
-              <a:spcAft>
-                <a:spcPts val="0"/>
-              </a:spcAft>
+              <a:lnSpc>
+                <a:spcPct val="100000"/>
+              </a:lnSpc>
+              <a:spcBef>
+                <a:spcPts val="0"/>
+              </a:spcBef>
+              <a:spcAft>
+                <a:spcPts val="0"/>
+              </a:spcAft>
+              <a:buSzPct val="103703"/>
               <a:buNone/>
             </a:pPr>
             <a:r>
-              <a:rPr lang="en" dirty="0" err="1"/>
+              <a:rPr lang="en-US"/>
               <a:t>BeautifulSoup</a:t>
             </a:r>
-            <a:endParaRPr dirty="0"/>
+            <a:endParaRPr/>
           </a:p>
         </p:txBody>
       </p:sp>
       <p:sp>
         <p:nvSpPr>
-          <p:cNvPr id="79" name="Google Shape;79;p17"/>
+          <p:cNvPr id="69" name="Google Shape;69;p16"/>
           <p:cNvSpPr txBox="1">
             <a:spLocks noGrp="1"/>
           </p:cNvSpPr>
@@ -9756,6 +11289,10 @@
           <a:prstGeom prst="rect">
             <a:avLst/>
           </a:prstGeom>
+          <a:noFill/>
+          <a:ln>
+            <a:noFill/>
+          </a:ln>
         </p:spPr>
         <p:txBody>
           <a:bodyPr spcFirstLastPara="1" wrap="square" lIns="91425" tIns="91425" rIns="91425" bIns="91425" anchor="t" anchorCtr="0">
@@ -9764,6 +11301,9 @@
           <a:lstStyle/>
           <a:p>
             <a:pPr marL="457200" lvl="0" indent="-342900" algn="l" rtl="0">
+              <a:lnSpc>
+                <a:spcPct val="100000"/>
+              </a:lnSpc>
               <a:spcBef>
                 <a:spcPts val="0"/>
               </a:spcBef>
@@ -9774,19 +11314,26 @@
               <a:buChar char="●"/>
             </a:pPr>
             <a:r>
-              <a:rPr lang="en" dirty="0">
-                <a:latin typeface="Arial" panose="020B0604020202020204" pitchFamily="34" charset="0"/>
-                <a:cs typeface="Arial" panose="020B0604020202020204" pitchFamily="34" charset="0"/>
+              <a:rPr lang="en-US">
+                <a:latin typeface="Arial"/>
+                <a:ea typeface="Arial"/>
+                <a:cs typeface="Arial"/>
+                <a:sym typeface="Arial"/>
               </a:rPr>
               <a:t>3 steps</a:t>
             </a:r>
-            <a:endParaRPr dirty="0">
-              <a:latin typeface="Arial" panose="020B0604020202020204" pitchFamily="34" charset="0"/>
-              <a:cs typeface="Arial" panose="020B0604020202020204" pitchFamily="34" charset="0"/>
+            <a:endParaRPr>
+              <a:latin typeface="Arial"/>
+              <a:ea typeface="Arial"/>
+              <a:cs typeface="Arial"/>
+              <a:sym typeface="Arial"/>
             </a:endParaRPr>
           </a:p>
           <a:p>
             <a:pPr marL="914400" lvl="1" indent="-317500" algn="l" rtl="0">
+              <a:lnSpc>
+                <a:spcPct val="100000"/>
+              </a:lnSpc>
               <a:spcBef>
                 <a:spcPts val="0"/>
               </a:spcBef>
@@ -9797,33 +11344,26 @@
               <a:buChar char="○"/>
             </a:pPr>
             <a:r>
-              <a:rPr lang="en" dirty="0">
-                <a:latin typeface="Arial" panose="020B0604020202020204" pitchFamily="34" charset="0"/>
-                <a:cs typeface="Arial" panose="020B0604020202020204" pitchFamily="34" charset="0"/>
+              <a:rPr lang="en-US">
+                <a:latin typeface="Arial"/>
+                <a:ea typeface="Arial"/>
+                <a:cs typeface="Arial"/>
+                <a:sym typeface="Arial"/>
               </a:rPr>
-              <a:t>Create variables that stores </a:t>
+              <a:t>Store the url of website in a variable</a:t>
             </a:r>
-            <a:r>
-              <a:rPr lang="en" dirty="0" err="1">
-                <a:latin typeface="Arial" panose="020B0604020202020204" pitchFamily="34" charset="0"/>
-                <a:cs typeface="Arial" panose="020B0604020202020204" pitchFamily="34" charset="0"/>
-              </a:rPr>
-              <a:t>url</a:t>
-            </a:r>
-            <a:r>
-              <a:rPr lang="en" dirty="0">
-                <a:latin typeface="Arial" panose="020B0604020202020204" pitchFamily="34" charset="0"/>
-                <a:cs typeface="Arial" panose="020B0604020202020204" pitchFamily="34" charset="0"/>
-              </a:rPr>
-              <a:t> of website</a:t>
-            </a:r>
-            <a:endParaRPr dirty="0">
-              <a:latin typeface="Arial" panose="020B0604020202020204" pitchFamily="34" charset="0"/>
-              <a:cs typeface="Arial" panose="020B0604020202020204" pitchFamily="34" charset="0"/>
+            <a:endParaRPr>
+              <a:latin typeface="Arial"/>
+              <a:ea typeface="Arial"/>
+              <a:cs typeface="Arial"/>
+              <a:sym typeface="Arial"/>
             </a:endParaRPr>
           </a:p>
           <a:p>
             <a:pPr marL="914400" lvl="1" indent="-317500" algn="l" rtl="0">
+              <a:lnSpc>
+                <a:spcPct val="100000"/>
+              </a:lnSpc>
               <a:spcBef>
                 <a:spcPts val="0"/>
               </a:spcBef>
@@ -9834,26 +11374,26 @@
               <a:buChar char="○"/>
             </a:pPr>
             <a:r>
-              <a:rPr lang="en" dirty="0">
-                <a:latin typeface="Arial" panose="020B0604020202020204" pitchFamily="34" charset="0"/>
-                <a:cs typeface="Arial" panose="020B0604020202020204" pitchFamily="34" charset="0"/>
+              <a:rPr lang="en-US">
+                <a:latin typeface="Arial"/>
+                <a:ea typeface="Arial"/>
+                <a:cs typeface="Arial"/>
+                <a:sym typeface="Arial"/>
               </a:rPr>
-              <a:t>Get the data from the </a:t>
+              <a:t>Get the data from the url</a:t>
             </a:r>
-            <a:r>
-              <a:rPr lang="en" dirty="0" err="1">
-                <a:latin typeface="Arial" panose="020B0604020202020204" pitchFamily="34" charset="0"/>
-                <a:cs typeface="Arial" panose="020B0604020202020204" pitchFamily="34" charset="0"/>
-              </a:rPr>
-              <a:t>url</a:t>
-            </a:r>
-            <a:endParaRPr dirty="0">
-              <a:latin typeface="Arial" panose="020B0604020202020204" pitchFamily="34" charset="0"/>
-              <a:cs typeface="Arial" panose="020B0604020202020204" pitchFamily="34" charset="0"/>
+            <a:endParaRPr>
+              <a:latin typeface="Arial"/>
+              <a:ea typeface="Arial"/>
+              <a:cs typeface="Arial"/>
+              <a:sym typeface="Arial"/>
             </a:endParaRPr>
           </a:p>
           <a:p>
             <a:pPr marL="1371600" lvl="2" indent="-317500" algn="l" rtl="0">
+              <a:lnSpc>
+                <a:spcPct val="100000"/>
+              </a:lnSpc>
               <a:spcBef>
                 <a:spcPts val="0"/>
               </a:spcBef>
@@ -9864,47 +11404,26 @@
               <a:buChar char="■"/>
             </a:pPr>
             <a:r>
-              <a:rPr lang="en" dirty="0">
-                <a:latin typeface="Arial" panose="020B0604020202020204" pitchFamily="34" charset="0"/>
-                <a:cs typeface="Arial" panose="020B0604020202020204" pitchFamily="34" charset="0"/>
+              <a:rPr lang="en-US">
+                <a:latin typeface="Arial"/>
+                <a:ea typeface="Arial"/>
+                <a:cs typeface="Arial"/>
+                <a:sym typeface="Arial"/>
               </a:rPr>
-              <a:t>r = </a:t>
+              <a:t>r = requests.get(url)</a:t>
             </a:r>
-            <a:r>
-              <a:rPr lang="en" dirty="0" err="1">
-                <a:latin typeface="Arial" panose="020B0604020202020204" pitchFamily="34" charset="0"/>
-                <a:cs typeface="Arial" panose="020B0604020202020204" pitchFamily="34" charset="0"/>
-              </a:rPr>
-              <a:t>requests.get</a:t>
-            </a:r>
-            <a:r>
-              <a:rPr lang="en" dirty="0">
-                <a:latin typeface="Arial" panose="020B0604020202020204" pitchFamily="34" charset="0"/>
-                <a:cs typeface="Arial" panose="020B0604020202020204" pitchFamily="34" charset="0"/>
-              </a:rPr>
-              <a:t>(</a:t>
-            </a:r>
-            <a:r>
-              <a:rPr lang="en" dirty="0" err="1">
-                <a:latin typeface="Arial" panose="020B0604020202020204" pitchFamily="34" charset="0"/>
-                <a:cs typeface="Arial" panose="020B0604020202020204" pitchFamily="34" charset="0"/>
-              </a:rPr>
-              <a:t>url</a:t>
-            </a:r>
-            <a:r>
-              <a:rPr lang="en" dirty="0">
-                <a:latin typeface="Arial" panose="020B0604020202020204" pitchFamily="34" charset="0"/>
-                <a:cs typeface="Arial" panose="020B0604020202020204" pitchFamily="34" charset="0"/>
-              </a:rPr>
-              <a:t>)</a:t>
-            </a:r>
-            <a:endParaRPr dirty="0">
-              <a:latin typeface="Arial" panose="020B0604020202020204" pitchFamily="34" charset="0"/>
-              <a:cs typeface="Arial" panose="020B0604020202020204" pitchFamily="34" charset="0"/>
+            <a:endParaRPr>
+              <a:latin typeface="Arial"/>
+              <a:ea typeface="Arial"/>
+              <a:cs typeface="Arial"/>
+              <a:sym typeface="Arial"/>
             </a:endParaRPr>
           </a:p>
           <a:p>
             <a:pPr marL="914400" lvl="1" indent="-317500" algn="l" rtl="0">
+              <a:lnSpc>
+                <a:spcPct val="100000"/>
+              </a:lnSpc>
               <a:spcBef>
                 <a:spcPts val="0"/>
               </a:spcBef>
@@ -9915,33 +11434,26 @@
               <a:buChar char="○"/>
             </a:pPr>
             <a:r>
-              <a:rPr lang="en" dirty="0">
-                <a:latin typeface="Arial" panose="020B0604020202020204" pitchFamily="34" charset="0"/>
-                <a:cs typeface="Arial" panose="020B0604020202020204" pitchFamily="34" charset="0"/>
+              <a:rPr lang="en-US">
+                <a:latin typeface="Arial"/>
+                <a:ea typeface="Arial"/>
+                <a:cs typeface="Arial"/>
+                <a:sym typeface="Arial"/>
               </a:rPr>
-              <a:t>Create a </a:t>
+              <a:t>Create a BeautifulSoup object using the data</a:t>
             </a:r>
-            <a:r>
-              <a:rPr lang="en" dirty="0" err="1">
-                <a:latin typeface="Arial" panose="020B0604020202020204" pitchFamily="34" charset="0"/>
-                <a:cs typeface="Arial" panose="020B0604020202020204" pitchFamily="34" charset="0"/>
-              </a:rPr>
-              <a:t>BeautifulSoup</a:t>
-            </a:r>
-            <a:r>
-              <a:rPr lang="en" dirty="0">
-                <a:latin typeface="Arial" panose="020B0604020202020204" pitchFamily="34" charset="0"/>
-                <a:cs typeface="Arial" panose="020B0604020202020204" pitchFamily="34" charset="0"/>
-              </a:rPr>
-              <a:t> object using the data</a:t>
-            </a:r>
-            <a:endParaRPr dirty="0">
-              <a:latin typeface="Arial" panose="020B0604020202020204" pitchFamily="34" charset="0"/>
-              <a:cs typeface="Arial" panose="020B0604020202020204" pitchFamily="34" charset="0"/>
+            <a:endParaRPr>
+              <a:latin typeface="Arial"/>
+              <a:ea typeface="Arial"/>
+              <a:cs typeface="Arial"/>
+              <a:sym typeface="Arial"/>
             </a:endParaRPr>
           </a:p>
           <a:p>
             <a:pPr marL="1371600" lvl="2" indent="-317500" algn="l" rtl="0">
+              <a:lnSpc>
+                <a:spcPct val="100000"/>
+              </a:lnSpc>
               <a:spcBef>
                 <a:spcPts val="0"/>
               </a:spcBef>
@@ -9952,61 +11464,26 @@
               <a:buChar char="■"/>
             </a:pPr>
             <a:r>
-              <a:rPr lang="en" dirty="0">
-                <a:latin typeface="Arial" panose="020B0604020202020204" pitchFamily="34" charset="0"/>
-                <a:cs typeface="Arial" panose="020B0604020202020204" pitchFamily="34" charset="0"/>
+              <a:rPr lang="en-US">
+                <a:latin typeface="Arial"/>
+                <a:ea typeface="Arial"/>
+                <a:cs typeface="Arial"/>
+                <a:sym typeface="Arial"/>
               </a:rPr>
-              <a:t>soup = </a:t>
+              <a:t>soup = BeautifulSoup(r.content, ‘html.parser’)</a:t>
             </a:r>
-            <a:r>
-              <a:rPr lang="en" dirty="0" err="1">
-                <a:latin typeface="Arial" panose="020B0604020202020204" pitchFamily="34" charset="0"/>
-                <a:cs typeface="Arial" panose="020B0604020202020204" pitchFamily="34" charset="0"/>
-              </a:rPr>
-              <a:t>BeautifulSoup</a:t>
-            </a:r>
-            <a:r>
-              <a:rPr lang="en" dirty="0">
-                <a:latin typeface="Arial" panose="020B0604020202020204" pitchFamily="34" charset="0"/>
-                <a:cs typeface="Arial" panose="020B0604020202020204" pitchFamily="34" charset="0"/>
-              </a:rPr>
-              <a:t>(</a:t>
-            </a:r>
-            <a:r>
-              <a:rPr lang="en" dirty="0" err="1">
-                <a:latin typeface="Arial" panose="020B0604020202020204" pitchFamily="34" charset="0"/>
-                <a:cs typeface="Arial" panose="020B0604020202020204" pitchFamily="34" charset="0"/>
-              </a:rPr>
-              <a:t>r.content</a:t>
-            </a:r>
-            <a:r>
-              <a:rPr lang="en" dirty="0">
-                <a:latin typeface="Arial" panose="020B0604020202020204" pitchFamily="34" charset="0"/>
-                <a:cs typeface="Arial" panose="020B0604020202020204" pitchFamily="34" charset="0"/>
-              </a:rPr>
-              <a:t>, ‘</a:t>
-            </a:r>
-            <a:r>
-              <a:rPr lang="en" dirty="0" err="1">
-                <a:latin typeface="Arial" panose="020B0604020202020204" pitchFamily="34" charset="0"/>
-                <a:cs typeface="Arial" panose="020B0604020202020204" pitchFamily="34" charset="0"/>
-              </a:rPr>
-              <a:t>html.parser</a:t>
-            </a:r>
-            <a:r>
-              <a:rPr lang="en" dirty="0">
-                <a:latin typeface="Arial" panose="020B0604020202020204" pitchFamily="34" charset="0"/>
-                <a:cs typeface="Arial" panose="020B0604020202020204" pitchFamily="34" charset="0"/>
-              </a:rPr>
-              <a:t>’)</a:t>
-            </a:r>
-            <a:endParaRPr dirty="0">
-              <a:latin typeface="Arial" panose="020B0604020202020204" pitchFamily="34" charset="0"/>
-              <a:cs typeface="Arial" panose="020B0604020202020204" pitchFamily="34" charset="0"/>
+            <a:endParaRPr>
+              <a:latin typeface="Arial"/>
+              <a:ea typeface="Arial"/>
+              <a:cs typeface="Arial"/>
+              <a:sym typeface="Arial"/>
             </a:endParaRPr>
           </a:p>
           <a:p>
             <a:pPr marL="457200" lvl="0" indent="-342900" algn="l" rtl="0">
+              <a:lnSpc>
+                <a:spcPct val="100000"/>
+              </a:lnSpc>
               <a:spcBef>
                 <a:spcPts val="0"/>
               </a:spcBef>
@@ -10017,19 +11494,26 @@
               <a:buChar char="●"/>
             </a:pPr>
             <a:r>
-              <a:rPr lang="en" dirty="0">
-                <a:latin typeface="Arial" panose="020B0604020202020204" pitchFamily="34" charset="0"/>
-                <a:cs typeface="Arial" panose="020B0604020202020204" pitchFamily="34" charset="0"/>
+              <a:rPr lang="en-US">
+                <a:latin typeface="Arial"/>
+                <a:ea typeface="Arial"/>
+                <a:cs typeface="Arial"/>
+                <a:sym typeface="Arial"/>
               </a:rPr>
               <a:t>Soup object methods</a:t>
             </a:r>
-            <a:endParaRPr dirty="0">
-              <a:latin typeface="Arial" panose="020B0604020202020204" pitchFamily="34" charset="0"/>
-              <a:cs typeface="Arial" panose="020B0604020202020204" pitchFamily="34" charset="0"/>
+            <a:endParaRPr>
+              <a:latin typeface="Arial"/>
+              <a:ea typeface="Arial"/>
+              <a:cs typeface="Arial"/>
+              <a:sym typeface="Arial"/>
             </a:endParaRPr>
           </a:p>
           <a:p>
             <a:pPr marL="914400" lvl="1" indent="-317500" algn="l" rtl="0">
+              <a:lnSpc>
+                <a:spcPct val="100000"/>
+              </a:lnSpc>
               <a:spcBef>
                 <a:spcPts val="0"/>
               </a:spcBef>
@@ -10040,26 +11524,26 @@
               <a:buChar char="○"/>
             </a:pPr>
             <a:r>
-              <a:rPr lang="en" dirty="0" err="1">
-                <a:latin typeface="Arial" panose="020B0604020202020204" pitchFamily="34" charset="0"/>
-                <a:cs typeface="Arial" panose="020B0604020202020204" pitchFamily="34" charset="0"/>
+              <a:rPr lang="en-US">
+                <a:latin typeface="Arial"/>
+                <a:ea typeface="Arial"/>
+                <a:cs typeface="Arial"/>
+                <a:sym typeface="Arial"/>
               </a:rPr>
-              <a:t>soup.find</a:t>
+              <a:t>soup.find(‘&lt;tag&gt;’, attribute=’value’) : returns the first tag that matches</a:t>
             </a:r>
-            <a:r>
-              <a:rPr lang="en" dirty="0">
-                <a:latin typeface="Arial" panose="020B0604020202020204" pitchFamily="34" charset="0"/>
-                <a:cs typeface="Arial" panose="020B0604020202020204" pitchFamily="34" charset="0"/>
-              </a:rPr>
-              <a:t>(‘&lt;tag&gt;’, &lt;attribute&gt;=’&lt;value&gt;’) : returns the first tag that matches</a:t>
-            </a:r>
-            <a:endParaRPr dirty="0">
-              <a:latin typeface="Arial" panose="020B0604020202020204" pitchFamily="34" charset="0"/>
-              <a:cs typeface="Arial" panose="020B0604020202020204" pitchFamily="34" charset="0"/>
+            <a:endParaRPr>
+              <a:latin typeface="Arial"/>
+              <a:ea typeface="Arial"/>
+              <a:cs typeface="Arial"/>
+              <a:sym typeface="Arial"/>
             </a:endParaRPr>
           </a:p>
           <a:p>
             <a:pPr marL="914400" lvl="1" indent="-317500" algn="l" rtl="0">
+              <a:lnSpc>
+                <a:spcPct val="100000"/>
+              </a:lnSpc>
               <a:spcBef>
                 <a:spcPts val="0"/>
               </a:spcBef>
@@ -10070,26 +11554,26 @@
               <a:buChar char="○"/>
             </a:pPr>
             <a:r>
-              <a:rPr lang="en" dirty="0" err="1">
-                <a:latin typeface="Arial" panose="020B0604020202020204" pitchFamily="34" charset="0"/>
-                <a:cs typeface="Arial" panose="020B0604020202020204" pitchFamily="34" charset="0"/>
+              <a:rPr lang="en-US">
+                <a:latin typeface="Arial"/>
+                <a:ea typeface="Arial"/>
+                <a:cs typeface="Arial"/>
+                <a:sym typeface="Arial"/>
               </a:rPr>
-              <a:t>soup.find_all</a:t>
+              <a:t>soup.find_all(‘&lt;tag&gt;’, attribute=’value’) : returns a list of all tags that match</a:t>
             </a:r>
-            <a:r>
-              <a:rPr lang="en" dirty="0">
-                <a:latin typeface="Arial" panose="020B0604020202020204" pitchFamily="34" charset="0"/>
-                <a:cs typeface="Arial" panose="020B0604020202020204" pitchFamily="34" charset="0"/>
-              </a:rPr>
-              <a:t>(‘&lt;tag&gt;’, &lt;attribute&gt;=’&lt;value&gt;’) : returns a list of all tags that match</a:t>
-            </a:r>
-            <a:endParaRPr dirty="0">
-              <a:latin typeface="Arial" panose="020B0604020202020204" pitchFamily="34" charset="0"/>
-              <a:cs typeface="Arial" panose="020B0604020202020204" pitchFamily="34" charset="0"/>
+            <a:endParaRPr>
+              <a:latin typeface="Arial"/>
+              <a:ea typeface="Arial"/>
+              <a:cs typeface="Arial"/>
+              <a:sym typeface="Arial"/>
             </a:endParaRPr>
           </a:p>
           <a:p>
             <a:pPr marL="914400" lvl="1" indent="-317500" algn="l" rtl="0">
+              <a:lnSpc>
+                <a:spcPct val="100000"/>
+              </a:lnSpc>
               <a:spcBef>
                 <a:spcPts val="0"/>
               </a:spcBef>
@@ -10100,26 +11584,26 @@
               <a:buChar char="○"/>
             </a:pPr>
             <a:r>
-              <a:rPr lang="en" dirty="0" err="1">
-                <a:latin typeface="Arial" panose="020B0604020202020204" pitchFamily="34" charset="0"/>
-                <a:cs typeface="Arial" panose="020B0604020202020204" pitchFamily="34" charset="0"/>
+              <a:rPr lang="en-US">
+                <a:latin typeface="Arial"/>
+                <a:ea typeface="Arial"/>
+                <a:cs typeface="Arial"/>
+                <a:sym typeface="Arial"/>
               </a:rPr>
-              <a:t>tag.attrs</a:t>
+              <a:t>tag.attrs : returns a dictionary of the attributes in the tag object</a:t>
             </a:r>
-            <a:r>
-              <a:rPr lang="en" dirty="0">
-                <a:latin typeface="Arial" panose="020B0604020202020204" pitchFamily="34" charset="0"/>
-                <a:cs typeface="Arial" panose="020B0604020202020204" pitchFamily="34" charset="0"/>
-              </a:rPr>
-              <a:t> : returns a dictionary of the attributes in the tag object</a:t>
-            </a:r>
-            <a:endParaRPr dirty="0">
-              <a:latin typeface="Arial" panose="020B0604020202020204" pitchFamily="34" charset="0"/>
-              <a:cs typeface="Arial" panose="020B0604020202020204" pitchFamily="34" charset="0"/>
+            <a:endParaRPr>
+              <a:latin typeface="Arial"/>
+              <a:ea typeface="Arial"/>
+              <a:cs typeface="Arial"/>
+              <a:sym typeface="Arial"/>
             </a:endParaRPr>
           </a:p>
           <a:p>
             <a:pPr marL="914400" lvl="1" indent="-317500" algn="l" rtl="0">
+              <a:lnSpc>
+                <a:spcPct val="100000"/>
+              </a:lnSpc>
               <a:spcBef>
                 <a:spcPts val="0"/>
               </a:spcBef>
@@ -10130,22 +11614,19 @@
               <a:buChar char="○"/>
             </a:pPr>
             <a:r>
-              <a:rPr lang="en" dirty="0" err="1">
-                <a:latin typeface="Arial" panose="020B0604020202020204" pitchFamily="34" charset="0"/>
-                <a:cs typeface="Arial" panose="020B0604020202020204" pitchFamily="34" charset="0"/>
+              <a:rPr lang="en-US">
+                <a:latin typeface="Arial"/>
+                <a:ea typeface="Arial"/>
+                <a:cs typeface="Arial"/>
+                <a:sym typeface="Arial"/>
               </a:rPr>
-              <a:t>tag.get</a:t>
+              <a:t>tag.get(‘attribute’) : returns the value of a specified attribute or None if the attribute does not exist</a:t>
             </a:r>
-            <a:r>
-              <a:rPr lang="en" dirty="0">
-                <a:latin typeface="Arial" panose="020B0604020202020204" pitchFamily="34" charset="0"/>
-                <a:cs typeface="Arial" panose="020B0604020202020204" pitchFamily="34" charset="0"/>
-              </a:rPr>
-              <a:t>(‘&lt;attribute&gt;’) : returns the value of a specified attribute</a:t>
-            </a:r>
-            <a:endParaRPr dirty="0">
-              <a:latin typeface="Arial" panose="020B0604020202020204" pitchFamily="34" charset="0"/>
-              <a:cs typeface="Arial" panose="020B0604020202020204" pitchFamily="34" charset="0"/>
+            <a:endParaRPr>
+              <a:latin typeface="Arial"/>
+              <a:ea typeface="Arial"/>
+              <a:cs typeface="Arial"/>
+              <a:sym typeface="Arial"/>
             </a:endParaRPr>
           </a:p>
         </p:txBody>
@@ -10163,7 +11644,7 @@
   <p:cSld>
     <p:spTree>
       <p:nvGrpSpPr>
-        <p:cNvPr id="1" name="Shape 100"/>
+        <p:cNvPr id="1" name="Shape 73"/>
         <p:cNvGrpSpPr/>
         <p:nvPr/>
       </p:nvGrpSpPr>
@@ -10177,7 +11658,7 @@
       </p:grpSpPr>
       <p:sp>
         <p:nvSpPr>
-          <p:cNvPr id="101" name="Google Shape;101;p9"/>
+          <p:cNvPr id="74" name="Google Shape;74;p17"/>
           <p:cNvSpPr txBox="1">
             <a:spLocks noGrp="1"/>
           </p:cNvSpPr>
@@ -10218,19 +11699,14 @@
               <a:buNone/>
             </a:pPr>
             <a:r>
-              <a:rPr lang="en" dirty="0"/>
+              <a:rPr lang="en-US"/>
               <a:t>Discussion 9 Exercise</a:t>
             </a:r>
-            <a:endParaRPr dirty="0"/>
+            <a:endParaRPr/>
           </a:p>
         </p:txBody>
       </p:sp>
     </p:spTree>
-    <p:extLst>
-      <p:ext uri="{BB962C8B-B14F-4D97-AF65-F5344CB8AC3E}">
-        <p14:creationId xmlns:p14="http://schemas.microsoft.com/office/powerpoint/2010/main" val="1860318703"/>
-      </p:ext>
-    </p:extLst>
   </p:cSld>
   <p:clrMapOvr>
     <a:masterClrMapping/>
@@ -10243,7 +11719,7 @@
   <p:cSld>
     <p:spTree>
       <p:nvGrpSpPr>
-        <p:cNvPr id="1" name="Shape 43"/>
+        <p:cNvPr id="1" name="Shape 78"/>
         <p:cNvGrpSpPr/>
         <p:nvPr/>
       </p:nvGrpSpPr>
@@ -10257,7 +11733,7 @@
       </p:grpSpPr>
       <p:sp>
         <p:nvSpPr>
-          <p:cNvPr id="44" name="Google Shape;44;p2"/>
+          <p:cNvPr id="79" name="Google Shape;79;p2"/>
           <p:cNvSpPr txBox="1">
             <a:spLocks noGrp="1"/>
           </p:cNvSpPr>
@@ -10298,16 +11774,16 @@
               <a:buNone/>
             </a:pPr>
             <a:r>
-              <a:rPr lang="en-US" sz="2200" dirty="0"/>
+              <a:rPr lang="en-US" sz="2200"/>
               <a:t>Reading JSON </a:t>
             </a:r>
-            <a:endParaRPr sz="2200" dirty="0"/>
+            <a:endParaRPr sz="2200"/>
           </a:p>
         </p:txBody>
       </p:sp>
       <p:sp>
         <p:nvSpPr>
-          <p:cNvPr id="45" name="Google Shape;45;p2"/>
+          <p:cNvPr id="80" name="Google Shape;80;p2"/>
           <p:cNvSpPr txBox="1"/>
           <p:nvPr/>
         </p:nvSpPr>
@@ -10330,265 +11806,288 @@
           </a:bodyPr>
           <a:lstStyle/>
           <a:p>
-            <a:pPr marL="313182" marR="0" indent="-285750" algn="l" rtl="0" fontAlgn="t">
-              <a:spcBef>
-                <a:spcPts val="0"/>
-              </a:spcBef>
-              <a:spcAft>
-                <a:spcPts val="0"/>
-              </a:spcAft>
-              <a:buFont typeface="Arial" panose="020B0604020202020204" pitchFamily="34" charset="0"/>
+            <a:pPr marL="313182" marR="0" lvl="0" indent="-285750" algn="l" rtl="0">
+              <a:lnSpc>
+                <a:spcPct val="100000"/>
+              </a:lnSpc>
+              <a:spcBef>
+                <a:spcPts val="0"/>
+              </a:spcBef>
+              <a:spcAft>
+                <a:spcPts val="0"/>
+              </a:spcAft>
+              <a:buClr>
+                <a:srgbClr val="000000"/>
+              </a:buClr>
+              <a:buSzPts val="1800"/>
+              <a:buFont typeface="Arial"/>
               <a:buChar char="•"/>
             </a:pPr>
             <a:r>
-              <a:rPr lang="en-US" sz="1800" b="0" i="0" u="none" strike="noStrike" dirty="0" err="1">
+              <a:rPr lang="en-US" sz="1800" b="0" i="0" u="none" strike="noStrike" cap="none">
                 <a:solidFill>
                   <a:srgbClr val="585858"/>
                 </a:solidFill>
-                <a:effectLst/>
-                <a:latin typeface="Arial" panose="020B0604020202020204" pitchFamily="34" charset="0"/>
-                <a:ea typeface="Courier New" panose="02070309020205020404" pitchFamily="49" charset="0"/>
-                <a:cs typeface="Arial" panose="020B0604020202020204" pitchFamily="34" charset="0"/>
+                <a:latin typeface="Arial"/>
+                <a:ea typeface="Arial"/>
+                <a:cs typeface="Arial"/>
+                <a:sym typeface="Arial"/>
               </a:rPr>
-              <a:t>json.loads</a:t>
+              <a:t>json.loads(string)</a:t>
             </a:r>
             <a:r>
-              <a:rPr lang="en-US" sz="1800" dirty="0">
-                <a:solidFill>
-                  <a:srgbClr val="585858"/>
-                </a:solidFill>
-                <a:latin typeface="Arial" panose="020B0604020202020204" pitchFamily="34" charset="0"/>
-                <a:ea typeface="Courier New" panose="02070309020205020404" pitchFamily="49" charset="0"/>
-                <a:cs typeface="Arial" panose="020B0604020202020204" pitchFamily="34" charset="0"/>
-              </a:rPr>
-              <a:t>(string</a:t>
-            </a:r>
-            <a:r>
-              <a:rPr lang="en-US" sz="1800" b="0" i="0" u="none" strike="noStrike" dirty="0">
-                <a:solidFill>
-                  <a:srgbClr val="585858"/>
-                </a:solidFill>
-                <a:effectLst/>
-                <a:latin typeface="Arial" panose="020B0604020202020204" pitchFamily="34" charset="0"/>
-                <a:ea typeface="Courier New" panose="02070309020205020404" pitchFamily="49" charset="0"/>
-                <a:cs typeface="Arial" panose="020B0604020202020204" pitchFamily="34" charset="0"/>
-              </a:rPr>
-              <a:t>)</a:t>
-            </a:r>
-            <a:r>
-              <a:rPr lang="en-US" sz="1800" dirty="0">
-                <a:latin typeface="Arial" panose="020B0604020202020204" pitchFamily="34" charset="0"/>
-                <a:ea typeface="Courier New" panose="02070309020205020404" pitchFamily="49" charset="0"/>
-                <a:cs typeface="Arial" panose="020B0604020202020204" pitchFamily="34" charset="0"/>
+              <a:rPr lang="en-US" sz="1800" b="0" i="0" u="none" strike="noStrike" cap="none">
+                <a:solidFill>
+                  <a:srgbClr val="000000"/>
+                </a:solidFill>
+                <a:latin typeface="Arial"/>
+                <a:ea typeface="Arial"/>
+                <a:cs typeface="Arial"/>
+                <a:sym typeface="Arial"/>
               </a:rPr>
               <a:t> : </a:t>
             </a:r>
             <a:r>
-              <a:rPr lang="en-US" sz="1800" b="0" i="0" u="none" strike="noStrike" dirty="0">
+              <a:rPr lang="en-US" sz="1800" b="0" i="0" u="none" strike="noStrike" cap="none">
                 <a:solidFill>
                   <a:srgbClr val="585858"/>
                 </a:solidFill>
-                <a:effectLst/>
-                <a:latin typeface="Arial" panose="020B0604020202020204" pitchFamily="34" charset="0"/>
-                <a:ea typeface="Courier New" panose="02070309020205020404" pitchFamily="49" charset="0"/>
-                <a:cs typeface="Arial" panose="020B0604020202020204" pitchFamily="34" charset="0"/>
+                <a:latin typeface="Arial"/>
+                <a:ea typeface="Arial"/>
+                <a:cs typeface="Arial"/>
+                <a:sym typeface="Arial"/>
               </a:rPr>
               <a:t>JSON -&gt; Python object</a:t>
             </a:r>
-          </a:p>
-          <a:p>
-            <a:pPr marL="27432" marR="0" algn="l" rtl="0" fontAlgn="t">
-              <a:spcBef>
-                <a:spcPts val="0"/>
-              </a:spcBef>
-              <a:spcAft>
-                <a:spcPts val="0"/>
-              </a:spcAft>
+            <a:endParaRPr/>
+          </a:p>
+          <a:p>
+            <a:pPr marL="27432" marR="0" lvl="0" indent="0" algn="l" rtl="0">
+              <a:lnSpc>
+                <a:spcPct val="100000"/>
+              </a:lnSpc>
+              <a:spcBef>
+                <a:spcPts val="0"/>
+              </a:spcBef>
+              <a:spcAft>
+                <a:spcPts val="0"/>
+              </a:spcAft>
+              <a:buNone/>
             </a:pPr>
             <a:r>
-              <a:rPr lang="en-US" sz="1800" dirty="0">
+              <a:rPr lang="en-US" sz="1800" b="0" i="0" u="none" strike="noStrike" cap="none">
                 <a:solidFill>
                   <a:srgbClr val="585858"/>
                 </a:solidFill>
-                <a:latin typeface="Arial" panose="020B0604020202020204" pitchFamily="34" charset="0"/>
-                <a:ea typeface="Courier New" panose="02070309020205020404" pitchFamily="49" charset="0"/>
-                <a:cs typeface="Arial" panose="020B0604020202020204" pitchFamily="34" charset="0"/>
+                <a:latin typeface="Arial"/>
+                <a:ea typeface="Arial"/>
+                <a:cs typeface="Arial"/>
+                <a:sym typeface="Arial"/>
               </a:rPr>
               <a:t>	</a:t>
             </a:r>
-          </a:p>
-          <a:p>
-            <a:pPr marL="27432" marR="0" algn="l" rtl="0" fontAlgn="t">
-              <a:spcBef>
-                <a:spcPts val="0"/>
-              </a:spcBef>
-              <a:spcAft>
-                <a:spcPts val="0"/>
-              </a:spcAft>
+            <a:endParaRPr/>
+          </a:p>
+          <a:p>
+            <a:pPr marL="27432" marR="0" lvl="0" indent="0" algn="l" rtl="0">
+              <a:lnSpc>
+                <a:spcPct val="100000"/>
+              </a:lnSpc>
+              <a:spcBef>
+                <a:spcPts val="0"/>
+              </a:spcBef>
+              <a:spcAft>
+                <a:spcPts val="0"/>
+              </a:spcAft>
+              <a:buNone/>
             </a:pPr>
             <a:r>
-              <a:rPr lang="en-US" sz="1800" dirty="0">
+              <a:rPr lang="en-US" sz="1800" b="0" i="0" u="none" strike="noStrike" cap="none">
                 <a:solidFill>
                   <a:srgbClr val="585858"/>
                 </a:solidFill>
-                <a:latin typeface="Arial" panose="020B0604020202020204" pitchFamily="34" charset="0"/>
-                <a:ea typeface="Courier New" panose="02070309020205020404" pitchFamily="49" charset="0"/>
-                <a:cs typeface="Arial" panose="020B0604020202020204" pitchFamily="34" charset="0"/>
+                <a:latin typeface="Arial"/>
+                <a:ea typeface="Arial"/>
+                <a:cs typeface="Arial"/>
+                <a:sym typeface="Arial"/>
               </a:rPr>
               <a:t>	Takes a JSON string and return a Python object (list or dictionary)</a:t>
             </a:r>
-            <a:endParaRPr lang="en-US" sz="1800" b="0" i="0" u="none" strike="noStrike" dirty="0">
+            <a:endParaRPr sz="1800" b="0" i="0" u="none" strike="noStrike" cap="none">
               <a:solidFill>
                 <a:srgbClr val="585858"/>
               </a:solidFill>
-              <a:effectLst/>
-              <a:latin typeface="Arial" panose="020B0604020202020204" pitchFamily="34" charset="0"/>
-              <a:ea typeface="Courier New" panose="02070309020205020404" pitchFamily="49" charset="0"/>
-              <a:cs typeface="Arial" panose="020B0604020202020204" pitchFamily="34" charset="0"/>
+              <a:latin typeface="Arial"/>
+              <a:ea typeface="Arial"/>
+              <a:cs typeface="Arial"/>
+              <a:sym typeface="Arial"/>
             </a:endParaRPr>
           </a:p>
           <a:p>
-            <a:pPr marL="313182" indent="-285750" fontAlgn="t">
-              <a:buFont typeface="Arial" panose="020B0604020202020204" pitchFamily="34" charset="0"/>
-              <a:buChar char="•"/>
+            <a:pPr marL="313182" marR="0" lvl="0" indent="-171450" algn="l" rtl="0">
+              <a:lnSpc>
+                <a:spcPct val="100000"/>
+              </a:lnSpc>
+              <a:spcBef>
+                <a:spcPts val="0"/>
+              </a:spcBef>
+              <a:spcAft>
+                <a:spcPts val="0"/>
+              </a:spcAft>
+              <a:buClr>
+                <a:srgbClr val="000000"/>
+              </a:buClr>
+              <a:buSzPts val="1800"/>
+              <a:buFont typeface="Arial"/>
+              <a:buNone/>
             </a:pPr>
-            <a:endParaRPr lang="en-US" sz="1800" b="0" i="0" u="none" strike="noStrike" dirty="0">
+            <a:endParaRPr sz="1800" b="0" i="0" u="none" strike="noStrike" cap="none">
               <a:solidFill>
                 <a:srgbClr val="585858"/>
               </a:solidFill>
-              <a:effectLst/>
-              <a:latin typeface="Arial" panose="020B0604020202020204" pitchFamily="34" charset="0"/>
-              <a:ea typeface="Courier New" panose="02070309020205020404" pitchFamily="49" charset="0"/>
-              <a:cs typeface="Arial" panose="020B0604020202020204" pitchFamily="34" charset="0"/>
+              <a:latin typeface="Arial"/>
+              <a:ea typeface="Arial"/>
+              <a:cs typeface="Arial"/>
+              <a:sym typeface="Arial"/>
             </a:endParaRPr>
           </a:p>
           <a:p>
-            <a:pPr marL="313182" indent="-285750" fontAlgn="t">
-              <a:buFont typeface="Arial" panose="020B0604020202020204" pitchFamily="34" charset="0"/>
+            <a:pPr marL="313182" marR="0" lvl="0" indent="-285750" algn="l" rtl="0">
+              <a:lnSpc>
+                <a:spcPct val="100000"/>
+              </a:lnSpc>
+              <a:spcBef>
+                <a:spcPts val="0"/>
+              </a:spcBef>
+              <a:spcAft>
+                <a:spcPts val="0"/>
+              </a:spcAft>
+              <a:buClr>
+                <a:srgbClr val="000000"/>
+              </a:buClr>
+              <a:buSzPts val="1800"/>
+              <a:buFont typeface="Arial"/>
               <a:buChar char="•"/>
             </a:pPr>
             <a:r>
-              <a:rPr lang="en-US" sz="1800" b="0" i="0" u="none" strike="noStrike" dirty="0" err="1">
+              <a:rPr lang="en-US" sz="1800" b="0" i="0" u="none" strike="noStrike" cap="none">
                 <a:solidFill>
                   <a:srgbClr val="585858"/>
                 </a:solidFill>
-                <a:effectLst/>
-                <a:latin typeface="Arial" panose="020B0604020202020204" pitchFamily="34" charset="0"/>
-                <a:ea typeface="Courier New" panose="02070309020205020404" pitchFamily="49" charset="0"/>
-                <a:cs typeface="Arial" panose="020B0604020202020204" pitchFamily="34" charset="0"/>
+                <a:latin typeface="Arial"/>
+                <a:ea typeface="Arial"/>
+                <a:cs typeface="Arial"/>
+                <a:sym typeface="Arial"/>
               </a:rPr>
-              <a:t>json.</a:t>
+              <a:t>json.dumps(obj)</a:t>
             </a:r>
             <a:r>
-              <a:rPr lang="en-US" sz="1800" dirty="0" err="1">
-                <a:solidFill>
-                  <a:srgbClr val="585858"/>
-                </a:solidFill>
-                <a:latin typeface="Arial" panose="020B0604020202020204" pitchFamily="34" charset="0"/>
-                <a:ea typeface="Courier New" panose="02070309020205020404" pitchFamily="49" charset="0"/>
-                <a:cs typeface="Arial" panose="020B0604020202020204" pitchFamily="34" charset="0"/>
-              </a:rPr>
-              <a:t>dumps</a:t>
-            </a:r>
-            <a:r>
-              <a:rPr lang="en-US" sz="1800" dirty="0">
-                <a:solidFill>
-                  <a:srgbClr val="585858"/>
-                </a:solidFill>
-                <a:latin typeface="Arial" panose="020B0604020202020204" pitchFamily="34" charset="0"/>
-                <a:ea typeface="Courier New" panose="02070309020205020404" pitchFamily="49" charset="0"/>
-                <a:cs typeface="Arial" panose="020B0604020202020204" pitchFamily="34" charset="0"/>
-              </a:rPr>
-              <a:t>(obj</a:t>
-            </a:r>
-            <a:r>
-              <a:rPr lang="en-US" sz="1800" b="0" i="0" u="none" strike="noStrike" dirty="0">
-                <a:solidFill>
-                  <a:srgbClr val="585858"/>
-                </a:solidFill>
-                <a:effectLst/>
-                <a:latin typeface="Arial" panose="020B0604020202020204" pitchFamily="34" charset="0"/>
-                <a:ea typeface="Courier New" panose="02070309020205020404" pitchFamily="49" charset="0"/>
-                <a:cs typeface="Arial" panose="020B0604020202020204" pitchFamily="34" charset="0"/>
-              </a:rPr>
-              <a:t>)</a:t>
-            </a:r>
-            <a:r>
-              <a:rPr lang="en-US" sz="1800" dirty="0">
-                <a:latin typeface="Arial" panose="020B0604020202020204" pitchFamily="34" charset="0"/>
-                <a:ea typeface="Courier New" panose="02070309020205020404" pitchFamily="49" charset="0"/>
-                <a:cs typeface="Arial" panose="020B0604020202020204" pitchFamily="34" charset="0"/>
+              <a:rPr lang="en-US" sz="1800" b="0" i="0" u="none" strike="noStrike" cap="none">
+                <a:solidFill>
+                  <a:srgbClr val="000000"/>
+                </a:solidFill>
+                <a:latin typeface="Arial"/>
+                <a:ea typeface="Arial"/>
+                <a:cs typeface="Arial"/>
+                <a:sym typeface="Arial"/>
               </a:rPr>
               <a:t> : </a:t>
             </a:r>
             <a:r>
-              <a:rPr lang="en-US" sz="1800" dirty="0">
+              <a:rPr lang="en-US" sz="1800" b="0" i="0" u="none" strike="noStrike" cap="none">
                 <a:solidFill>
                   <a:srgbClr val="585858"/>
                 </a:solidFill>
-                <a:latin typeface="Arial" panose="020B0604020202020204" pitchFamily="34" charset="0"/>
-                <a:ea typeface="Courier New" panose="02070309020205020404" pitchFamily="49" charset="0"/>
-                <a:cs typeface="Arial" panose="020B0604020202020204" pitchFamily="34" charset="0"/>
+                <a:latin typeface="Arial"/>
+                <a:ea typeface="Arial"/>
+                <a:cs typeface="Arial"/>
+                <a:sym typeface="Arial"/>
               </a:rPr>
-              <a:t>Python object</a:t>
+              <a:t>Python object -&gt; JSON</a:t>
             </a:r>
-            <a:r>
-              <a:rPr lang="en-US" sz="1800" b="0" i="0" u="none" strike="noStrike" dirty="0">
-                <a:solidFill>
-                  <a:srgbClr val="585858"/>
-                </a:solidFill>
-                <a:effectLst/>
-                <a:latin typeface="Arial" panose="020B0604020202020204" pitchFamily="34" charset="0"/>
-                <a:ea typeface="Courier New" panose="02070309020205020404" pitchFamily="49" charset="0"/>
-                <a:cs typeface="Arial" panose="020B0604020202020204" pitchFamily="34" charset="0"/>
-              </a:rPr>
-              <a:t> -&gt; JSON</a:t>
-            </a:r>
-          </a:p>
-          <a:p>
-            <a:pPr marL="313182" marR="0" indent="-285750" algn="l" rtl="0" fontAlgn="t">
-              <a:spcBef>
-                <a:spcPts val="0"/>
-              </a:spcBef>
-              <a:spcAft>
-                <a:spcPts val="0"/>
-              </a:spcAft>
-              <a:buFont typeface="Arial" panose="020B0604020202020204" pitchFamily="34" charset="0"/>
-              <a:buChar char="•"/>
+            <a:endParaRPr/>
+          </a:p>
+          <a:p>
+            <a:pPr marL="313182" marR="0" lvl="0" indent="-171450" algn="l" rtl="0">
+              <a:lnSpc>
+                <a:spcPct val="100000"/>
+              </a:lnSpc>
+              <a:spcBef>
+                <a:spcPts val="0"/>
+              </a:spcBef>
+              <a:spcAft>
+                <a:spcPts val="0"/>
+              </a:spcAft>
+              <a:buClr>
+                <a:srgbClr val="000000"/>
+              </a:buClr>
+              <a:buSzPts val="1800"/>
+              <a:buFont typeface="Arial"/>
+              <a:buNone/>
             </a:pPr>
-            <a:endParaRPr lang="en-US" sz="1800" b="0" i="0" u="none" strike="noStrike" dirty="0">
+            <a:endParaRPr sz="1800" b="0" i="0" u="none" strike="noStrike" cap="none">
               <a:solidFill>
                 <a:srgbClr val="585858"/>
               </a:solidFill>
-              <a:effectLst/>
-              <a:latin typeface="Arial" panose="020B0604020202020204" pitchFamily="34" charset="0"/>
-              <a:ea typeface="Courier New" panose="02070309020205020404" pitchFamily="49" charset="0"/>
-              <a:cs typeface="Arial" panose="020B0604020202020204" pitchFamily="34" charset="0"/>
+              <a:latin typeface="Arial"/>
+              <a:ea typeface="Arial"/>
+              <a:cs typeface="Arial"/>
+              <a:sym typeface="Arial"/>
             </a:endParaRPr>
           </a:p>
           <a:p>
-            <a:pPr marL="27432" lvl="2" fontAlgn="t"/>
+            <a:pPr marL="27432" marR="0" lvl="2" indent="0" algn="l" rtl="0">
+              <a:lnSpc>
+                <a:spcPct val="100000"/>
+              </a:lnSpc>
+              <a:spcBef>
+                <a:spcPts val="0"/>
+              </a:spcBef>
+              <a:spcAft>
+                <a:spcPts val="0"/>
+              </a:spcAft>
+              <a:buNone/>
+            </a:pPr>
             <a:r>
-              <a:rPr lang="en-US" sz="1800" b="0" i="0" u="none" strike="noStrike" dirty="0">
+              <a:rPr lang="en-US" sz="1800" b="0" i="0" u="none" strike="noStrike" cap="none">
                 <a:solidFill>
                   <a:srgbClr val="585858"/>
                 </a:solidFill>
-                <a:effectLst/>
-                <a:latin typeface="Arial" panose="020B0604020202020204" pitchFamily="34" charset="0"/>
-                <a:ea typeface="Courier New" panose="02070309020205020404" pitchFamily="49" charset="0"/>
-                <a:cs typeface="Arial" panose="020B0604020202020204" pitchFamily="34" charset="0"/>
+                <a:latin typeface="Arial"/>
+                <a:ea typeface="Arial"/>
+                <a:cs typeface="Arial"/>
+                <a:sym typeface="Arial"/>
               </a:rPr>
               <a:t>	Takes a Python object and returns a JSON string</a:t>
             </a:r>
-          </a:p>
-          <a:p>
-            <a:pPr marL="313182" lvl="2" indent="-285750" fontAlgn="t">
-              <a:buFont typeface="Arial" panose="020B0604020202020204" pitchFamily="34" charset="0"/>
-              <a:buChar char="•"/>
+            <a:endParaRPr/>
+          </a:p>
+          <a:p>
+            <a:pPr marL="313182" marR="0" lvl="2" indent="-171450" algn="l" rtl="0">
+              <a:lnSpc>
+                <a:spcPct val="100000"/>
+              </a:lnSpc>
+              <a:spcBef>
+                <a:spcPts val="0"/>
+              </a:spcBef>
+              <a:spcAft>
+                <a:spcPts val="0"/>
+              </a:spcAft>
+              <a:buClr>
+                <a:srgbClr val="000000"/>
+              </a:buClr>
+              <a:buSzPts val="1800"/>
+              <a:buFont typeface="Arial"/>
+              <a:buNone/>
             </a:pPr>
-            <a:endParaRPr lang="en-US" sz="1800" b="0" i="0" u="none" strike="noStrike" dirty="0">
-              <a:effectLst/>
-              <a:latin typeface="Arial" panose="020B0604020202020204" pitchFamily="34" charset="0"/>
+            <a:endParaRPr sz="1800" b="0" i="0" u="none" strike="noStrike" cap="none">
+              <a:solidFill>
+                <a:srgbClr val="000000"/>
+              </a:solidFill>
+              <a:latin typeface="Arial"/>
+              <a:ea typeface="Arial"/>
+              <a:cs typeface="Arial"/>
+              <a:sym typeface="Arial"/>
             </a:endParaRPr>
           </a:p>
         </p:txBody>
@@ -10606,7 +12105,7 @@
   <p:cSld>
     <p:spTree>
       <p:nvGrpSpPr>
-        <p:cNvPr id="1" name="Shape 43"/>
+        <p:cNvPr id="1" name="Shape 84"/>
         <p:cNvGrpSpPr/>
         <p:nvPr/>
       </p:nvGrpSpPr>
@@ -10620,7 +12119,7 @@
       </p:grpSpPr>
       <p:sp>
         <p:nvSpPr>
-          <p:cNvPr id="44" name="Google Shape;44;p2"/>
+          <p:cNvPr id="85" name="Google Shape;85;p18"/>
           <p:cNvSpPr txBox="1">
             <a:spLocks noGrp="1"/>
           </p:cNvSpPr>
@@ -10661,23 +12160,23 @@
               <a:buNone/>
             </a:pPr>
             <a:r>
-              <a:rPr lang="en-US" sz="2200" dirty="0"/>
+              <a:rPr lang="en-US" sz="2200"/>
               <a:t>Reading JSON from a File</a:t>
             </a:r>
-            <a:endParaRPr sz="2200" dirty="0"/>
+            <a:endParaRPr sz="2200"/>
           </a:p>
         </p:txBody>
       </p:sp>
       <p:sp>
         <p:nvSpPr>
-          <p:cNvPr id="45" name="Google Shape;45;p2"/>
+          <p:cNvPr id="86" name="Google Shape;86;p18"/>
           <p:cNvSpPr txBox="1"/>
           <p:nvPr/>
         </p:nvSpPr>
         <p:spPr>
           <a:xfrm>
             <a:off x="464313" y="1136586"/>
-            <a:ext cx="8284200" cy="3881176"/>
+            <a:ext cx="8284200" cy="3882000"/>
           </a:xfrm>
           <a:prstGeom prst="rect">
             <a:avLst/>
@@ -10711,7 +12210,7 @@
               <a:buChar char="●"/>
             </a:pPr>
             <a:r>
-              <a:rPr lang="en-US" sz="2050" b="0" i="0" u="none" strike="noStrike" cap="none" dirty="0">
+              <a:rPr lang="en-US" sz="2050" b="0" i="0" u="none" strike="noStrike" cap="none">
                 <a:solidFill>
                   <a:srgbClr val="585858"/>
                 </a:solidFill>
@@ -10722,56 +12221,69 @@
               </a:rPr>
               <a:t>Open the file for reading</a:t>
             </a:r>
-          </a:p>
-          <a:p>
-            <a:pPr marL="12065" marR="0" lvl="0" algn="l" rtl="0">
-              <a:lnSpc>
-                <a:spcPct val="100000"/>
-              </a:lnSpc>
-              <a:spcBef>
-                <a:spcPts val="0"/>
-              </a:spcBef>
-              <a:spcAft>
-                <a:spcPts val="0"/>
-              </a:spcAft>
-              <a:buClr>
-                <a:srgbClr val="585858"/>
-              </a:buClr>
-              <a:buSzPts val="2050"/>
+            <a:endParaRPr/>
+          </a:p>
+          <a:p>
+            <a:pPr marL="12065" marR="0" lvl="0" indent="0" algn="l" rtl="0">
+              <a:lnSpc>
+                <a:spcPct val="100000"/>
+              </a:lnSpc>
+              <a:spcBef>
+                <a:spcPts val="0"/>
+              </a:spcBef>
+              <a:spcAft>
+                <a:spcPts val="0"/>
+              </a:spcAft>
+              <a:buNone/>
             </a:pPr>
             <a:r>
-              <a:rPr lang="en-US" sz="2050" dirty="0">
+              <a:rPr lang="en-US" sz="2050" b="0" i="0" u="none" strike="noStrike" cap="none">
                 <a:solidFill>
                   <a:srgbClr val="585858"/>
                 </a:solidFill>
+                <a:latin typeface="Arial"/>
+                <a:ea typeface="Arial"/>
+                <a:cs typeface="Arial"/>
+                <a:sym typeface="Arial"/>
               </a:rPr>
               <a:t>	file = open(filename, ‘r’)	</a:t>
             </a:r>
-          </a:p>
-          <a:p>
-            <a:pPr marL="12065" marR="0" lvl="0" algn="l" rtl="0">
-              <a:lnSpc>
-                <a:spcPct val="100000"/>
-              </a:lnSpc>
-              <a:spcBef>
-                <a:spcPts val="0"/>
-              </a:spcBef>
-              <a:spcAft>
-                <a:spcPts val="0"/>
-              </a:spcAft>
-              <a:buClr>
-                <a:srgbClr val="585858"/>
-              </a:buClr>
-              <a:buSzPts val="2050"/>
+            <a:endParaRPr/>
+          </a:p>
+          <a:p>
+            <a:pPr marL="12065" marR="0" lvl="0" indent="0" algn="l" rtl="0">
+              <a:lnSpc>
+                <a:spcPct val="100000"/>
+              </a:lnSpc>
+              <a:spcBef>
+                <a:spcPts val="0"/>
+              </a:spcBef>
+              <a:spcAft>
+                <a:spcPts val="0"/>
+              </a:spcAft>
+              <a:buNone/>
             </a:pPr>
-            <a:endParaRPr lang="en-US" sz="2050" dirty="0">
+            <a:endParaRPr sz="2050" b="0" i="0" u="none" strike="noStrike" cap="none">
               <a:solidFill>
                 <a:srgbClr val="585858"/>
               </a:solidFill>
+              <a:latin typeface="Arial"/>
+              <a:ea typeface="Arial"/>
+              <a:cs typeface="Arial"/>
+              <a:sym typeface="Arial"/>
             </a:endParaRPr>
           </a:p>
           <a:p>
-            <a:pPr marL="340995" indent="-328930">
+            <a:pPr marL="340995" marR="0" lvl="0" indent="-328930" algn="l" rtl="0">
+              <a:lnSpc>
+                <a:spcPct val="100000"/>
+              </a:lnSpc>
+              <a:spcBef>
+                <a:spcPts val="0"/>
+              </a:spcBef>
+              <a:spcAft>
+                <a:spcPts val="0"/>
+              </a:spcAft>
               <a:buClr>
                 <a:srgbClr val="585858"/>
               </a:buClr>
@@ -10780,61 +12292,80 @@
               <a:buChar char="●"/>
             </a:pPr>
             <a:r>
-              <a:rPr lang="en-US" sz="2050" dirty="0">
+              <a:rPr lang="en-US" sz="2050" b="0" i="0" u="none" strike="noStrike" cap="none">
                 <a:solidFill>
                   <a:srgbClr val="585858"/>
                 </a:solidFill>
+                <a:latin typeface="Arial"/>
+                <a:ea typeface="Arial"/>
+                <a:cs typeface="Arial"/>
+                <a:sym typeface="Arial"/>
               </a:rPr>
               <a:t>Read the content into one big string</a:t>
             </a:r>
-          </a:p>
-          <a:p>
-            <a:pPr marL="12065">
-              <a:buClr>
-                <a:srgbClr val="585858"/>
-              </a:buClr>
-              <a:buSzPts val="2050"/>
+            <a:endParaRPr/>
+          </a:p>
+          <a:p>
+            <a:pPr marL="12065" marR="0" lvl="0" indent="0" algn="l" rtl="0">
+              <a:lnSpc>
+                <a:spcPct val="100000"/>
+              </a:lnSpc>
+              <a:spcBef>
+                <a:spcPts val="0"/>
+              </a:spcBef>
+              <a:spcAft>
+                <a:spcPts val="0"/>
+              </a:spcAft>
+              <a:buNone/>
             </a:pPr>
             <a:r>
-              <a:rPr lang="en-US" sz="2050" dirty="0">
+              <a:rPr lang="en-US" sz="2050" b="0" i="0" u="none" strike="noStrike" cap="none">
                 <a:solidFill>
                   <a:srgbClr val="585858"/>
                 </a:solidFill>
+                <a:latin typeface="Arial"/>
+                <a:ea typeface="Arial"/>
+                <a:cs typeface="Arial"/>
+                <a:sym typeface="Arial"/>
               </a:rPr>
-              <a:t>	string = </a:t>
+              <a:t>	string = file.read()</a:t>
             </a:r>
-            <a:r>
-              <a:rPr lang="en-US" sz="2050" dirty="0" err="1">
-                <a:solidFill>
-                  <a:srgbClr val="585858"/>
-                </a:solidFill>
-              </a:rPr>
-              <a:t>file.read</a:t>
-            </a:r>
-            <a:r>
-              <a:rPr lang="en-US" sz="2050" dirty="0">
-                <a:solidFill>
-                  <a:srgbClr val="585858"/>
-                </a:solidFill>
-              </a:rPr>
-              <a:t>()</a:t>
-            </a:r>
-          </a:p>
-          <a:p>
-            <a:pPr marL="12065">
-              <a:buClr>
-                <a:srgbClr val="585858"/>
-              </a:buClr>
-              <a:buSzPts val="2050"/>
+            <a:endParaRPr/>
+          </a:p>
+          <a:p>
+            <a:pPr marL="12065" marR="0" lvl="0" indent="0" algn="l" rtl="0">
+              <a:lnSpc>
+                <a:spcPct val="100000"/>
+              </a:lnSpc>
+              <a:spcBef>
+                <a:spcPts val="0"/>
+              </a:spcBef>
+              <a:spcAft>
+                <a:spcPts val="0"/>
+              </a:spcAft>
+              <a:buNone/>
             </a:pPr>
-            <a:endParaRPr lang="en-US" sz="2050" dirty="0">
+            <a:endParaRPr sz="2050" b="0" i="0" u="none" strike="noStrike" cap="none">
               <a:solidFill>
                 <a:srgbClr val="585858"/>
               </a:solidFill>
+              <a:latin typeface="Arial"/>
+              <a:ea typeface="Arial"/>
+              <a:cs typeface="Arial"/>
+              <a:sym typeface="Arial"/>
             </a:endParaRPr>
           </a:p>
           <a:p>
-            <a:pPr marL="340995" indent="-328930">
+            <a:pPr marL="340995" marR="0" lvl="0" indent="-328930" algn="l" rtl="0">
+              <a:lnSpc>
+                <a:spcPct val="100000"/>
+              </a:lnSpc>
+              <a:spcBef>
+                <a:spcPts val="0"/>
+              </a:spcBef>
+              <a:spcAft>
+                <a:spcPts val="0"/>
+              </a:spcAft>
               <a:buClr>
                 <a:srgbClr val="585858"/>
               </a:buClr>
@@ -10843,61 +12374,80 @@
               <a:buChar char="●"/>
             </a:pPr>
             <a:r>
-              <a:rPr lang="en-US" sz="2050" dirty="0">
+              <a:rPr lang="en-US" sz="2050" b="0" i="0" u="none" strike="noStrike" cap="none">
                 <a:solidFill>
                   <a:srgbClr val="585858"/>
                 </a:solidFill>
+                <a:latin typeface="Arial"/>
+                <a:ea typeface="Arial"/>
+                <a:cs typeface="Arial"/>
+                <a:sym typeface="Arial"/>
               </a:rPr>
               <a:t>Close the file</a:t>
             </a:r>
-          </a:p>
-          <a:p>
-            <a:pPr marL="12065" lvl="1">
-              <a:buClr>
-                <a:srgbClr val="585858"/>
-              </a:buClr>
-              <a:buSzPts val="2050"/>
+            <a:endParaRPr/>
+          </a:p>
+          <a:p>
+            <a:pPr marL="12065" marR="0" lvl="1" indent="0" algn="l" rtl="0">
+              <a:lnSpc>
+                <a:spcPct val="100000"/>
+              </a:lnSpc>
+              <a:spcBef>
+                <a:spcPts val="0"/>
+              </a:spcBef>
+              <a:spcAft>
+                <a:spcPts val="0"/>
+              </a:spcAft>
+              <a:buNone/>
             </a:pPr>
             <a:r>
-              <a:rPr lang="en-US" sz="2050" dirty="0">
+              <a:rPr lang="en-US" sz="2050" b="0" i="0" u="none" strike="noStrike" cap="none">
                 <a:solidFill>
                   <a:srgbClr val="585858"/>
                 </a:solidFill>
+                <a:latin typeface="Arial"/>
+                <a:ea typeface="Arial"/>
+                <a:cs typeface="Arial"/>
+                <a:sym typeface="Arial"/>
               </a:rPr>
-              <a:t>	</a:t>
+              <a:t>	file.close()</a:t>
             </a:r>
-            <a:r>
-              <a:rPr lang="en-US" sz="2050" dirty="0" err="1">
-                <a:solidFill>
-                  <a:srgbClr val="585858"/>
-                </a:solidFill>
-              </a:rPr>
-              <a:t>file.close</a:t>
-            </a:r>
-            <a:r>
-              <a:rPr lang="en-US" sz="2050" dirty="0">
-                <a:solidFill>
-                  <a:srgbClr val="585858"/>
-                </a:solidFill>
-              </a:rPr>
-              <a:t>()</a:t>
-            </a:r>
-          </a:p>
-          <a:p>
-            <a:pPr marL="12065" lvl="1">
-              <a:buClr>
-                <a:srgbClr val="585858"/>
-              </a:buClr>
-              <a:buSzPts val="2050"/>
+            <a:endParaRPr/>
+          </a:p>
+          <a:p>
+            <a:pPr marL="12065" marR="0" lvl="1" indent="0" algn="l" rtl="0">
+              <a:lnSpc>
+                <a:spcPct val="100000"/>
+              </a:lnSpc>
+              <a:spcBef>
+                <a:spcPts val="0"/>
+              </a:spcBef>
+              <a:spcAft>
+                <a:spcPts val="0"/>
+              </a:spcAft>
+              <a:buNone/>
             </a:pPr>
-            <a:endParaRPr lang="en-US" sz="2050" dirty="0">
+            <a:endParaRPr sz="2050" b="0" i="0" u="none" strike="noStrike" cap="none">
               <a:solidFill>
                 <a:srgbClr val="585858"/>
               </a:solidFill>
+              <a:latin typeface="Arial"/>
+              <a:ea typeface="Arial"/>
+              <a:cs typeface="Arial"/>
+              <a:sym typeface="Arial"/>
             </a:endParaRPr>
           </a:p>
           <a:p>
-            <a:pPr marL="340995" indent="-328930">
+            <a:pPr marL="340995" marR="0" lvl="0" indent="-328930" algn="l" rtl="0">
+              <a:lnSpc>
+                <a:spcPct val="100000"/>
+              </a:lnSpc>
+              <a:spcBef>
+                <a:spcPts val="0"/>
+              </a:spcBef>
+              <a:spcAft>
+                <a:spcPts val="0"/>
+              </a:spcAft>
               <a:buClr>
                 <a:srgbClr val="585858"/>
               </a:buClr>
@@ -10906,48 +12456,48 @@
               <a:buChar char="●"/>
             </a:pPr>
             <a:r>
-              <a:rPr lang="en-US" sz="2050" dirty="0">
+              <a:rPr lang="en-US" sz="2050" b="0" i="0" u="none" strike="noStrike" cap="none">
                 <a:solidFill>
                   <a:srgbClr val="585858"/>
                 </a:solidFill>
+                <a:latin typeface="Arial"/>
+                <a:ea typeface="Arial"/>
+                <a:cs typeface="Arial"/>
+                <a:sym typeface="Arial"/>
               </a:rPr>
-              <a:t>Covert the string into a Python object</a:t>
+              <a:t>Convert the string into a Python object</a:t>
             </a:r>
-          </a:p>
-          <a:p>
-            <a:pPr marL="12065">
-              <a:buClr>
-                <a:srgbClr val="585858"/>
-              </a:buClr>
-              <a:buSzPts val="2050"/>
+            <a:endParaRPr/>
+          </a:p>
+          <a:p>
+            <a:pPr marL="12065" marR="0" lvl="0" indent="0" algn="l" rtl="0">
+              <a:lnSpc>
+                <a:spcPct val="100000"/>
+              </a:lnSpc>
+              <a:spcBef>
+                <a:spcPts val="0"/>
+              </a:spcBef>
+              <a:spcAft>
+                <a:spcPts val="0"/>
+              </a:spcAft>
+              <a:buNone/>
             </a:pPr>
             <a:r>
-              <a:rPr lang="en-US" sz="2050" dirty="0">
+              <a:rPr lang="en-US" sz="2050" b="0" i="0" u="none" strike="noStrike" cap="none">
                 <a:solidFill>
                   <a:srgbClr val="585858"/>
                 </a:solidFill>
+                <a:latin typeface="Arial"/>
+                <a:ea typeface="Arial"/>
+                <a:cs typeface="Arial"/>
+                <a:sym typeface="Arial"/>
               </a:rPr>
-              <a:t>	data = </a:t>
+              <a:t>	data = json.loads(string) </a:t>
             </a:r>
-            <a:r>
-              <a:rPr lang="en-US" sz="2050" dirty="0" err="1">
-                <a:solidFill>
-                  <a:srgbClr val="585858"/>
-                </a:solidFill>
-              </a:rPr>
-              <a:t>json.loads</a:t>
-            </a:r>
-            <a:r>
-              <a:rPr lang="en-US" sz="2050" dirty="0">
-                <a:solidFill>
-                  <a:srgbClr val="585858"/>
-                </a:solidFill>
-              </a:rPr>
-              <a:t>(string) </a:t>
-            </a:r>
-          </a:p>
-          <a:p>
-            <a:pPr marL="340995" marR="0" lvl="0" indent="-328930" algn="l" rtl="0">
+            <a:endParaRPr/>
+          </a:p>
+          <a:p>
+            <a:pPr marL="340995" marR="0" lvl="0" indent="-198755" algn="l" rtl="0">
               <a:lnSpc>
                 <a:spcPct val="100000"/>
               </a:lnSpc>
@@ -10962,22 +12512,21 @@
               </a:buClr>
               <a:buSzPts val="2050"/>
               <a:buFont typeface="Arial"/>
-              <a:buChar char="●"/>
+              <a:buNone/>
             </a:pPr>
-            <a:endParaRPr lang="en-US" sz="2050" dirty="0">
+            <a:endParaRPr sz="2050" b="0" i="0" u="none" strike="noStrike" cap="none">
               <a:solidFill>
                 <a:srgbClr val="585858"/>
               </a:solidFill>
+              <a:latin typeface="Arial"/>
+              <a:ea typeface="Arial"/>
+              <a:cs typeface="Arial"/>
+              <a:sym typeface="Arial"/>
             </a:endParaRPr>
           </a:p>
         </p:txBody>
       </p:sp>
     </p:spTree>
-    <p:extLst>
-      <p:ext uri="{BB962C8B-B14F-4D97-AF65-F5344CB8AC3E}">
-        <p14:creationId xmlns:p14="http://schemas.microsoft.com/office/powerpoint/2010/main" val="2148001827"/>
-      </p:ext>
-    </p:extLst>
   </p:cSld>
   <p:clrMapOvr>
     <a:masterClrMapping/>
